--- a/soutenances/projet_decembre/etat_art.pptx
+++ b/soutenances/projet_decembre/etat_art.pptx
@@ -4,8 +4,14 @@
   <p:sldMasterIdLst>
     <p:sldMasterId id="2147483654" r:id="rId1"/>
   </p:sldMasterIdLst>
+  <p:notesMasterIdLst>
+    <p:notesMasterId r:id="rId6"/>
+  </p:notesMasterIdLst>
   <p:sldIdLst>
     <p:sldId id="259" r:id="rId2"/>
+    <p:sldId id="260" r:id="rId3"/>
+    <p:sldId id="261" r:id="rId4"/>
+    <p:sldId id="262" r:id="rId5"/>
   </p:sldIdLst>
   <p:sldSz cx="9144000" cy="6858000" type="screen4x3"/>
   <p:notesSz cx="6858000" cy="9144000"/>
@@ -106,16 +112,453 @@
   </p:defaultTextStyle>
   <p:extLst>
     <p:ext uri="{521415D9-36F7-43E2-AB2F-B90AF26B5E84}">
-      <p14:sectionLst xmlns:p14="http://schemas.microsoft.com/office/powerpoint/2010/main" xmlns="">
+      <p14:sectionLst xmlns:p14="http://schemas.microsoft.com/office/powerpoint/2010/main">
         <p14:section name="Modèles INSA" id="{339B715A-A4F6-482F-9E8F-E995A152AF53}">
           <p14:sldIdLst>
-            <p14:sldId id="256"/>
+            <p14:sldId id="259"/>
+            <p14:sldId id="260"/>
+            <p14:sldId id="261"/>
+            <p14:sldId id="262"/>
           </p14:sldIdLst>
         </p14:section>
       </p14:sectionLst>
     </p:ext>
   </p:extLst>
 </p:presentation>
+</file>
+
+<file path=ppt/notesMasters/notesMaster1.xml><?xml version="1.0" encoding="utf-8"?>
+<p:notesMaster xmlns:a="http://schemas.openxmlformats.org/drawingml/2006/main" xmlns:r="http://schemas.openxmlformats.org/officeDocument/2006/relationships" xmlns:p="http://schemas.openxmlformats.org/presentationml/2006/main">
+  <p:cSld>
+    <p:bg>
+      <p:bgRef idx="1001">
+        <a:schemeClr val="bg1"/>
+      </p:bgRef>
+    </p:bg>
+    <p:spTree>
+      <p:nvGrpSpPr>
+        <p:cNvPr id="1" name=""/>
+        <p:cNvGrpSpPr/>
+        <p:nvPr/>
+      </p:nvGrpSpPr>
+      <p:grpSpPr>
+        <a:xfrm>
+          <a:off x="0" y="0"/>
+          <a:ext cx="0" cy="0"/>
+          <a:chOff x="0" y="0"/>
+          <a:chExt cx="0" cy="0"/>
+        </a:xfrm>
+      </p:grpSpPr>
+      <p:sp>
+        <p:nvSpPr>
+          <p:cNvPr id="2" name="Espace réservé de l'en-tête 1"/>
+          <p:cNvSpPr>
+            <a:spLocks noGrp="1"/>
+          </p:cNvSpPr>
+          <p:nvPr>
+            <p:ph type="hdr" sz="quarter"/>
+          </p:nvPr>
+        </p:nvSpPr>
+        <p:spPr>
+          <a:xfrm>
+            <a:off x="0" y="0"/>
+            <a:ext cx="2971800" cy="457200"/>
+          </a:xfrm>
+          <a:prstGeom prst="rect">
+            <a:avLst/>
+          </a:prstGeom>
+        </p:spPr>
+        <p:txBody>
+          <a:bodyPr vert="horz" lIns="91440" tIns="45720" rIns="91440" bIns="45720" rtlCol="0"/>
+          <a:lstStyle>
+            <a:lvl1pPr algn="l">
+              <a:defRPr sz="1200"/>
+            </a:lvl1pPr>
+          </a:lstStyle>
+          <a:p>
+            <a:endParaRPr lang="fr-FR"/>
+          </a:p>
+        </p:txBody>
+      </p:sp>
+      <p:sp>
+        <p:nvSpPr>
+          <p:cNvPr id="3" name="Espace réservé de la date 2"/>
+          <p:cNvSpPr>
+            <a:spLocks noGrp="1"/>
+          </p:cNvSpPr>
+          <p:nvPr>
+            <p:ph type="dt" idx="1"/>
+          </p:nvPr>
+        </p:nvSpPr>
+        <p:spPr>
+          <a:xfrm>
+            <a:off x="3884613" y="0"/>
+            <a:ext cx="2971800" cy="457200"/>
+          </a:xfrm>
+          <a:prstGeom prst="rect">
+            <a:avLst/>
+          </a:prstGeom>
+        </p:spPr>
+        <p:txBody>
+          <a:bodyPr vert="horz" lIns="91440" tIns="45720" rIns="91440" bIns="45720" rtlCol="0"/>
+          <a:lstStyle>
+            <a:lvl1pPr algn="r">
+              <a:defRPr sz="1200"/>
+            </a:lvl1pPr>
+          </a:lstStyle>
+          <a:p>
+            <a:fld id="{C968536F-DC49-4863-B489-3035345AFB0F}" type="datetimeFigureOut">
+              <a:rPr lang="fr-FR" smtClean="0"/>
+              <a:t>15/12/2014</a:t>
+            </a:fld>
+            <a:endParaRPr lang="fr-FR"/>
+          </a:p>
+        </p:txBody>
+      </p:sp>
+      <p:sp>
+        <p:nvSpPr>
+          <p:cNvPr id="4" name="Espace réservé de l'image des diapositives 3"/>
+          <p:cNvSpPr>
+            <a:spLocks noGrp="1" noRot="1" noChangeAspect="1"/>
+          </p:cNvSpPr>
+          <p:nvPr>
+            <p:ph type="sldImg" idx="2"/>
+          </p:nvPr>
+        </p:nvSpPr>
+        <p:spPr>
+          <a:xfrm>
+            <a:off x="1143000" y="685800"/>
+            <a:ext cx="4572000" cy="3429000"/>
+          </a:xfrm>
+          <a:prstGeom prst="rect">
+            <a:avLst/>
+          </a:prstGeom>
+          <a:noFill/>
+          <a:ln w="12700">
+            <a:solidFill>
+              <a:prstClr val="black"/>
+            </a:solidFill>
+          </a:ln>
+        </p:spPr>
+        <p:txBody>
+          <a:bodyPr vert="horz" lIns="91440" tIns="45720" rIns="91440" bIns="45720" rtlCol="0" anchor="ctr"/>
+          <a:lstStyle/>
+          <a:p>
+            <a:endParaRPr lang="fr-FR"/>
+          </a:p>
+        </p:txBody>
+      </p:sp>
+      <p:sp>
+        <p:nvSpPr>
+          <p:cNvPr id="5" name="Espace réservé des commentaires 4"/>
+          <p:cNvSpPr>
+            <a:spLocks noGrp="1"/>
+          </p:cNvSpPr>
+          <p:nvPr>
+            <p:ph type="body" sz="quarter" idx="3"/>
+          </p:nvPr>
+        </p:nvSpPr>
+        <p:spPr>
+          <a:xfrm>
+            <a:off x="685800" y="4343400"/>
+            <a:ext cx="5486400" cy="4114800"/>
+          </a:xfrm>
+          <a:prstGeom prst="rect">
+            <a:avLst/>
+          </a:prstGeom>
+        </p:spPr>
+        <p:txBody>
+          <a:bodyPr vert="horz" lIns="91440" tIns="45720" rIns="91440" bIns="45720" rtlCol="0"/>
+          <a:lstStyle/>
+          <a:p>
+            <a:pPr lvl="0"/>
+            <a:r>
+              <a:rPr lang="fr-FR" smtClean="0"/>
+              <a:t>Modifiez les styles du texte du masque</a:t>
+            </a:r>
+          </a:p>
+          <a:p>
+            <a:pPr lvl="1"/>
+            <a:r>
+              <a:rPr lang="fr-FR" smtClean="0"/>
+              <a:t>Deuxième niveau</a:t>
+            </a:r>
+          </a:p>
+          <a:p>
+            <a:pPr lvl="2"/>
+            <a:r>
+              <a:rPr lang="fr-FR" smtClean="0"/>
+              <a:t>Troisième niveau</a:t>
+            </a:r>
+          </a:p>
+          <a:p>
+            <a:pPr lvl="3"/>
+            <a:r>
+              <a:rPr lang="fr-FR" smtClean="0"/>
+              <a:t>Quatrième niveau</a:t>
+            </a:r>
+          </a:p>
+          <a:p>
+            <a:pPr lvl="4"/>
+            <a:r>
+              <a:rPr lang="fr-FR" smtClean="0"/>
+              <a:t>Cinquième niveau</a:t>
+            </a:r>
+            <a:endParaRPr lang="fr-FR"/>
+          </a:p>
+        </p:txBody>
+      </p:sp>
+      <p:sp>
+        <p:nvSpPr>
+          <p:cNvPr id="6" name="Espace réservé du pied de page 5"/>
+          <p:cNvSpPr>
+            <a:spLocks noGrp="1"/>
+          </p:cNvSpPr>
+          <p:nvPr>
+            <p:ph type="ftr" sz="quarter" idx="4"/>
+          </p:nvPr>
+        </p:nvSpPr>
+        <p:spPr>
+          <a:xfrm>
+            <a:off x="0" y="8685213"/>
+            <a:ext cx="2971800" cy="457200"/>
+          </a:xfrm>
+          <a:prstGeom prst="rect">
+            <a:avLst/>
+          </a:prstGeom>
+        </p:spPr>
+        <p:txBody>
+          <a:bodyPr vert="horz" lIns="91440" tIns="45720" rIns="91440" bIns="45720" rtlCol="0" anchor="b"/>
+          <a:lstStyle>
+            <a:lvl1pPr algn="l">
+              <a:defRPr sz="1200"/>
+            </a:lvl1pPr>
+          </a:lstStyle>
+          <a:p>
+            <a:endParaRPr lang="fr-FR"/>
+          </a:p>
+        </p:txBody>
+      </p:sp>
+      <p:sp>
+        <p:nvSpPr>
+          <p:cNvPr id="7" name="Espace réservé du numéro de diapositive 6"/>
+          <p:cNvSpPr>
+            <a:spLocks noGrp="1"/>
+          </p:cNvSpPr>
+          <p:nvPr>
+            <p:ph type="sldNum" sz="quarter" idx="5"/>
+          </p:nvPr>
+        </p:nvSpPr>
+        <p:spPr>
+          <a:xfrm>
+            <a:off x="3884613" y="8685213"/>
+            <a:ext cx="2971800" cy="457200"/>
+          </a:xfrm>
+          <a:prstGeom prst="rect">
+            <a:avLst/>
+          </a:prstGeom>
+        </p:spPr>
+        <p:txBody>
+          <a:bodyPr vert="horz" lIns="91440" tIns="45720" rIns="91440" bIns="45720" rtlCol="0" anchor="b"/>
+          <a:lstStyle>
+            <a:lvl1pPr algn="r">
+              <a:defRPr sz="1200"/>
+            </a:lvl1pPr>
+          </a:lstStyle>
+          <a:p>
+            <a:fld id="{2301B3DF-4127-41C0-BB05-FA3D19621909}" type="slidenum">
+              <a:rPr lang="fr-FR" smtClean="0"/>
+              <a:t>‹N°›</a:t>
+            </a:fld>
+            <a:endParaRPr lang="fr-FR"/>
+          </a:p>
+        </p:txBody>
+      </p:sp>
+    </p:spTree>
+    <p:extLst>
+      <p:ext uri="{BB962C8B-B14F-4D97-AF65-F5344CB8AC3E}">
+        <p14:creationId xmlns:p14="http://schemas.microsoft.com/office/powerpoint/2010/main" val="682279768"/>
+      </p:ext>
+    </p:extLst>
+  </p:cSld>
+  <p:clrMap bg1="lt1" tx1="dk1" bg2="lt2" tx2="dk2" accent1="accent1" accent2="accent2" accent3="accent3" accent4="accent4" accent5="accent5" accent6="accent6" hlink="hlink" folHlink="folHlink"/>
+  <p:notesStyle>
+    <a:lvl1pPr marL="0" algn="l" defTabSz="914400" rtl="0" eaLnBrk="1" latinLnBrk="0" hangingPunct="1">
+      <a:defRPr sz="1200" kern="1200">
+        <a:solidFill>
+          <a:schemeClr val="tx1"/>
+        </a:solidFill>
+        <a:latin typeface="+mn-lt"/>
+        <a:ea typeface="+mn-ea"/>
+        <a:cs typeface="+mn-cs"/>
+      </a:defRPr>
+    </a:lvl1pPr>
+    <a:lvl2pPr marL="457200" algn="l" defTabSz="914400" rtl="0" eaLnBrk="1" latinLnBrk="0" hangingPunct="1">
+      <a:defRPr sz="1200" kern="1200">
+        <a:solidFill>
+          <a:schemeClr val="tx1"/>
+        </a:solidFill>
+        <a:latin typeface="+mn-lt"/>
+        <a:ea typeface="+mn-ea"/>
+        <a:cs typeface="+mn-cs"/>
+      </a:defRPr>
+    </a:lvl2pPr>
+    <a:lvl3pPr marL="914400" algn="l" defTabSz="914400" rtl="0" eaLnBrk="1" latinLnBrk="0" hangingPunct="1">
+      <a:defRPr sz="1200" kern="1200">
+        <a:solidFill>
+          <a:schemeClr val="tx1"/>
+        </a:solidFill>
+        <a:latin typeface="+mn-lt"/>
+        <a:ea typeface="+mn-ea"/>
+        <a:cs typeface="+mn-cs"/>
+      </a:defRPr>
+    </a:lvl3pPr>
+    <a:lvl4pPr marL="1371600" algn="l" defTabSz="914400" rtl="0" eaLnBrk="1" latinLnBrk="0" hangingPunct="1">
+      <a:defRPr sz="1200" kern="1200">
+        <a:solidFill>
+          <a:schemeClr val="tx1"/>
+        </a:solidFill>
+        <a:latin typeface="+mn-lt"/>
+        <a:ea typeface="+mn-ea"/>
+        <a:cs typeface="+mn-cs"/>
+      </a:defRPr>
+    </a:lvl4pPr>
+    <a:lvl5pPr marL="1828800" algn="l" defTabSz="914400" rtl="0" eaLnBrk="1" latinLnBrk="0" hangingPunct="1">
+      <a:defRPr sz="1200" kern="1200">
+        <a:solidFill>
+          <a:schemeClr val="tx1"/>
+        </a:solidFill>
+        <a:latin typeface="+mn-lt"/>
+        <a:ea typeface="+mn-ea"/>
+        <a:cs typeface="+mn-cs"/>
+      </a:defRPr>
+    </a:lvl5pPr>
+    <a:lvl6pPr marL="2286000" algn="l" defTabSz="914400" rtl="0" eaLnBrk="1" latinLnBrk="0" hangingPunct="1">
+      <a:defRPr sz="1200" kern="1200">
+        <a:solidFill>
+          <a:schemeClr val="tx1"/>
+        </a:solidFill>
+        <a:latin typeface="+mn-lt"/>
+        <a:ea typeface="+mn-ea"/>
+        <a:cs typeface="+mn-cs"/>
+      </a:defRPr>
+    </a:lvl6pPr>
+    <a:lvl7pPr marL="2743200" algn="l" defTabSz="914400" rtl="0" eaLnBrk="1" latinLnBrk="0" hangingPunct="1">
+      <a:defRPr sz="1200" kern="1200">
+        <a:solidFill>
+          <a:schemeClr val="tx1"/>
+        </a:solidFill>
+        <a:latin typeface="+mn-lt"/>
+        <a:ea typeface="+mn-ea"/>
+        <a:cs typeface="+mn-cs"/>
+      </a:defRPr>
+    </a:lvl7pPr>
+    <a:lvl8pPr marL="3200400" algn="l" defTabSz="914400" rtl="0" eaLnBrk="1" latinLnBrk="0" hangingPunct="1">
+      <a:defRPr sz="1200" kern="1200">
+        <a:solidFill>
+          <a:schemeClr val="tx1"/>
+        </a:solidFill>
+        <a:latin typeface="+mn-lt"/>
+        <a:ea typeface="+mn-ea"/>
+        <a:cs typeface="+mn-cs"/>
+      </a:defRPr>
+    </a:lvl8pPr>
+    <a:lvl9pPr marL="3657600" algn="l" defTabSz="914400" rtl="0" eaLnBrk="1" latinLnBrk="0" hangingPunct="1">
+      <a:defRPr sz="1200" kern="1200">
+        <a:solidFill>
+          <a:schemeClr val="tx1"/>
+        </a:solidFill>
+        <a:latin typeface="+mn-lt"/>
+        <a:ea typeface="+mn-ea"/>
+        <a:cs typeface="+mn-cs"/>
+      </a:defRPr>
+    </a:lvl9pPr>
+  </p:notesStyle>
+</p:notesMaster>
+</file>
+
+<file path=ppt/notesSlides/notesSlide1.xml><?xml version="1.0" encoding="utf-8"?>
+<p:notes xmlns:a="http://schemas.openxmlformats.org/drawingml/2006/main" xmlns:r="http://schemas.openxmlformats.org/officeDocument/2006/relationships" xmlns:p="http://schemas.openxmlformats.org/presentationml/2006/main">
+  <p:cSld>
+    <p:spTree>
+      <p:nvGrpSpPr>
+        <p:cNvPr id="1" name=""/>
+        <p:cNvGrpSpPr/>
+        <p:nvPr/>
+      </p:nvGrpSpPr>
+      <p:grpSpPr>
+        <a:xfrm>
+          <a:off x="0" y="0"/>
+          <a:ext cx="0" cy="0"/>
+          <a:chOff x="0" y="0"/>
+          <a:chExt cx="0" cy="0"/>
+        </a:xfrm>
+      </p:grpSpPr>
+      <p:sp>
+        <p:nvSpPr>
+          <p:cNvPr id="2" name="Espace réservé de l'image des diapositives 1"/>
+          <p:cNvSpPr>
+            <a:spLocks noGrp="1" noRot="1" noChangeAspect="1"/>
+          </p:cNvSpPr>
+          <p:nvPr>
+            <p:ph type="sldImg"/>
+          </p:nvPr>
+        </p:nvSpPr>
+        <p:spPr/>
+      </p:sp>
+      <p:sp>
+        <p:nvSpPr>
+          <p:cNvPr id="3" name="Espace réservé des commentaires 2"/>
+          <p:cNvSpPr>
+            <a:spLocks noGrp="1"/>
+          </p:cNvSpPr>
+          <p:nvPr>
+            <p:ph type="body" idx="1"/>
+          </p:nvPr>
+        </p:nvSpPr>
+        <p:spPr/>
+        <p:txBody>
+          <a:bodyPr/>
+          <a:lstStyle/>
+          <a:p>
+            <a:endParaRPr lang="fr-FR" dirty="0"/>
+          </a:p>
+        </p:txBody>
+      </p:sp>
+      <p:sp>
+        <p:nvSpPr>
+          <p:cNvPr id="4" name="Espace réservé du numéro de diapositive 3"/>
+          <p:cNvSpPr>
+            <a:spLocks noGrp="1"/>
+          </p:cNvSpPr>
+          <p:nvPr>
+            <p:ph type="sldNum" sz="quarter" idx="10"/>
+          </p:nvPr>
+        </p:nvSpPr>
+        <p:spPr/>
+        <p:txBody>
+          <a:bodyPr/>
+          <a:lstStyle/>
+          <a:p>
+            <a:fld id="{2301B3DF-4127-41C0-BB05-FA3D19621909}" type="slidenum">
+              <a:rPr lang="fr-FR" smtClean="0"/>
+              <a:t>2</a:t>
+            </a:fld>
+            <a:endParaRPr lang="fr-FR"/>
+          </a:p>
+        </p:txBody>
+      </p:sp>
+    </p:spTree>
+    <p:extLst>
+      <p:ext uri="{BB962C8B-B14F-4D97-AF65-F5344CB8AC3E}">
+        <p14:creationId xmlns:p14="http://schemas.microsoft.com/office/powerpoint/2010/main" val="874516906"/>
+      </p:ext>
+    </p:extLst>
+  </p:cSld>
+  <p:clrMapOvr>
+    <a:masterClrMapping/>
+  </p:clrMapOvr>
+</p:notes>
 </file>
 
 <file path=ppt/slideLayouts/slideLayout1.xml><?xml version="1.0" encoding="utf-8"?>
@@ -207,7 +650,7 @@
             <a:blip r:embed="rId2" cstate="print">
               <a:extLst>
                 <a:ext uri="{28A0092B-C50C-407E-A947-70E740481C1C}">
-                  <a14:useLocalDpi xmlns:a14="http://schemas.microsoft.com/office/drawing/2010/main" xmlns="" val="0"/>
+                  <a14:useLocalDpi xmlns:a14="http://schemas.microsoft.com/office/drawing/2010/main" val="0"/>
                 </a:ext>
               </a:extLst>
             </a:blip>
@@ -225,7 +668,7 @@
             <a:noFill/>
             <a:extLst>
               <a:ext uri="{909E8E84-426E-40DD-AFC4-6F175D3DCCD1}">
-                <a14:hiddenFill xmlns:a14="http://schemas.microsoft.com/office/drawing/2010/main" xmlns="">
+                <a14:hiddenFill xmlns:a14="http://schemas.microsoft.com/office/drawing/2010/main">
                   <a:solidFill>
                     <a:srgbClr val="FFFFFF"/>
                   </a:solidFill>
@@ -246,7 +689,7 @@
             <a:blip r:embed="rId3" cstate="print">
               <a:extLst>
                 <a:ext uri="{28A0092B-C50C-407E-A947-70E740481C1C}">
-                  <a14:useLocalDpi xmlns:a14="http://schemas.microsoft.com/office/drawing/2010/main" xmlns="" val="0"/>
+                  <a14:useLocalDpi xmlns:a14="http://schemas.microsoft.com/office/drawing/2010/main" val="0"/>
                 </a:ext>
               </a:extLst>
             </a:blip>
@@ -266,7 +709,7 @@
             <a:noFill/>
             <a:extLst>
               <a:ext uri="{909E8E84-426E-40DD-AFC4-6F175D3DCCD1}">
-                <a14:hiddenFill xmlns:a14="http://schemas.microsoft.com/office/drawing/2010/main" xmlns="">
+                <a14:hiddenFill xmlns:a14="http://schemas.microsoft.com/office/drawing/2010/main">
                   <a:solidFill>
                     <a:srgbClr val="FFFFFF"/>
                   </a:solidFill>
@@ -1315,7 +1758,7 @@
     </p:spTree>
     <p:extLst>
       <p:ext uri="{BB962C8B-B14F-4D97-AF65-F5344CB8AC3E}">
-        <p14:creationId xmlns:p14="http://schemas.microsoft.com/office/powerpoint/2010/main" xmlns="" val="2155599893"/>
+        <p14:creationId xmlns:p14="http://schemas.microsoft.com/office/powerpoint/2010/main" val="2155599893"/>
       </p:ext>
     </p:extLst>
   </p:cSld>
@@ -1473,7 +1916,7 @@
     </p:spTree>
     <p:extLst>
       <p:ext uri="{BB962C8B-B14F-4D97-AF65-F5344CB8AC3E}">
-        <p14:creationId xmlns:p14="http://schemas.microsoft.com/office/powerpoint/2010/main" xmlns="" val="2625538701"/>
+        <p14:creationId xmlns:p14="http://schemas.microsoft.com/office/powerpoint/2010/main" val="2625538701"/>
       </p:ext>
     </p:extLst>
   </p:cSld>
@@ -1701,7 +2144,7 @@
     </p:spTree>
     <p:extLst>
       <p:ext uri="{BB962C8B-B14F-4D97-AF65-F5344CB8AC3E}">
-        <p14:creationId xmlns:p14="http://schemas.microsoft.com/office/powerpoint/2010/main" xmlns="" val="1505370761"/>
+        <p14:creationId xmlns:p14="http://schemas.microsoft.com/office/powerpoint/2010/main" val="1505370761"/>
       </p:ext>
     </p:extLst>
   </p:cSld>
@@ -1947,7 +2390,7 @@
     </p:spTree>
     <p:extLst>
       <p:ext uri="{BB962C8B-B14F-4D97-AF65-F5344CB8AC3E}">
-        <p14:creationId xmlns:p14="http://schemas.microsoft.com/office/powerpoint/2010/main" xmlns="" val="1601618539"/>
+        <p14:creationId xmlns:p14="http://schemas.microsoft.com/office/powerpoint/2010/main" val="1601618539"/>
       </p:ext>
     </p:extLst>
   </p:cSld>
@@ -2331,7 +2774,7 @@
     </p:spTree>
     <p:extLst>
       <p:ext uri="{BB962C8B-B14F-4D97-AF65-F5344CB8AC3E}">
-        <p14:creationId xmlns:p14="http://schemas.microsoft.com/office/powerpoint/2010/main" xmlns="" val="171255179"/>
+        <p14:creationId xmlns:p14="http://schemas.microsoft.com/office/powerpoint/2010/main" val="171255179"/>
       </p:ext>
     </p:extLst>
   </p:cSld>
@@ -2433,7 +2876,7 @@
     </p:spTree>
     <p:extLst>
       <p:ext uri="{BB962C8B-B14F-4D97-AF65-F5344CB8AC3E}">
-        <p14:creationId xmlns:p14="http://schemas.microsoft.com/office/powerpoint/2010/main" xmlns="" val="4241946124"/>
+        <p14:creationId xmlns:p14="http://schemas.microsoft.com/office/powerpoint/2010/main" val="4241946124"/>
       </p:ext>
     </p:extLst>
   </p:cSld>
@@ -2471,7 +2914,7 @@
     </p:spTree>
     <p:extLst>
       <p:ext uri="{BB962C8B-B14F-4D97-AF65-F5344CB8AC3E}">
-        <p14:creationId xmlns:p14="http://schemas.microsoft.com/office/powerpoint/2010/main" xmlns="" val="3843733788"/>
+        <p14:creationId xmlns:p14="http://schemas.microsoft.com/office/powerpoint/2010/main" val="3843733788"/>
       </p:ext>
     </p:extLst>
   </p:cSld>
@@ -2767,7 +3210,7 @@
     </p:spTree>
     <p:extLst>
       <p:ext uri="{BB962C8B-B14F-4D97-AF65-F5344CB8AC3E}">
-        <p14:creationId xmlns:p14="http://schemas.microsoft.com/office/powerpoint/2010/main" xmlns="" val="680884878"/>
+        <p14:creationId xmlns:p14="http://schemas.microsoft.com/office/powerpoint/2010/main" val="680884878"/>
       </p:ext>
     </p:extLst>
   </p:cSld>
@@ -3816,7 +4259,7 @@
           <a:blip r:embed="rId10" cstate="print">
             <a:extLst>
               <a:ext uri="{28A0092B-C50C-407E-A947-70E740481C1C}">
-                <a14:useLocalDpi xmlns:a14="http://schemas.microsoft.com/office/drawing/2010/main" xmlns="" val="0"/>
+                <a14:useLocalDpi xmlns:a14="http://schemas.microsoft.com/office/drawing/2010/main" val="0"/>
               </a:ext>
             </a:extLst>
           </a:blip>
@@ -3834,7 +4277,7 @@
           <a:noFill/>
           <a:extLst>
             <a:ext uri="{909E8E84-426E-40DD-AFC4-6F175D3DCCD1}">
-              <a14:hiddenFill xmlns:a14="http://schemas.microsoft.com/office/drawing/2010/main" xmlns="">
+              <a14:hiddenFill xmlns:a14="http://schemas.microsoft.com/office/drawing/2010/main">
                 <a:solidFill>
                   <a:srgbClr val="FFFFFF"/>
                 </a:solidFill>
@@ -3855,7 +4298,7 @@
           <a:blip r:embed="rId11" cstate="print">
             <a:extLst>
               <a:ext uri="{28A0092B-C50C-407E-A947-70E740481C1C}">
-                <a14:useLocalDpi xmlns:a14="http://schemas.microsoft.com/office/drawing/2010/main" xmlns="" val="0"/>
+                <a14:useLocalDpi xmlns:a14="http://schemas.microsoft.com/office/drawing/2010/main" val="0"/>
               </a:ext>
             </a:extLst>
           </a:blip>
@@ -3875,7 +4318,7 @@
           <a:noFill/>
           <a:extLst>
             <a:ext uri="{909E8E84-426E-40DD-AFC4-6F175D3DCCD1}">
-              <a14:hiddenFill xmlns:a14="http://schemas.microsoft.com/office/drawing/2010/main" xmlns="">
+              <a14:hiddenFill xmlns:a14="http://schemas.microsoft.com/office/drawing/2010/main">
                 <a:solidFill>
                   <a:srgbClr val="FFFFFF"/>
                 </a:solidFill>
@@ -4033,7 +4476,7 @@
             <a:lum bright="70000" contrast="-70000"/>
             <a:extLst>
               <a:ext uri="{28A0092B-C50C-407E-A947-70E740481C1C}">
-                <a14:useLocalDpi xmlns:a14="http://schemas.microsoft.com/office/drawing/2010/main" xmlns="" val="0"/>
+                <a14:useLocalDpi xmlns:a14="http://schemas.microsoft.com/office/drawing/2010/main" val="0"/>
               </a:ext>
             </a:extLst>
           </a:blip>
@@ -4054,7 +4497,7 @@
     </p:spTree>
     <p:extLst>
       <p:ext uri="{BB962C8B-B14F-4D97-AF65-F5344CB8AC3E}">
-        <p14:creationId xmlns:p14="http://schemas.microsoft.com/office/powerpoint/2010/main" xmlns="" val="3080300347"/>
+        <p14:creationId xmlns:p14="http://schemas.microsoft.com/office/powerpoint/2010/main" val="3080300347"/>
       </p:ext>
     </p:extLst>
   </p:cSld>
@@ -4389,113 +4832,129 @@
           <a:lstStyle/>
           <a:p>
             <a:r>
-              <a:rPr lang="fr-FR" smtClean="0"/>
+              <a:rPr lang="fr-FR" dirty="0" smtClean="0"/>
               <a:t>Intro </a:t>
             </a:r>
             <a:r>
-              <a:rPr lang="fr-FR" smtClean="0">
+              <a:rPr lang="fr-FR" dirty="0" smtClean="0">
                 <a:sym typeface="Wingdings" pitchFamily="2" charset="2"/>
               </a:rPr>
-              <a:t> Valou</a:t>
-            </a:r>
-            <a:endParaRPr lang="fr-FR" smtClean="0"/>
-          </a:p>
-          <a:p>
-            <a:endParaRPr lang="fr-FR" smtClean="0"/>
-          </a:p>
-          <a:p>
-            <a:r>
-              <a:rPr lang="fr-FR" smtClean="0"/>
-              <a:t>Etat de l’art  </a:t>
-            </a:r>
-            <a:r>
-              <a:rPr lang="fr-FR" smtClean="0">
+              <a:t> </a:t>
+            </a:r>
+            <a:r>
+              <a:rPr lang="fr-FR" dirty="0" err="1" smtClean="0">
                 <a:sym typeface="Wingdings" pitchFamily="2" charset="2"/>
               </a:rPr>
-              <a:t> FloBière</a:t>
-            </a:r>
-            <a:endParaRPr lang="fr-FR" smtClean="0"/>
-          </a:p>
-          <a:p>
-            <a:endParaRPr lang="fr-FR" smtClean="0"/>
-          </a:p>
-          <a:p>
-            <a:r>
-              <a:rPr lang="fr-FR" smtClean="0"/>
-              <a:t>Etude de l’existant </a:t>
-            </a:r>
-            <a:r>
-              <a:rPr lang="fr-FR" smtClean="0"/>
-              <a:t> </a:t>
-            </a:r>
-            <a:r>
-              <a:rPr lang="fr-FR" smtClean="0">
+              <a:t>Valou</a:t>
+            </a:r>
+            <a:endParaRPr lang="fr-FR" dirty="0" smtClean="0"/>
+          </a:p>
+          <a:p>
+            <a:endParaRPr lang="fr-FR" dirty="0" smtClean="0"/>
+          </a:p>
+          <a:p>
+            <a:r>
+              <a:rPr lang="fr-FR" dirty="0" smtClean="0"/>
+              <a:t>Etat de l’art  </a:t>
+            </a:r>
+            <a:r>
+              <a:rPr lang="fr-FR" dirty="0" smtClean="0">
+                <a:sym typeface="Wingdings" pitchFamily="2" charset="2"/>
+              </a:rPr>
+              <a:t> </a:t>
+            </a:r>
+            <a:r>
+              <a:rPr lang="fr-FR" dirty="0" err="1" smtClean="0">
+                <a:sym typeface="Wingdings" pitchFamily="2" charset="2"/>
+              </a:rPr>
+              <a:t>FloBière</a:t>
+            </a:r>
+            <a:endParaRPr lang="fr-FR" dirty="0" smtClean="0"/>
+          </a:p>
+          <a:p>
+            <a:endParaRPr lang="fr-FR" dirty="0" smtClean="0"/>
+          </a:p>
+          <a:p>
+            <a:r>
+              <a:rPr lang="fr-FR" dirty="0" smtClean="0"/>
+              <a:t>Etude de l’existant  </a:t>
+            </a:r>
+            <a:r>
+              <a:rPr lang="fr-FR" dirty="0" smtClean="0">
                 <a:sym typeface="Wingdings" pitchFamily="2" charset="2"/>
               </a:rPr>
               <a:t> Maud</a:t>
             </a:r>
-            <a:endParaRPr lang="fr-FR" smtClean="0"/>
-          </a:p>
-          <a:p>
-            <a:endParaRPr lang="fr-FR" smtClean="0"/>
-          </a:p>
-          <a:p>
-            <a:r>
-              <a:rPr lang="fr-FR" smtClean="0"/>
-              <a:t>Glasir : cahier des </a:t>
-            </a:r>
-            <a:r>
-              <a:rPr lang="fr-FR" smtClean="0"/>
-              <a:t>charges	</a:t>
-            </a:r>
-            <a:r>
-              <a:rPr lang="fr-FR" smtClean="0">
+            <a:endParaRPr lang="fr-FR" dirty="0" smtClean="0"/>
+          </a:p>
+          <a:p>
+            <a:endParaRPr lang="fr-FR" dirty="0" smtClean="0"/>
+          </a:p>
+          <a:p>
+            <a:r>
+              <a:rPr lang="fr-FR" dirty="0" err="1" smtClean="0"/>
+              <a:t>Glasir</a:t>
+            </a:r>
+            <a:r>
+              <a:rPr lang="fr-FR" dirty="0" smtClean="0"/>
+              <a:t> : cahier des charges	</a:t>
+            </a:r>
+            <a:r>
+              <a:rPr lang="fr-FR" dirty="0" smtClean="0">
                 <a:sym typeface="Wingdings" pitchFamily="2" charset="2"/>
               </a:rPr>
               <a:t> Hoel</a:t>
             </a:r>
-            <a:endParaRPr lang="fr-FR" smtClean="0"/>
-          </a:p>
-          <a:p>
-            <a:r>
-              <a:rPr lang="fr-FR" smtClean="0"/>
+            <a:endParaRPr lang="fr-FR" dirty="0" smtClean="0"/>
+          </a:p>
+          <a:p>
+            <a:r>
+              <a:rPr lang="fr-FR" dirty="0" smtClean="0"/>
               <a:t>Architecture globale</a:t>
             </a:r>
           </a:p>
           <a:p>
-            <a:endParaRPr lang="fr-FR" smtClean="0"/>
-          </a:p>
-          <a:p>
-            <a:r>
-              <a:rPr lang="fr-FR" smtClean="0"/>
-              <a:t>Spéc 	</a:t>
-            </a:r>
-            <a:r>
-              <a:rPr lang="fr-FR" smtClean="0">
+            <a:endParaRPr lang="fr-FR" dirty="0" smtClean="0"/>
+          </a:p>
+          <a:p>
+            <a:r>
+              <a:rPr lang="fr-FR" dirty="0" err="1" smtClean="0"/>
+              <a:t>Spéc</a:t>
+            </a:r>
+            <a:r>
+              <a:rPr lang="fr-FR" dirty="0" smtClean="0"/>
+              <a:t> 	</a:t>
+            </a:r>
+            <a:r>
+              <a:rPr lang="fr-FR" dirty="0" smtClean="0">
                 <a:sym typeface="Wingdings" pitchFamily="2" charset="2"/>
               </a:rPr>
               <a:t> </a:t>
             </a:r>
             <a:r>
-              <a:rPr lang="fr-FR" smtClean="0"/>
+              <a:rPr lang="fr-FR" dirty="0" smtClean="0"/>
               <a:t>Coco</a:t>
             </a:r>
           </a:p>
           <a:p>
-            <a:endParaRPr lang="fr-FR" smtClean="0"/>
-          </a:p>
-          <a:p>
-            <a:r>
-              <a:rPr lang="fr-FR" smtClean="0"/>
-              <a:t>Plannif conclusion </a:t>
-            </a:r>
-            <a:r>
-              <a:rPr lang="fr-FR" smtClean="0">
+            <a:endParaRPr lang="fr-FR" dirty="0" smtClean="0"/>
+          </a:p>
+          <a:p>
+            <a:r>
+              <a:rPr lang="fr-FR" dirty="0" err="1" smtClean="0"/>
+              <a:t>Plannif</a:t>
+            </a:r>
+            <a:r>
+              <a:rPr lang="fr-FR" dirty="0" smtClean="0"/>
+              <a:t> conclusion </a:t>
+            </a:r>
+            <a:r>
+              <a:rPr lang="fr-FR" dirty="0" smtClean="0">
                 <a:sym typeface="Wingdings" pitchFamily="2" charset="2"/>
               </a:rPr>
               <a:t> PM</a:t>
             </a:r>
-            <a:endParaRPr lang="fr-FR" smtClean="0"/>
+            <a:endParaRPr lang="fr-FR" dirty="0" smtClean="0"/>
           </a:p>
         </p:txBody>
       </p:sp>
@@ -4521,6 +4980,488 @@
         </p:txBody>
       </p:sp>
     </p:spTree>
+  </p:cSld>
+  <p:clrMapOvr>
+    <a:masterClrMapping/>
+  </p:clrMapOvr>
+  <p:timing>
+    <p:tnLst>
+      <p:par>
+        <p:cTn id="1" dur="indefinite" restart="never" nodeType="tmRoot"/>
+      </p:par>
+    </p:tnLst>
+  </p:timing>
+</p:sld>
+</file>
+
+<file path=ppt/slides/slide2.xml><?xml version="1.0" encoding="utf-8"?>
+<p:sld xmlns:a="http://schemas.openxmlformats.org/drawingml/2006/main" xmlns:r="http://schemas.openxmlformats.org/officeDocument/2006/relationships" xmlns:p="http://schemas.openxmlformats.org/presentationml/2006/main">
+  <p:cSld>
+    <p:spTree>
+      <p:nvGrpSpPr>
+        <p:cNvPr id="1" name=""/>
+        <p:cNvGrpSpPr/>
+        <p:nvPr/>
+      </p:nvGrpSpPr>
+      <p:grpSpPr>
+        <a:xfrm>
+          <a:off x="0" y="0"/>
+          <a:ext cx="0" cy="0"/>
+          <a:chOff x="0" y="0"/>
+          <a:chExt cx="0" cy="0"/>
+        </a:xfrm>
+      </p:grpSpPr>
+      <p:sp>
+        <p:nvSpPr>
+          <p:cNvPr id="2" name="Titre 1"/>
+          <p:cNvSpPr>
+            <a:spLocks noGrp="1"/>
+          </p:cNvSpPr>
+          <p:nvPr>
+            <p:ph type="title"/>
+          </p:nvPr>
+        </p:nvSpPr>
+        <p:spPr/>
+        <p:txBody>
+          <a:bodyPr/>
+          <a:lstStyle/>
+          <a:p>
+            <a:r>
+              <a:rPr lang="fr-FR" dirty="0" err="1" smtClean="0"/>
+              <a:t>Glasir</a:t>
+            </a:r>
+            <a:r>
+              <a:rPr lang="fr-FR" dirty="0" smtClean="0"/>
+              <a:t> : logiciel de sécurité</a:t>
+            </a:r>
+            <a:endParaRPr lang="fr-FR" dirty="0"/>
+          </a:p>
+        </p:txBody>
+      </p:sp>
+      <p:sp>
+        <p:nvSpPr>
+          <p:cNvPr id="3" name="Espace réservé du contenu 2"/>
+          <p:cNvSpPr>
+            <a:spLocks noGrp="1"/>
+          </p:cNvSpPr>
+          <p:nvPr>
+            <p:ph idx="1"/>
+          </p:nvPr>
+        </p:nvSpPr>
+        <p:spPr/>
+        <p:txBody>
+          <a:bodyPr/>
+          <a:lstStyle/>
+          <a:p>
+            <a:r>
+              <a:rPr lang="fr-FR" dirty="0" smtClean="0"/>
+              <a:t>1999 Bruce </a:t>
+            </a:r>
+            <a:r>
+              <a:rPr lang="fr-FR" dirty="0" err="1" smtClean="0"/>
+              <a:t>Schneier</a:t>
+            </a:r>
+            <a:r>
+              <a:rPr lang="fr-FR" dirty="0" smtClean="0"/>
+              <a:t> à partir des arbres de défaillance</a:t>
+            </a:r>
+            <a:endParaRPr lang="fr-FR" b="0" dirty="0" smtClean="0"/>
+          </a:p>
+          <a:p>
+            <a:r>
+              <a:rPr lang="fr-FR" b="0" dirty="0" smtClean="0">
+                <a:sym typeface="Wingdings" panose="05000000000000000000" pitchFamily="2" charset="2"/>
+              </a:rPr>
+              <a:t> Pouvoir réaliser un inventaire des attaques possibles</a:t>
+            </a:r>
+            <a:endParaRPr lang="fr-FR" dirty="0">
+              <a:sym typeface="Wingdings" panose="05000000000000000000" pitchFamily="2" charset="2"/>
+            </a:endParaRPr>
+          </a:p>
+          <a:p>
+            <a:r>
+              <a:rPr lang="fr-FR" dirty="0">
+                <a:sym typeface="Wingdings" panose="05000000000000000000" pitchFamily="2" charset="2"/>
+              </a:rPr>
+              <a:t>Arborescence de nœuds et </a:t>
+            </a:r>
+            <a:r>
+              <a:rPr lang="fr-FR" dirty="0" smtClean="0">
+                <a:sym typeface="Wingdings" panose="05000000000000000000" pitchFamily="2" charset="2"/>
+              </a:rPr>
+              <a:t>feuilles</a:t>
+            </a:r>
+          </a:p>
+          <a:p>
+            <a:endParaRPr lang="fr-FR" dirty="0" smtClean="0">
+              <a:sym typeface="Wingdings" panose="05000000000000000000" pitchFamily="2" charset="2"/>
+            </a:endParaRPr>
+          </a:p>
+          <a:p>
+            <a:r>
+              <a:rPr lang="fr-FR" dirty="0" smtClean="0">
+                <a:sym typeface="Wingdings" panose="05000000000000000000" pitchFamily="2" charset="2"/>
+              </a:rPr>
+              <a:t> Nœuds conjonctifs </a:t>
+            </a:r>
+            <a:r>
+              <a:rPr lang="fr-FR" dirty="0">
+                <a:sym typeface="Wingdings" panose="05000000000000000000" pitchFamily="2" charset="2"/>
+              </a:rPr>
+              <a:t>/</a:t>
+            </a:r>
+            <a:r>
+              <a:rPr lang="fr-FR" dirty="0" smtClean="0">
+                <a:sym typeface="Wingdings" panose="05000000000000000000" pitchFamily="2" charset="2"/>
+              </a:rPr>
+              <a:t> disjonctifs</a:t>
+            </a:r>
+            <a:endParaRPr lang="fr-FR" dirty="0">
+              <a:sym typeface="Wingdings" panose="05000000000000000000" pitchFamily="2" charset="2"/>
+            </a:endParaRPr>
+          </a:p>
+          <a:p>
+            <a:endParaRPr lang="fr-FR" dirty="0" smtClean="0"/>
+          </a:p>
+          <a:p>
+            <a:endParaRPr lang="fr-FR" b="0" dirty="0" smtClean="0"/>
+          </a:p>
+          <a:p>
+            <a:r>
+              <a:rPr lang="fr-FR" b="0" dirty="0" smtClean="0"/>
+              <a:t>IMG arbre d’attaque -&gt; fil rouge</a:t>
+            </a:r>
+            <a:endParaRPr lang="fr-FR" b="0" dirty="0"/>
+          </a:p>
+          <a:p>
+            <a:endParaRPr lang="fr-FR" dirty="0"/>
+          </a:p>
+        </p:txBody>
+      </p:sp>
+      <p:sp>
+        <p:nvSpPr>
+          <p:cNvPr id="4" name="Espace réservé du texte 3"/>
+          <p:cNvSpPr>
+            <a:spLocks noGrp="1"/>
+          </p:cNvSpPr>
+          <p:nvPr>
+            <p:ph type="body" sz="quarter" idx="10"/>
+          </p:nvPr>
+        </p:nvSpPr>
+        <p:spPr/>
+        <p:txBody>
+          <a:bodyPr>
+            <a:normAutofit fontScale="92500" lnSpcReduction="20000"/>
+          </a:bodyPr>
+          <a:lstStyle/>
+          <a:p>
+            <a:r>
+              <a:rPr lang="fr-FR" dirty="0" smtClean="0"/>
+              <a:t>Arbres d’attaque et de défense</a:t>
+            </a:r>
+            <a:endParaRPr lang="fr-FR" dirty="0"/>
+          </a:p>
+        </p:txBody>
+      </p:sp>
+      <p:pic>
+        <p:nvPicPr>
+          <p:cNvPr id="10" name="Image 9"/>
+          <p:cNvPicPr>
+            <a:picLocks noChangeAspect="1"/>
+          </p:cNvPicPr>
+          <p:nvPr/>
+        </p:nvPicPr>
+        <p:blipFill>
+          <a:blip r:embed="rId3">
+            <a:extLst>
+              <a:ext uri="{28A0092B-C50C-407E-A947-70E740481C1C}">
+                <a14:useLocalDpi xmlns:a14="http://schemas.microsoft.com/office/drawing/2010/main" val="0"/>
+              </a:ext>
+            </a:extLst>
+          </a:blip>
+          <a:stretch>
+            <a:fillRect/>
+          </a:stretch>
+        </p:blipFill>
+        <p:spPr>
+          <a:xfrm>
+            <a:off x="0" y="2164260"/>
+            <a:ext cx="9144000" cy="3568996"/>
+          </a:xfrm>
+          <a:prstGeom prst="rect">
+            <a:avLst/>
+          </a:prstGeom>
+        </p:spPr>
+      </p:pic>
+    </p:spTree>
+    <p:extLst>
+      <p:ext uri="{BB962C8B-B14F-4D97-AF65-F5344CB8AC3E}">
+        <p14:creationId xmlns:p14="http://schemas.microsoft.com/office/powerpoint/2010/main" val="679461077"/>
+      </p:ext>
+    </p:extLst>
+  </p:cSld>
+  <p:clrMapOvr>
+    <a:masterClrMapping/>
+  </p:clrMapOvr>
+  <p:timing>
+    <p:tnLst>
+      <p:par>
+        <p:cTn id="1" dur="indefinite" restart="never" nodeType="tmRoot"/>
+      </p:par>
+    </p:tnLst>
+  </p:timing>
+</p:sld>
+</file>
+
+<file path=ppt/slides/slide3.xml><?xml version="1.0" encoding="utf-8"?>
+<p:sld xmlns:a="http://schemas.openxmlformats.org/drawingml/2006/main" xmlns:r="http://schemas.openxmlformats.org/officeDocument/2006/relationships" xmlns:p="http://schemas.openxmlformats.org/presentationml/2006/main">
+  <p:cSld>
+    <p:spTree>
+      <p:nvGrpSpPr>
+        <p:cNvPr id="1" name=""/>
+        <p:cNvGrpSpPr/>
+        <p:nvPr/>
+      </p:nvGrpSpPr>
+      <p:grpSpPr>
+        <a:xfrm>
+          <a:off x="0" y="0"/>
+          <a:ext cx="0" cy="0"/>
+          <a:chOff x="0" y="0"/>
+          <a:chExt cx="0" cy="0"/>
+        </a:xfrm>
+      </p:grpSpPr>
+      <p:sp>
+        <p:nvSpPr>
+          <p:cNvPr id="2" name="Titre 1"/>
+          <p:cNvSpPr>
+            <a:spLocks noGrp="1"/>
+          </p:cNvSpPr>
+          <p:nvPr>
+            <p:ph type="title"/>
+          </p:nvPr>
+        </p:nvSpPr>
+        <p:spPr/>
+        <p:txBody>
+          <a:bodyPr/>
+          <a:lstStyle/>
+          <a:p>
+            <a:r>
+              <a:rPr lang="fr-FR" dirty="0" err="1" smtClean="0"/>
+              <a:t>Glasir</a:t>
+            </a:r>
+            <a:r>
+              <a:rPr lang="fr-FR" dirty="0" smtClean="0"/>
+              <a:t> : logiciel de sécurité</a:t>
+            </a:r>
+            <a:endParaRPr lang="fr-FR" dirty="0"/>
+          </a:p>
+        </p:txBody>
+      </p:sp>
+      <p:sp>
+        <p:nvSpPr>
+          <p:cNvPr id="3" name="Espace réservé du contenu 2"/>
+          <p:cNvSpPr>
+            <a:spLocks noGrp="1"/>
+          </p:cNvSpPr>
+          <p:nvPr>
+            <p:ph idx="1"/>
+          </p:nvPr>
+        </p:nvSpPr>
+        <p:spPr/>
+        <p:txBody>
+          <a:bodyPr/>
+          <a:lstStyle/>
+          <a:p>
+            <a:r>
+              <a:rPr lang="fr-FR" dirty="0"/>
+              <a:t>Concept a évolué </a:t>
+            </a:r>
+            <a:r>
+              <a:rPr lang="fr-FR" dirty="0">
+                <a:sym typeface="Wingdings" panose="05000000000000000000" pitchFamily="2" charset="2"/>
+              </a:rPr>
+              <a:t> arbres d’attaque et de défense</a:t>
+            </a:r>
+          </a:p>
+          <a:p>
+            <a:endParaRPr lang="fr-FR" dirty="0">
+              <a:sym typeface="Wingdings" panose="05000000000000000000" pitchFamily="2" charset="2"/>
+            </a:endParaRPr>
+          </a:p>
+          <a:p>
+            <a:endParaRPr lang="fr-FR" dirty="0"/>
+          </a:p>
+        </p:txBody>
+      </p:sp>
+      <p:sp>
+        <p:nvSpPr>
+          <p:cNvPr id="4" name="Espace réservé du texte 3"/>
+          <p:cNvSpPr>
+            <a:spLocks noGrp="1"/>
+          </p:cNvSpPr>
+          <p:nvPr>
+            <p:ph type="body" sz="quarter" idx="10"/>
+          </p:nvPr>
+        </p:nvSpPr>
+        <p:spPr/>
+        <p:txBody>
+          <a:bodyPr>
+            <a:normAutofit fontScale="92500" lnSpcReduction="20000"/>
+          </a:bodyPr>
+          <a:lstStyle/>
+          <a:p>
+            <a:r>
+              <a:rPr lang="fr-FR" dirty="0" smtClean="0"/>
+              <a:t>Arbres d’attaque et de défense</a:t>
+            </a:r>
+            <a:endParaRPr lang="fr-FR" dirty="0"/>
+          </a:p>
+        </p:txBody>
+      </p:sp>
+      <p:pic>
+        <p:nvPicPr>
+          <p:cNvPr id="6" name="Image 5"/>
+          <p:cNvPicPr>
+            <a:picLocks noChangeAspect="1"/>
+          </p:cNvPicPr>
+          <p:nvPr/>
+        </p:nvPicPr>
+        <p:blipFill>
+          <a:blip r:embed="rId2">
+            <a:extLst>
+              <a:ext uri="{28A0092B-C50C-407E-A947-70E740481C1C}">
+                <a14:useLocalDpi xmlns:a14="http://schemas.microsoft.com/office/drawing/2010/main" val="0"/>
+              </a:ext>
+            </a:extLst>
+          </a:blip>
+          <a:stretch>
+            <a:fillRect/>
+          </a:stretch>
+        </p:blipFill>
+        <p:spPr>
+          <a:xfrm>
+            <a:off x="-1332656" y="1259543"/>
+            <a:ext cx="11161240" cy="5411067"/>
+          </a:xfrm>
+          <a:prstGeom prst="rect">
+            <a:avLst/>
+          </a:prstGeom>
+        </p:spPr>
+      </p:pic>
+    </p:spTree>
+    <p:extLst>
+      <p:ext uri="{BB962C8B-B14F-4D97-AF65-F5344CB8AC3E}">
+        <p14:creationId xmlns:p14="http://schemas.microsoft.com/office/powerpoint/2010/main" val="3423601455"/>
+      </p:ext>
+    </p:extLst>
+  </p:cSld>
+  <p:clrMapOvr>
+    <a:masterClrMapping/>
+  </p:clrMapOvr>
+  <p:timing>
+    <p:tnLst>
+      <p:par>
+        <p:cTn id="1" dur="indefinite" restart="never" nodeType="tmRoot"/>
+      </p:par>
+    </p:tnLst>
+  </p:timing>
+</p:sld>
+</file>
+
+<file path=ppt/slides/slide4.xml><?xml version="1.0" encoding="utf-8"?>
+<p:sld xmlns:a="http://schemas.openxmlformats.org/drawingml/2006/main" xmlns:r="http://schemas.openxmlformats.org/officeDocument/2006/relationships" xmlns:p="http://schemas.openxmlformats.org/presentationml/2006/main">
+  <p:cSld>
+    <p:spTree>
+      <p:nvGrpSpPr>
+        <p:cNvPr id="1" name=""/>
+        <p:cNvGrpSpPr/>
+        <p:nvPr/>
+      </p:nvGrpSpPr>
+      <p:grpSpPr>
+        <a:xfrm>
+          <a:off x="0" y="0"/>
+          <a:ext cx="0" cy="0"/>
+          <a:chOff x="0" y="0"/>
+          <a:chExt cx="0" cy="0"/>
+        </a:xfrm>
+      </p:grpSpPr>
+      <p:sp>
+        <p:nvSpPr>
+          <p:cNvPr id="2" name="Titre 1"/>
+          <p:cNvSpPr>
+            <a:spLocks noGrp="1"/>
+          </p:cNvSpPr>
+          <p:nvPr>
+            <p:ph type="title"/>
+          </p:nvPr>
+        </p:nvSpPr>
+        <p:spPr/>
+        <p:txBody>
+          <a:bodyPr/>
+          <a:lstStyle/>
+          <a:p>
+            <a:r>
+              <a:rPr lang="fr-FR" dirty="0" err="1" smtClean="0"/>
+              <a:t>Glasir</a:t>
+            </a:r>
+            <a:r>
+              <a:rPr lang="fr-FR" dirty="0" smtClean="0"/>
+              <a:t> : logiciel de sécurité</a:t>
+            </a:r>
+            <a:endParaRPr lang="fr-FR" dirty="0"/>
+          </a:p>
+        </p:txBody>
+      </p:sp>
+      <p:sp>
+        <p:nvSpPr>
+          <p:cNvPr id="3" name="Espace réservé du contenu 2"/>
+          <p:cNvSpPr>
+            <a:spLocks noGrp="1"/>
+          </p:cNvSpPr>
+          <p:nvPr>
+            <p:ph idx="1"/>
+          </p:nvPr>
+        </p:nvSpPr>
+        <p:spPr/>
+        <p:txBody>
+          <a:bodyPr/>
+          <a:lstStyle/>
+          <a:p>
+            <a:endParaRPr lang="fr-FR" dirty="0"/>
+          </a:p>
+        </p:txBody>
+      </p:sp>
+      <p:sp>
+        <p:nvSpPr>
+          <p:cNvPr id="4" name="Espace réservé du texte 3"/>
+          <p:cNvSpPr>
+            <a:spLocks noGrp="1"/>
+          </p:cNvSpPr>
+          <p:nvPr>
+            <p:ph type="body" sz="quarter" idx="10"/>
+          </p:nvPr>
+        </p:nvSpPr>
+        <p:spPr/>
+        <p:txBody>
+          <a:bodyPr>
+            <a:normAutofit fontScale="92500" lnSpcReduction="20000"/>
+          </a:bodyPr>
+          <a:lstStyle/>
+          <a:p>
+            <a:r>
+              <a:rPr lang="fr-FR" dirty="0" smtClean="0"/>
+              <a:t>Arbres d’attaque et de défense</a:t>
+            </a:r>
+            <a:endParaRPr lang="fr-FR" dirty="0"/>
+          </a:p>
+        </p:txBody>
+      </p:sp>
+    </p:spTree>
+    <p:extLst>
+      <p:ext uri="{BB962C8B-B14F-4D97-AF65-F5344CB8AC3E}">
+        <p14:creationId xmlns:p14="http://schemas.microsoft.com/office/powerpoint/2010/main" val="1642008625"/>
+      </p:ext>
+    </p:extLst>
   </p:cSld>
   <p:clrMapOvr>
     <a:masterClrMapping/>
@@ -4818,4 +5759,289 @@
   <a:objectDefaults/>
   <a:extraClrSchemeLst/>
 </a:theme>
+</file>
+
+<file path=ppt/theme/theme2.xml><?xml version="1.0" encoding="utf-8"?>
+<a:theme xmlns:a="http://schemas.openxmlformats.org/drawingml/2006/main" name="Thème Office">
+  <a:themeElements>
+    <a:clrScheme name="Office">
+      <a:dk1>
+        <a:sysClr val="windowText" lastClr="000000"/>
+      </a:dk1>
+      <a:lt1>
+        <a:sysClr val="window" lastClr="FFFFFF"/>
+      </a:lt1>
+      <a:dk2>
+        <a:srgbClr val="1F497D"/>
+      </a:dk2>
+      <a:lt2>
+        <a:srgbClr val="EEECE1"/>
+      </a:lt2>
+      <a:accent1>
+        <a:srgbClr val="4F81BD"/>
+      </a:accent1>
+      <a:accent2>
+        <a:srgbClr val="C0504D"/>
+      </a:accent2>
+      <a:accent3>
+        <a:srgbClr val="9BBB59"/>
+      </a:accent3>
+      <a:accent4>
+        <a:srgbClr val="8064A2"/>
+      </a:accent4>
+      <a:accent5>
+        <a:srgbClr val="4BACC6"/>
+      </a:accent5>
+      <a:accent6>
+        <a:srgbClr val="F79646"/>
+      </a:accent6>
+      <a:hlink>
+        <a:srgbClr val="0000FF"/>
+      </a:hlink>
+      <a:folHlink>
+        <a:srgbClr val="800080"/>
+      </a:folHlink>
+    </a:clrScheme>
+    <a:fontScheme name="Office">
+      <a:majorFont>
+        <a:latin typeface="Calibri"/>
+        <a:ea typeface=""/>
+        <a:cs typeface=""/>
+        <a:font script="Jpan" typeface="ＭＳ Ｐゴシック"/>
+        <a:font script="Hang" typeface="맑은 고딕"/>
+        <a:font script="Hans" typeface="宋体"/>
+        <a:font script="Hant" typeface="新細明體"/>
+        <a:font script="Arab" typeface="Times New Roman"/>
+        <a:font script="Hebr" typeface="Times New Roman"/>
+        <a:font script="Thai" typeface="Angsana New"/>
+        <a:font script="Ethi" typeface="Nyala"/>
+        <a:font script="Beng" typeface="Vrinda"/>
+        <a:font script="Gujr" typeface="Shruti"/>
+        <a:font script="Khmr" typeface="MoolBoran"/>
+        <a:font script="Knda" typeface="Tunga"/>
+        <a:font script="Guru" typeface="Raavi"/>
+        <a:font script="Cans" typeface="Euphemia"/>
+        <a:font script="Cher" typeface="Plantagenet Cherokee"/>
+        <a:font script="Yiii" typeface="Microsoft Yi Baiti"/>
+        <a:font script="Tibt" typeface="Microsoft Himalaya"/>
+        <a:font script="Thaa" typeface="MV Boli"/>
+        <a:font script="Deva" typeface="Mangal"/>
+        <a:font script="Telu" typeface="Gautami"/>
+        <a:font script="Taml" typeface="Latha"/>
+        <a:font script="Syrc" typeface="Estrangelo Edessa"/>
+        <a:font script="Orya" typeface="Kalinga"/>
+        <a:font script="Mlym" typeface="Kartika"/>
+        <a:font script="Laoo" typeface="DokChampa"/>
+        <a:font script="Sinh" typeface="Iskoola Pota"/>
+        <a:font script="Mong" typeface="Mongolian Baiti"/>
+        <a:font script="Viet" typeface="Times New Roman"/>
+        <a:font script="Uigh" typeface="Microsoft Uighur"/>
+        <a:font script="Geor" typeface="Sylfaen"/>
+      </a:majorFont>
+      <a:minorFont>
+        <a:latin typeface="Calibri"/>
+        <a:ea typeface=""/>
+        <a:cs typeface=""/>
+        <a:font script="Jpan" typeface="ＭＳ Ｐゴシック"/>
+        <a:font script="Hang" typeface="맑은 고딕"/>
+        <a:font script="Hans" typeface="宋体"/>
+        <a:font script="Hant" typeface="新細明體"/>
+        <a:font script="Arab" typeface="Arial"/>
+        <a:font script="Hebr" typeface="Arial"/>
+        <a:font script="Thai" typeface="Cordia New"/>
+        <a:font script="Ethi" typeface="Nyala"/>
+        <a:font script="Beng" typeface="Vrinda"/>
+        <a:font script="Gujr" typeface="Shruti"/>
+        <a:font script="Khmr" typeface="DaunPenh"/>
+        <a:font script="Knda" typeface="Tunga"/>
+        <a:font script="Guru" typeface="Raavi"/>
+        <a:font script="Cans" typeface="Euphemia"/>
+        <a:font script="Cher" typeface="Plantagenet Cherokee"/>
+        <a:font script="Yiii" typeface="Microsoft Yi Baiti"/>
+        <a:font script="Tibt" typeface="Microsoft Himalaya"/>
+        <a:font script="Thaa" typeface="MV Boli"/>
+        <a:font script="Deva" typeface="Mangal"/>
+        <a:font script="Telu" typeface="Gautami"/>
+        <a:font script="Taml" typeface="Latha"/>
+        <a:font script="Syrc" typeface="Estrangelo Edessa"/>
+        <a:font script="Orya" typeface="Kalinga"/>
+        <a:font script="Mlym" typeface="Kartika"/>
+        <a:font script="Laoo" typeface="DokChampa"/>
+        <a:font script="Sinh" typeface="Iskoola Pota"/>
+        <a:font script="Mong" typeface="Mongolian Baiti"/>
+        <a:font script="Viet" typeface="Arial"/>
+        <a:font script="Uigh" typeface="Microsoft Uighur"/>
+        <a:font script="Geor" typeface="Sylfaen"/>
+      </a:minorFont>
+    </a:fontScheme>
+    <a:fmtScheme name="Office">
+      <a:fillStyleLst>
+        <a:solidFill>
+          <a:schemeClr val="phClr"/>
+        </a:solidFill>
+        <a:gradFill rotWithShape="1">
+          <a:gsLst>
+            <a:gs pos="0">
+              <a:schemeClr val="phClr">
+                <a:tint val="50000"/>
+                <a:satMod val="300000"/>
+              </a:schemeClr>
+            </a:gs>
+            <a:gs pos="35000">
+              <a:schemeClr val="phClr">
+                <a:tint val="37000"/>
+                <a:satMod val="300000"/>
+              </a:schemeClr>
+            </a:gs>
+            <a:gs pos="100000">
+              <a:schemeClr val="phClr">
+                <a:tint val="15000"/>
+                <a:satMod val="350000"/>
+              </a:schemeClr>
+            </a:gs>
+          </a:gsLst>
+          <a:lin ang="16200000" scaled="1"/>
+        </a:gradFill>
+        <a:gradFill rotWithShape="1">
+          <a:gsLst>
+            <a:gs pos="0">
+              <a:schemeClr val="phClr">
+                <a:shade val="51000"/>
+                <a:satMod val="130000"/>
+              </a:schemeClr>
+            </a:gs>
+            <a:gs pos="80000">
+              <a:schemeClr val="phClr">
+                <a:shade val="93000"/>
+                <a:satMod val="130000"/>
+              </a:schemeClr>
+            </a:gs>
+            <a:gs pos="100000">
+              <a:schemeClr val="phClr">
+                <a:shade val="94000"/>
+                <a:satMod val="135000"/>
+              </a:schemeClr>
+            </a:gs>
+          </a:gsLst>
+          <a:lin ang="16200000" scaled="0"/>
+        </a:gradFill>
+      </a:fillStyleLst>
+      <a:lnStyleLst>
+        <a:ln w="9525" cap="flat" cmpd="sng" algn="ctr">
+          <a:solidFill>
+            <a:schemeClr val="phClr">
+              <a:shade val="95000"/>
+              <a:satMod val="105000"/>
+            </a:schemeClr>
+          </a:solidFill>
+          <a:prstDash val="solid"/>
+        </a:ln>
+        <a:ln w="25400" cap="flat" cmpd="sng" algn="ctr">
+          <a:solidFill>
+            <a:schemeClr val="phClr"/>
+          </a:solidFill>
+          <a:prstDash val="solid"/>
+        </a:ln>
+        <a:ln w="38100" cap="flat" cmpd="sng" algn="ctr">
+          <a:solidFill>
+            <a:schemeClr val="phClr"/>
+          </a:solidFill>
+          <a:prstDash val="solid"/>
+        </a:ln>
+      </a:lnStyleLst>
+      <a:effectStyleLst>
+        <a:effectStyle>
+          <a:effectLst>
+            <a:outerShdw blurRad="40000" dist="20000" dir="5400000" rotWithShape="0">
+              <a:srgbClr val="000000">
+                <a:alpha val="38000"/>
+              </a:srgbClr>
+            </a:outerShdw>
+          </a:effectLst>
+        </a:effectStyle>
+        <a:effectStyle>
+          <a:effectLst>
+            <a:outerShdw blurRad="40000" dist="23000" dir="5400000" rotWithShape="0">
+              <a:srgbClr val="000000">
+                <a:alpha val="35000"/>
+              </a:srgbClr>
+            </a:outerShdw>
+          </a:effectLst>
+        </a:effectStyle>
+        <a:effectStyle>
+          <a:effectLst>
+            <a:outerShdw blurRad="40000" dist="23000" dir="5400000" rotWithShape="0">
+              <a:srgbClr val="000000">
+                <a:alpha val="35000"/>
+              </a:srgbClr>
+            </a:outerShdw>
+          </a:effectLst>
+          <a:scene3d>
+            <a:camera prst="orthographicFront">
+              <a:rot lat="0" lon="0" rev="0"/>
+            </a:camera>
+            <a:lightRig rig="threePt" dir="t">
+              <a:rot lat="0" lon="0" rev="1200000"/>
+            </a:lightRig>
+          </a:scene3d>
+          <a:sp3d>
+            <a:bevelT w="63500" h="25400"/>
+          </a:sp3d>
+        </a:effectStyle>
+      </a:effectStyleLst>
+      <a:bgFillStyleLst>
+        <a:solidFill>
+          <a:schemeClr val="phClr"/>
+        </a:solidFill>
+        <a:gradFill rotWithShape="1">
+          <a:gsLst>
+            <a:gs pos="0">
+              <a:schemeClr val="phClr">
+                <a:tint val="40000"/>
+                <a:satMod val="350000"/>
+              </a:schemeClr>
+            </a:gs>
+            <a:gs pos="40000">
+              <a:schemeClr val="phClr">
+                <a:tint val="45000"/>
+                <a:shade val="99000"/>
+                <a:satMod val="350000"/>
+              </a:schemeClr>
+            </a:gs>
+            <a:gs pos="100000">
+              <a:schemeClr val="phClr">
+                <a:shade val="20000"/>
+                <a:satMod val="255000"/>
+              </a:schemeClr>
+            </a:gs>
+          </a:gsLst>
+          <a:path path="circle">
+            <a:fillToRect l="50000" t="-80000" r="50000" b="180000"/>
+          </a:path>
+        </a:gradFill>
+        <a:gradFill rotWithShape="1">
+          <a:gsLst>
+            <a:gs pos="0">
+              <a:schemeClr val="phClr">
+                <a:tint val="80000"/>
+                <a:satMod val="300000"/>
+              </a:schemeClr>
+            </a:gs>
+            <a:gs pos="100000">
+              <a:schemeClr val="phClr">
+                <a:shade val="30000"/>
+                <a:satMod val="200000"/>
+              </a:schemeClr>
+            </a:gs>
+          </a:gsLst>
+          <a:path path="circle">
+            <a:fillToRect l="50000" t="50000" r="50000" b="50000"/>
+          </a:path>
+        </a:gradFill>
+      </a:bgFillStyleLst>
+    </a:fmtScheme>
+  </a:themeElements>
+  <a:objectDefaults/>
+  <a:extraClrSchemeLst/>
+</a:theme>
 </file>
--- a/soutenances/projet_decembre/etat_art.pptx
+++ b/soutenances/projet_decembre/etat_art.pptx
@@ -5,13 +5,11 @@
     <p:sldMasterId id="2147483654" r:id="rId1"/>
   </p:sldMasterIdLst>
   <p:notesMasterIdLst>
-    <p:notesMasterId r:id="rId6"/>
+    <p:notesMasterId r:id="rId4"/>
   </p:notesMasterIdLst>
   <p:sldIdLst>
-    <p:sldId id="259" r:id="rId2"/>
-    <p:sldId id="260" r:id="rId3"/>
-    <p:sldId id="261" r:id="rId4"/>
-    <p:sldId id="262" r:id="rId5"/>
+    <p:sldId id="260" r:id="rId2"/>
+    <p:sldId id="261" r:id="rId3"/>
   </p:sldIdLst>
   <p:sldSz cx="9144000" cy="6858000" type="screen4x3"/>
   <p:notesSz cx="6858000" cy="9144000"/>
@@ -115,10 +113,8 @@
       <p14:sectionLst xmlns:p14="http://schemas.microsoft.com/office/powerpoint/2010/main">
         <p14:section name="Modèles INSA" id="{339B715A-A4F6-482F-9E8F-E995A152AF53}">
           <p14:sldIdLst>
-            <p14:sldId id="259"/>
             <p14:sldId id="260"/>
             <p14:sldId id="261"/>
-            <p14:sldId id="262"/>
           </p14:sldIdLst>
         </p14:section>
       </p14:sectionLst>
@@ -542,7 +538,7 @@
           <a:p>
             <a:fld id="{2301B3DF-4127-41C0-BB05-FA3D19621909}" type="slidenum">
               <a:rPr lang="fr-FR" smtClean="0"/>
-              <a:t>2</a:t>
+              <a:t>1</a:t>
             </a:fld>
             <a:endParaRPr lang="fr-FR"/>
           </a:p>
@@ -4809,10 +4805,14 @@
           <a:lstStyle/>
           <a:p>
             <a:r>
-              <a:rPr lang="fr-FR" smtClean="0"/>
-              <a:t>Plan</a:t>
-            </a:r>
-            <a:endParaRPr lang="fr-FR"/>
+              <a:rPr lang="fr-FR" dirty="0" err="1" smtClean="0"/>
+              <a:t>Glasir</a:t>
+            </a:r>
+            <a:r>
+              <a:rPr lang="fr-FR" dirty="0" smtClean="0"/>
+              <a:t> : logiciel de sécurité</a:t>
+            </a:r>
+            <a:endParaRPr lang="fr-FR" dirty="0"/>
           </a:p>
         </p:txBody>
       </p:sp>
@@ -4832,129 +4832,26 @@
           <a:lstStyle/>
           <a:p>
             <a:r>
-              <a:rPr lang="fr-FR" dirty="0" smtClean="0"/>
-              <a:t>Intro </a:t>
-            </a:r>
-            <a:r>
               <a:rPr lang="fr-FR" dirty="0" smtClean="0">
-                <a:sym typeface="Wingdings" pitchFamily="2" charset="2"/>
+                <a:sym typeface="Wingdings" panose="05000000000000000000" pitchFamily="2" charset="2"/>
               </a:rPr>
-              <a:t> </a:t>
+              <a:t>1999 : Bruce </a:t>
             </a:r>
             <a:r>
               <a:rPr lang="fr-FR" dirty="0" err="1" smtClean="0">
-                <a:sym typeface="Wingdings" pitchFamily="2" charset="2"/>
+                <a:sym typeface="Wingdings" panose="05000000000000000000" pitchFamily="2" charset="2"/>
               </a:rPr>
-              <a:t>Valou</a:t>
-            </a:r>
-            <a:endParaRPr lang="fr-FR" dirty="0" smtClean="0"/>
-          </a:p>
-          <a:p>
-            <a:endParaRPr lang="fr-FR" dirty="0" smtClean="0"/>
-          </a:p>
-          <a:p>
-            <a:r>
-              <a:rPr lang="fr-FR" dirty="0" smtClean="0"/>
-              <a:t>Etat de l’art  </a:t>
+              <a:t>Schneier</a:t>
             </a:r>
             <a:r>
               <a:rPr lang="fr-FR" dirty="0" smtClean="0">
-                <a:sym typeface="Wingdings" pitchFamily="2" charset="2"/>
+                <a:sym typeface="Wingdings" panose="05000000000000000000" pitchFamily="2" charset="2"/>
               </a:rPr>
-              <a:t> </a:t>
-            </a:r>
-            <a:r>
-              <a:rPr lang="fr-FR" dirty="0" err="1" smtClean="0">
-                <a:sym typeface="Wingdings" pitchFamily="2" charset="2"/>
-              </a:rPr>
-              <a:t>FloBière</a:t>
-            </a:r>
-            <a:endParaRPr lang="fr-FR" dirty="0" smtClean="0"/>
-          </a:p>
-          <a:p>
-            <a:endParaRPr lang="fr-FR" dirty="0" smtClean="0"/>
-          </a:p>
-          <a:p>
-            <a:r>
-              <a:rPr lang="fr-FR" dirty="0" smtClean="0"/>
-              <a:t>Etude de l’existant  </a:t>
-            </a:r>
-            <a:r>
-              <a:rPr lang="fr-FR" dirty="0" smtClean="0">
-                <a:sym typeface="Wingdings" pitchFamily="2" charset="2"/>
-              </a:rPr>
-              <a:t> Maud</a:t>
-            </a:r>
-            <a:endParaRPr lang="fr-FR" dirty="0" smtClean="0"/>
-          </a:p>
-          <a:p>
-            <a:endParaRPr lang="fr-FR" dirty="0" smtClean="0"/>
-          </a:p>
-          <a:p>
-            <a:r>
-              <a:rPr lang="fr-FR" dirty="0" err="1" smtClean="0"/>
-              <a:t>Glasir</a:t>
-            </a:r>
-            <a:r>
-              <a:rPr lang="fr-FR" dirty="0" smtClean="0"/>
-              <a:t> : cahier des charges	</a:t>
-            </a:r>
-            <a:r>
-              <a:rPr lang="fr-FR" dirty="0" smtClean="0">
-                <a:sym typeface="Wingdings" pitchFamily="2" charset="2"/>
-              </a:rPr>
-              <a:t> Hoel</a:t>
-            </a:r>
-            <a:endParaRPr lang="fr-FR" dirty="0" smtClean="0"/>
-          </a:p>
-          <a:p>
-            <a:r>
-              <a:rPr lang="fr-FR" dirty="0" smtClean="0"/>
-              <a:t>Architecture globale</a:t>
-            </a:r>
-          </a:p>
-          <a:p>
-            <a:endParaRPr lang="fr-FR" dirty="0" smtClean="0"/>
-          </a:p>
-          <a:p>
-            <a:r>
-              <a:rPr lang="fr-FR" dirty="0" err="1" smtClean="0"/>
-              <a:t>Spéc</a:t>
-            </a:r>
-            <a:r>
-              <a:rPr lang="fr-FR" dirty="0" smtClean="0"/>
-              <a:t> 	</a:t>
-            </a:r>
-            <a:r>
-              <a:rPr lang="fr-FR" dirty="0" smtClean="0">
-                <a:sym typeface="Wingdings" pitchFamily="2" charset="2"/>
-              </a:rPr>
-              <a:t> </a:t>
-            </a:r>
-            <a:r>
-              <a:rPr lang="fr-FR" dirty="0" smtClean="0"/>
-              <a:t>Coco</a:t>
-            </a:r>
-          </a:p>
-          <a:p>
-            <a:endParaRPr lang="fr-FR" dirty="0" smtClean="0"/>
-          </a:p>
-          <a:p>
-            <a:r>
-              <a:rPr lang="fr-FR" dirty="0" err="1" smtClean="0"/>
-              <a:t>Plannif</a:t>
-            </a:r>
-            <a:r>
-              <a:rPr lang="fr-FR" dirty="0" smtClean="0"/>
-              <a:t> conclusion </a:t>
-            </a:r>
-            <a:r>
-              <a:rPr lang="fr-FR" dirty="0" smtClean="0">
-                <a:sym typeface="Wingdings" pitchFamily="2" charset="2"/>
-              </a:rPr>
-              <a:t> PM</a:t>
-            </a:r>
-            <a:endParaRPr lang="fr-FR" dirty="0" smtClean="0"/>
+              <a:t> invente les arbres d’attaque</a:t>
+            </a:r>
+            <a:endParaRPr lang="fr-FR" dirty="0" smtClean="0">
+              <a:sym typeface="Wingdings" panose="05000000000000000000" pitchFamily="2" charset="2"/>
+            </a:endParaRPr>
           </a:p>
         </p:txBody>
       </p:sp>
@@ -4975,189 +4872,13 @@
           </a:bodyPr>
           <a:lstStyle/>
           <a:p>
-            <a:endParaRPr lang="fr-FR"/>
-          </a:p>
-        </p:txBody>
-      </p:sp>
-    </p:spTree>
-  </p:cSld>
-  <p:clrMapOvr>
-    <a:masterClrMapping/>
-  </p:clrMapOvr>
-  <p:timing>
-    <p:tnLst>
-      <p:par>
-        <p:cTn id="1" dur="indefinite" restart="never" nodeType="tmRoot"/>
-      </p:par>
-    </p:tnLst>
-  </p:timing>
-</p:sld>
-</file>
-
-<file path=ppt/slides/slide2.xml><?xml version="1.0" encoding="utf-8"?>
-<p:sld xmlns:a="http://schemas.openxmlformats.org/drawingml/2006/main" xmlns:r="http://schemas.openxmlformats.org/officeDocument/2006/relationships" xmlns:p="http://schemas.openxmlformats.org/presentationml/2006/main">
-  <p:cSld>
-    <p:spTree>
-      <p:nvGrpSpPr>
-        <p:cNvPr id="1" name=""/>
-        <p:cNvGrpSpPr/>
-        <p:nvPr/>
-      </p:nvGrpSpPr>
-      <p:grpSpPr>
-        <a:xfrm>
-          <a:off x="0" y="0"/>
-          <a:ext cx="0" cy="0"/>
-          <a:chOff x="0" y="0"/>
-          <a:chExt cx="0" cy="0"/>
-        </a:xfrm>
-      </p:grpSpPr>
-      <p:sp>
-        <p:nvSpPr>
-          <p:cNvPr id="2" name="Titre 1"/>
-          <p:cNvSpPr>
-            <a:spLocks noGrp="1"/>
-          </p:cNvSpPr>
-          <p:nvPr>
-            <p:ph type="title"/>
-          </p:nvPr>
-        </p:nvSpPr>
-        <p:spPr/>
-        <p:txBody>
-          <a:bodyPr/>
-          <a:lstStyle/>
-          <a:p>
-            <a:r>
-              <a:rPr lang="fr-FR" dirty="0" err="1" smtClean="0"/>
-              <a:t>Glasir</a:t>
-            </a:r>
             <a:r>
               <a:rPr lang="fr-FR" dirty="0" smtClean="0"/>
-              <a:t> : logiciel de sécurité</a:t>
-            </a:r>
-            <a:endParaRPr lang="fr-FR" dirty="0"/>
-          </a:p>
-        </p:txBody>
-      </p:sp>
-      <p:sp>
-        <p:nvSpPr>
-          <p:cNvPr id="3" name="Espace réservé du contenu 2"/>
-          <p:cNvSpPr>
-            <a:spLocks noGrp="1"/>
-          </p:cNvSpPr>
-          <p:nvPr>
-            <p:ph idx="1"/>
-          </p:nvPr>
-        </p:nvSpPr>
-        <p:spPr/>
-        <p:txBody>
-          <a:bodyPr/>
-          <a:lstStyle/>
-          <a:p>
+              <a:t>Arbres </a:t>
+            </a:r>
             <a:r>
               <a:rPr lang="fr-FR" dirty="0" smtClean="0"/>
-              <a:t>1999 Bruce </a:t>
-            </a:r>
-            <a:r>
-              <a:rPr lang="fr-FR" dirty="0" err="1" smtClean="0"/>
-              <a:t>Schneier</a:t>
-            </a:r>
-            <a:r>
-              <a:rPr lang="fr-FR" dirty="0" smtClean="0"/>
-              <a:t> à partir des arbres de défaillance</a:t>
-            </a:r>
-            <a:endParaRPr lang="fr-FR" b="0" dirty="0" smtClean="0"/>
-          </a:p>
-          <a:p>
-            <a:r>
-              <a:rPr lang="fr-FR" b="0" dirty="0" smtClean="0">
-                <a:sym typeface="Wingdings" panose="05000000000000000000" pitchFamily="2" charset="2"/>
-              </a:rPr>
-              <a:t> Pouvoir réaliser un inventaire des attaques possibles</a:t>
-            </a:r>
-            <a:endParaRPr lang="fr-FR" dirty="0">
-              <a:sym typeface="Wingdings" panose="05000000000000000000" pitchFamily="2" charset="2"/>
-            </a:endParaRPr>
-          </a:p>
-          <a:p>
-            <a:r>
-              <a:rPr lang="fr-FR" dirty="0">
-                <a:sym typeface="Wingdings" panose="05000000000000000000" pitchFamily="2" charset="2"/>
-              </a:rPr>
-              <a:t>Arborescence de nœuds et </a:t>
-            </a:r>
-            <a:r>
-              <a:rPr lang="fr-FR" dirty="0" smtClean="0">
-                <a:sym typeface="Wingdings" panose="05000000000000000000" pitchFamily="2" charset="2"/>
-              </a:rPr>
-              <a:t>feuilles</a:t>
-            </a:r>
-          </a:p>
-          <a:p>
-            <a:endParaRPr lang="fr-FR" dirty="0" smtClean="0">
-              <a:sym typeface="Wingdings" panose="05000000000000000000" pitchFamily="2" charset="2"/>
-            </a:endParaRPr>
-          </a:p>
-          <a:p>
-            <a:r>
-              <a:rPr lang="fr-FR" dirty="0" smtClean="0">
-                <a:sym typeface="Wingdings" panose="05000000000000000000" pitchFamily="2" charset="2"/>
-              </a:rPr>
-              <a:t> Nœuds conjonctifs </a:t>
-            </a:r>
-            <a:r>
-              <a:rPr lang="fr-FR" dirty="0">
-                <a:sym typeface="Wingdings" panose="05000000000000000000" pitchFamily="2" charset="2"/>
-              </a:rPr>
-              <a:t>/</a:t>
-            </a:r>
-            <a:r>
-              <a:rPr lang="fr-FR" dirty="0" smtClean="0">
-                <a:sym typeface="Wingdings" panose="05000000000000000000" pitchFamily="2" charset="2"/>
-              </a:rPr>
-              <a:t> disjonctifs</a:t>
-            </a:r>
-            <a:endParaRPr lang="fr-FR" dirty="0">
-              <a:sym typeface="Wingdings" panose="05000000000000000000" pitchFamily="2" charset="2"/>
-            </a:endParaRPr>
-          </a:p>
-          <a:p>
-            <a:endParaRPr lang="fr-FR" dirty="0" smtClean="0"/>
-          </a:p>
-          <a:p>
-            <a:endParaRPr lang="fr-FR" b="0" dirty="0" smtClean="0"/>
-          </a:p>
-          <a:p>
-            <a:r>
-              <a:rPr lang="fr-FR" b="0" dirty="0" smtClean="0"/>
-              <a:t>IMG arbre d’attaque -&gt; fil rouge</a:t>
-            </a:r>
-            <a:endParaRPr lang="fr-FR" b="0" dirty="0"/>
-          </a:p>
-          <a:p>
-            <a:endParaRPr lang="fr-FR" dirty="0"/>
-          </a:p>
-        </p:txBody>
-      </p:sp>
-      <p:sp>
-        <p:nvSpPr>
-          <p:cNvPr id="4" name="Espace réservé du texte 3"/>
-          <p:cNvSpPr>
-            <a:spLocks noGrp="1"/>
-          </p:cNvSpPr>
-          <p:nvPr>
-            <p:ph type="body" sz="quarter" idx="10"/>
-          </p:nvPr>
-        </p:nvSpPr>
-        <p:spPr/>
-        <p:txBody>
-          <a:bodyPr>
-            <a:normAutofit fontScale="92500" lnSpcReduction="20000"/>
-          </a:bodyPr>
-          <a:lstStyle/>
-          <a:p>
-            <a:r>
-              <a:rPr lang="fr-FR" dirty="0" smtClean="0"/>
-              <a:t>Arbres d’attaque et de défense</a:t>
+              <a:t>d’attaque</a:t>
             </a:r>
             <a:endParaRPr lang="fr-FR" dirty="0"/>
           </a:p>
@@ -5206,14 +4927,134 @@
   <p:timing>
     <p:tnLst>
       <p:par>
-        <p:cTn id="1" dur="indefinite" restart="never" nodeType="tmRoot"/>
+        <p:cTn id="1" dur="indefinite" restart="never" nodeType="tmRoot">
+          <p:childTnLst>
+            <p:seq concurrent="1" nextAc="seek">
+              <p:cTn id="2" dur="indefinite" nodeType="mainSeq">
+                <p:childTnLst>
+                  <p:par>
+                    <p:cTn id="3" fill="hold">
+                      <p:stCondLst>
+                        <p:cond delay="indefinite"/>
+                      </p:stCondLst>
+                      <p:childTnLst>
+                        <p:par>
+                          <p:cTn id="4" fill="hold">
+                            <p:stCondLst>
+                              <p:cond delay="0"/>
+                            </p:stCondLst>
+                            <p:childTnLst>
+                              <p:par>
+                                <p:cTn id="5" presetID="1" presetClass="entr" presetSubtype="0" fill="hold" grpId="0" nodeType="clickEffect">
+                                  <p:stCondLst>
+                                    <p:cond delay="0"/>
+                                  </p:stCondLst>
+                                  <p:childTnLst>
+                                    <p:set>
+                                      <p:cBhvr>
+                                        <p:cTn id="6" dur="1" fill="hold">
+                                          <p:stCondLst>
+                                            <p:cond delay="0"/>
+                                          </p:stCondLst>
+                                        </p:cTn>
+                                        <p:tgtEl>
+                                          <p:spTgt spid="3">
+                                            <p:txEl>
+                                              <p:pRg st="0" end="0"/>
+                                            </p:txEl>
+                                          </p:spTgt>
+                                        </p:tgtEl>
+                                        <p:attrNameLst>
+                                          <p:attrName>style.visibility</p:attrName>
+                                        </p:attrNameLst>
+                                      </p:cBhvr>
+                                      <p:to>
+                                        <p:strVal val="visible"/>
+                                      </p:to>
+                                    </p:set>
+                                  </p:childTnLst>
+                                </p:cTn>
+                              </p:par>
+                            </p:childTnLst>
+                          </p:cTn>
+                        </p:par>
+                      </p:childTnLst>
+                    </p:cTn>
+                  </p:par>
+                  <p:par>
+                    <p:cTn id="7" fill="hold">
+                      <p:stCondLst>
+                        <p:cond delay="indefinite"/>
+                      </p:stCondLst>
+                      <p:childTnLst>
+                        <p:par>
+                          <p:cTn id="8" fill="hold">
+                            <p:stCondLst>
+                              <p:cond delay="0"/>
+                            </p:stCondLst>
+                            <p:childTnLst>
+                              <p:par>
+                                <p:cTn id="9" presetID="1" presetClass="entr" presetSubtype="0" fill="hold" nodeType="clickEffect">
+                                  <p:stCondLst>
+                                    <p:cond delay="0"/>
+                                  </p:stCondLst>
+                                  <p:childTnLst>
+                                    <p:set>
+                                      <p:cBhvr>
+                                        <p:cTn id="10" dur="1" fill="hold">
+                                          <p:stCondLst>
+                                            <p:cond delay="0"/>
+                                          </p:stCondLst>
+                                        </p:cTn>
+                                        <p:tgtEl>
+                                          <p:spTgt spid="10"/>
+                                        </p:tgtEl>
+                                        <p:attrNameLst>
+                                          <p:attrName>style.visibility</p:attrName>
+                                        </p:attrNameLst>
+                                      </p:cBhvr>
+                                      <p:to>
+                                        <p:strVal val="visible"/>
+                                      </p:to>
+                                    </p:set>
+                                  </p:childTnLst>
+                                </p:cTn>
+                              </p:par>
+                            </p:childTnLst>
+                          </p:cTn>
+                        </p:par>
+                      </p:childTnLst>
+                    </p:cTn>
+                  </p:par>
+                </p:childTnLst>
+              </p:cTn>
+              <p:prevCondLst>
+                <p:cond evt="onPrev" delay="0">
+                  <p:tgtEl>
+                    <p:sldTgt/>
+                  </p:tgtEl>
+                </p:cond>
+              </p:prevCondLst>
+              <p:nextCondLst>
+                <p:cond evt="onNext" delay="0">
+                  <p:tgtEl>
+                    <p:sldTgt/>
+                  </p:tgtEl>
+                </p:cond>
+              </p:nextCondLst>
+            </p:seq>
+          </p:childTnLst>
+        </p:cTn>
       </p:par>
     </p:tnLst>
+    <p:bldLst>
+      <p:bldP spid="3" grpId="0" build="p"/>
+    </p:bldLst>
   </p:timing>
 </p:sld>
 </file>
 
-<file path=ppt/slides/slide3.xml><?xml version="1.0" encoding="utf-8"?>
+<file path=ppt/slides/slide2.xml><?xml version="1.0" encoding="utf-8"?>
 <p:sld xmlns:a="http://schemas.openxmlformats.org/drawingml/2006/main" xmlns:r="http://schemas.openxmlformats.org/officeDocument/2006/relationships" xmlns:p="http://schemas.openxmlformats.org/presentationml/2006/main">
   <p:cSld>
     <p:spTree>
@@ -5273,14 +5114,28 @@
           <a:lstStyle/>
           <a:p>
             <a:r>
+              <a:rPr lang="fr-FR" dirty="0" smtClean="0"/>
+              <a:t>Le concept </a:t>
+            </a:r>
+            <a:r>
               <a:rPr lang="fr-FR" dirty="0"/>
-              <a:t>Concept a évolué </a:t>
+              <a:t>a </a:t>
+            </a:r>
+            <a:r>
+              <a:rPr lang="fr-FR" dirty="0" smtClean="0"/>
+              <a:t>évolué</a:t>
+            </a:r>
+            <a:r>
+              <a:rPr lang="fr-FR" dirty="0" smtClean="0">
+                <a:sym typeface="Wingdings" panose="05000000000000000000" pitchFamily="2" charset="2"/>
+              </a:rPr>
+              <a:t> en arbres </a:t>
             </a:r>
             <a:r>
               <a:rPr lang="fr-FR" dirty="0">
                 <a:sym typeface="Wingdings" panose="05000000000000000000" pitchFamily="2" charset="2"/>
               </a:rPr>
-              <a:t> arbres d’attaque et de défense</a:t>
+              <a:t>d’attaque et de défense</a:t>
             </a:r>
           </a:p>
           <a:p>
@@ -5320,7 +5175,7 @@
       </p:sp>
       <p:pic>
         <p:nvPicPr>
-          <p:cNvPr id="6" name="Image 5"/>
+          <p:cNvPr id="9" name="Image 8"/>
           <p:cNvPicPr>
             <a:picLocks noChangeAspect="1"/>
           </p:cNvPicPr>
@@ -5340,8 +5195,8 @@
         </p:blipFill>
         <p:spPr>
           <a:xfrm>
-            <a:off x="-1332656" y="1259543"/>
-            <a:ext cx="11161240" cy="5411067"/>
+            <a:off x="2913" y="1916832"/>
+            <a:ext cx="9144000" cy="3814509"/>
           </a:xfrm>
           <a:prstGeom prst="rect">
             <a:avLst/>
@@ -5361,117 +5216,129 @@
   <p:timing>
     <p:tnLst>
       <p:par>
-        <p:cTn id="1" dur="indefinite" restart="never" nodeType="tmRoot"/>
+        <p:cTn id="1" dur="indefinite" restart="never" nodeType="tmRoot">
+          <p:childTnLst>
+            <p:seq concurrent="1" nextAc="seek">
+              <p:cTn id="2" dur="indefinite" nodeType="mainSeq">
+                <p:childTnLst>
+                  <p:par>
+                    <p:cTn id="3" fill="hold">
+                      <p:stCondLst>
+                        <p:cond delay="indefinite"/>
+                      </p:stCondLst>
+                      <p:childTnLst>
+                        <p:par>
+                          <p:cTn id="4" fill="hold">
+                            <p:stCondLst>
+                              <p:cond delay="0"/>
+                            </p:stCondLst>
+                            <p:childTnLst>
+                              <p:par>
+                                <p:cTn id="5" presetID="1" presetClass="entr" presetSubtype="0" fill="hold" grpId="0" nodeType="clickEffect">
+                                  <p:stCondLst>
+                                    <p:cond delay="0"/>
+                                  </p:stCondLst>
+                                  <p:childTnLst>
+                                    <p:set>
+                                      <p:cBhvr>
+                                        <p:cTn id="6" dur="1" fill="hold">
+                                          <p:stCondLst>
+                                            <p:cond delay="0"/>
+                                          </p:stCondLst>
+                                        </p:cTn>
+                                        <p:tgtEl>
+                                          <p:spTgt spid="3">
+                                            <p:txEl>
+                                              <p:pRg st="0" end="0"/>
+                                            </p:txEl>
+                                          </p:spTgt>
+                                        </p:tgtEl>
+                                        <p:attrNameLst>
+                                          <p:attrName>style.visibility</p:attrName>
+                                        </p:attrNameLst>
+                                      </p:cBhvr>
+                                      <p:to>
+                                        <p:strVal val="visible"/>
+                                      </p:to>
+                                    </p:set>
+                                  </p:childTnLst>
+                                </p:cTn>
+                              </p:par>
+                            </p:childTnLst>
+                          </p:cTn>
+                        </p:par>
+                      </p:childTnLst>
+                    </p:cTn>
+                  </p:par>
+                  <p:par>
+                    <p:cTn id="7" fill="hold">
+                      <p:stCondLst>
+                        <p:cond delay="indefinite"/>
+                      </p:stCondLst>
+                      <p:childTnLst>
+                        <p:par>
+                          <p:cTn id="8" fill="hold">
+                            <p:stCondLst>
+                              <p:cond delay="0"/>
+                            </p:stCondLst>
+                            <p:childTnLst>
+                              <p:par>
+                                <p:cTn id="9" presetID="1" presetClass="entr" presetSubtype="0" fill="hold" nodeType="clickEffect">
+                                  <p:stCondLst>
+                                    <p:cond delay="0"/>
+                                  </p:stCondLst>
+                                  <p:childTnLst>
+                                    <p:set>
+                                      <p:cBhvr>
+                                        <p:cTn id="10" dur="1" fill="hold">
+                                          <p:stCondLst>
+                                            <p:cond delay="0"/>
+                                          </p:stCondLst>
+                                        </p:cTn>
+                                        <p:tgtEl>
+                                          <p:spTgt spid="9"/>
+                                        </p:tgtEl>
+                                        <p:attrNameLst>
+                                          <p:attrName>style.visibility</p:attrName>
+                                        </p:attrNameLst>
+                                      </p:cBhvr>
+                                      <p:to>
+                                        <p:strVal val="visible"/>
+                                      </p:to>
+                                    </p:set>
+                                  </p:childTnLst>
+                                </p:cTn>
+                              </p:par>
+                            </p:childTnLst>
+                          </p:cTn>
+                        </p:par>
+                      </p:childTnLst>
+                    </p:cTn>
+                  </p:par>
+                </p:childTnLst>
+              </p:cTn>
+              <p:prevCondLst>
+                <p:cond evt="onPrev" delay="0">
+                  <p:tgtEl>
+                    <p:sldTgt/>
+                  </p:tgtEl>
+                </p:cond>
+              </p:prevCondLst>
+              <p:nextCondLst>
+                <p:cond evt="onNext" delay="0">
+                  <p:tgtEl>
+                    <p:sldTgt/>
+                  </p:tgtEl>
+                </p:cond>
+              </p:nextCondLst>
+            </p:seq>
+          </p:childTnLst>
+        </p:cTn>
       </p:par>
     </p:tnLst>
-  </p:timing>
-</p:sld>
-</file>
-
-<file path=ppt/slides/slide4.xml><?xml version="1.0" encoding="utf-8"?>
-<p:sld xmlns:a="http://schemas.openxmlformats.org/drawingml/2006/main" xmlns:r="http://schemas.openxmlformats.org/officeDocument/2006/relationships" xmlns:p="http://schemas.openxmlformats.org/presentationml/2006/main">
-  <p:cSld>
-    <p:spTree>
-      <p:nvGrpSpPr>
-        <p:cNvPr id="1" name=""/>
-        <p:cNvGrpSpPr/>
-        <p:nvPr/>
-      </p:nvGrpSpPr>
-      <p:grpSpPr>
-        <a:xfrm>
-          <a:off x="0" y="0"/>
-          <a:ext cx="0" cy="0"/>
-          <a:chOff x="0" y="0"/>
-          <a:chExt cx="0" cy="0"/>
-        </a:xfrm>
-      </p:grpSpPr>
-      <p:sp>
-        <p:nvSpPr>
-          <p:cNvPr id="2" name="Titre 1"/>
-          <p:cNvSpPr>
-            <a:spLocks noGrp="1"/>
-          </p:cNvSpPr>
-          <p:nvPr>
-            <p:ph type="title"/>
-          </p:nvPr>
-        </p:nvSpPr>
-        <p:spPr/>
-        <p:txBody>
-          <a:bodyPr/>
-          <a:lstStyle/>
-          <a:p>
-            <a:r>
-              <a:rPr lang="fr-FR" dirty="0" err="1" smtClean="0"/>
-              <a:t>Glasir</a:t>
-            </a:r>
-            <a:r>
-              <a:rPr lang="fr-FR" dirty="0" smtClean="0"/>
-              <a:t> : logiciel de sécurité</a:t>
-            </a:r>
-            <a:endParaRPr lang="fr-FR" dirty="0"/>
-          </a:p>
-        </p:txBody>
-      </p:sp>
-      <p:sp>
-        <p:nvSpPr>
-          <p:cNvPr id="3" name="Espace réservé du contenu 2"/>
-          <p:cNvSpPr>
-            <a:spLocks noGrp="1"/>
-          </p:cNvSpPr>
-          <p:nvPr>
-            <p:ph idx="1"/>
-          </p:nvPr>
-        </p:nvSpPr>
-        <p:spPr/>
-        <p:txBody>
-          <a:bodyPr/>
-          <a:lstStyle/>
-          <a:p>
-            <a:endParaRPr lang="fr-FR" dirty="0"/>
-          </a:p>
-        </p:txBody>
-      </p:sp>
-      <p:sp>
-        <p:nvSpPr>
-          <p:cNvPr id="4" name="Espace réservé du texte 3"/>
-          <p:cNvSpPr>
-            <a:spLocks noGrp="1"/>
-          </p:cNvSpPr>
-          <p:nvPr>
-            <p:ph type="body" sz="quarter" idx="10"/>
-          </p:nvPr>
-        </p:nvSpPr>
-        <p:spPr/>
-        <p:txBody>
-          <a:bodyPr>
-            <a:normAutofit fontScale="92500" lnSpcReduction="20000"/>
-          </a:bodyPr>
-          <a:lstStyle/>
-          <a:p>
-            <a:r>
-              <a:rPr lang="fr-FR" dirty="0" smtClean="0"/>
-              <a:t>Arbres d’attaque et de défense</a:t>
-            </a:r>
-            <a:endParaRPr lang="fr-FR" dirty="0"/>
-          </a:p>
-        </p:txBody>
-      </p:sp>
-    </p:spTree>
-    <p:extLst>
-      <p:ext uri="{BB962C8B-B14F-4D97-AF65-F5344CB8AC3E}">
-        <p14:creationId xmlns:p14="http://schemas.microsoft.com/office/powerpoint/2010/main" val="1642008625"/>
-      </p:ext>
-    </p:extLst>
-  </p:cSld>
-  <p:clrMapOvr>
-    <a:masterClrMapping/>
-  </p:clrMapOvr>
-  <p:timing>
-    <p:tnLst>
-      <p:par>
-        <p:cTn id="1" dur="indefinite" restart="never" nodeType="tmRoot"/>
-      </p:par>
-    </p:tnLst>
+    <p:bldLst>
+      <p:bldP spid="3" grpId="0" build="p"/>
+    </p:bldLst>
   </p:timing>
 </p:sld>
 </file>

--- a/soutenances/projet_decembre/etat_art.pptx
+++ b/soutenances/projet_decembre/etat_art.pptx
@@ -5,11 +5,12 @@
     <p:sldMasterId id="2147483654" r:id="rId1"/>
   </p:sldMasterIdLst>
   <p:notesMasterIdLst>
-    <p:notesMasterId r:id="rId4"/>
+    <p:notesMasterId r:id="rId5"/>
   </p:notesMasterIdLst>
   <p:sldIdLst>
     <p:sldId id="260" r:id="rId2"/>
-    <p:sldId id="261" r:id="rId3"/>
+    <p:sldId id="262" r:id="rId3"/>
+    <p:sldId id="263" r:id="rId4"/>
   </p:sldIdLst>
   <p:sldSz cx="9144000" cy="6858000" type="screen4x3"/>
   <p:notesSz cx="6858000" cy="9144000"/>
@@ -114,7 +115,8 @@
         <p14:section name="Modèles INSA" id="{339B715A-A4F6-482F-9E8F-E995A152AF53}">
           <p14:sldIdLst>
             <p14:sldId id="260"/>
-            <p14:sldId id="261"/>
+            <p14:sldId id="262"/>
+            <p14:sldId id="263"/>
           </p14:sldIdLst>
         </p14:section>
       </p14:sectionLst>
@@ -205,7 +207,7 @@
           <a:p>
             <a:fld id="{C968536F-DC49-4863-B489-3035345AFB0F}" type="datetimeFigureOut">
               <a:rPr lang="fr-FR" smtClean="0"/>
-              <a:t>15/12/2014</a:t>
+              <a:t>17/12/2014</a:t>
             </a:fld>
             <a:endParaRPr lang="fr-FR"/>
           </a:p>
@@ -517,6 +519,14 @@
           <a:bodyPr/>
           <a:lstStyle/>
           <a:p>
+            <a:r>
+              <a:rPr lang="fr-FR" dirty="0" smtClean="0"/>
+              <a:t>Inventé</a:t>
+            </a:r>
+            <a:r>
+              <a:rPr lang="fr-FR" baseline="0" dirty="0" smtClean="0"/>
+              <a:t> en 62 pour l’armée de l’air américaine pour évaluer l’un de ses systèmes, et depuis la pratique s’est répandue.</a:t>
+            </a:r>
             <a:endParaRPr lang="fr-FR" dirty="0"/>
           </a:p>
         </p:txBody>
@@ -539,6 +549,234 @@
             <a:fld id="{2301B3DF-4127-41C0-BB05-FA3D19621909}" type="slidenum">
               <a:rPr lang="fr-FR" smtClean="0"/>
               <a:t>1</a:t>
+            </a:fld>
+            <a:endParaRPr lang="fr-FR"/>
+          </a:p>
+        </p:txBody>
+      </p:sp>
+    </p:spTree>
+    <p:extLst>
+      <p:ext uri="{BB962C8B-B14F-4D97-AF65-F5344CB8AC3E}">
+        <p14:creationId xmlns:p14="http://schemas.microsoft.com/office/powerpoint/2010/main" val="874516906"/>
+      </p:ext>
+    </p:extLst>
+  </p:cSld>
+  <p:clrMapOvr>
+    <a:masterClrMapping/>
+  </p:clrMapOvr>
+</p:notes>
+</file>
+
+<file path=ppt/notesSlides/notesSlide2.xml><?xml version="1.0" encoding="utf-8"?>
+<p:notes xmlns:a="http://schemas.openxmlformats.org/drawingml/2006/main" xmlns:r="http://schemas.openxmlformats.org/officeDocument/2006/relationships" xmlns:p="http://schemas.openxmlformats.org/presentationml/2006/main">
+  <p:cSld>
+    <p:spTree>
+      <p:nvGrpSpPr>
+        <p:cNvPr id="1" name=""/>
+        <p:cNvGrpSpPr/>
+        <p:nvPr/>
+      </p:nvGrpSpPr>
+      <p:grpSpPr>
+        <a:xfrm>
+          <a:off x="0" y="0"/>
+          <a:ext cx="0" cy="0"/>
+          <a:chOff x="0" y="0"/>
+          <a:chExt cx="0" cy="0"/>
+        </a:xfrm>
+      </p:grpSpPr>
+      <p:sp>
+        <p:nvSpPr>
+          <p:cNvPr id="2" name="Espace réservé de l'image des diapositives 1"/>
+          <p:cNvSpPr>
+            <a:spLocks noGrp="1" noRot="1" noChangeAspect="1"/>
+          </p:cNvSpPr>
+          <p:nvPr>
+            <p:ph type="sldImg"/>
+          </p:nvPr>
+        </p:nvSpPr>
+        <p:spPr/>
+      </p:sp>
+      <p:sp>
+        <p:nvSpPr>
+          <p:cNvPr id="3" name="Espace réservé des commentaires 2"/>
+          <p:cNvSpPr>
+            <a:spLocks noGrp="1"/>
+          </p:cNvSpPr>
+          <p:nvPr>
+            <p:ph type="body" idx="1"/>
+          </p:nvPr>
+        </p:nvSpPr>
+        <p:spPr/>
+        <p:txBody>
+          <a:bodyPr/>
+          <a:lstStyle/>
+          <a:p>
+            <a:r>
+              <a:rPr lang="fr-FR" dirty="0" smtClean="0"/>
+              <a:t>C’est</a:t>
+            </a:r>
+            <a:r>
+              <a:rPr lang="fr-FR" baseline="0" dirty="0" smtClean="0"/>
+              <a:t> à partir de ces arbres de défaillance que Bruce </a:t>
+            </a:r>
+            <a:r>
+              <a:rPr lang="fr-FR" baseline="0" dirty="0" err="1" smtClean="0"/>
+              <a:t>Schneier</a:t>
+            </a:r>
+            <a:r>
+              <a:rPr lang="fr-FR" baseline="0" dirty="0" smtClean="0"/>
+              <a:t> a introduit le concept d’arbre d’attaque. Le principe est assez simple, on commence par définir un but principal. Ici on va prendre le but de notre projet initial, Paralyser le STAR.  On va chercher les moyens d’atteindre ce but. On voit les 3 là, Ce sont des moyens indépendants, ce sont des nœuds dits disjonctifs, équivaut au « ou » de l’arbre de défaillance. Puis on se dit que bloquer le réseau, ce n’est pas assez explicite, ou qu’il y a encore beaucoup de moyens de le faire. On va donc lui ajouter des fils. Pour bloquer le SI, on peut </a:t>
+            </a:r>
+            <a:r>
+              <a:rPr lang="fr-FR" baseline="0" dirty="0" err="1" smtClean="0"/>
+              <a:t>blabla</a:t>
+            </a:r>
+            <a:r>
+              <a:rPr lang="fr-FR" baseline="0" dirty="0" smtClean="0"/>
+              <a:t>. Ici, il faut les 2, nœud conjonctif, « et ».</a:t>
+            </a:r>
+            <a:endParaRPr lang="fr-FR" dirty="0"/>
+          </a:p>
+        </p:txBody>
+      </p:sp>
+      <p:sp>
+        <p:nvSpPr>
+          <p:cNvPr id="4" name="Espace réservé du numéro de diapositive 3"/>
+          <p:cNvSpPr>
+            <a:spLocks noGrp="1"/>
+          </p:cNvSpPr>
+          <p:nvPr>
+            <p:ph type="sldNum" sz="quarter" idx="10"/>
+          </p:nvPr>
+        </p:nvSpPr>
+        <p:spPr/>
+        <p:txBody>
+          <a:bodyPr/>
+          <a:lstStyle/>
+          <a:p>
+            <a:fld id="{2301B3DF-4127-41C0-BB05-FA3D19621909}" type="slidenum">
+              <a:rPr lang="fr-FR" smtClean="0"/>
+              <a:t>2</a:t>
+            </a:fld>
+            <a:endParaRPr lang="fr-FR"/>
+          </a:p>
+        </p:txBody>
+      </p:sp>
+    </p:spTree>
+    <p:extLst>
+      <p:ext uri="{BB962C8B-B14F-4D97-AF65-F5344CB8AC3E}">
+        <p14:creationId xmlns:p14="http://schemas.microsoft.com/office/powerpoint/2010/main" val="874516906"/>
+      </p:ext>
+    </p:extLst>
+  </p:cSld>
+  <p:clrMapOvr>
+    <a:masterClrMapping/>
+  </p:clrMapOvr>
+</p:notes>
+</file>
+
+<file path=ppt/notesSlides/notesSlide3.xml><?xml version="1.0" encoding="utf-8"?>
+<p:notes xmlns:a="http://schemas.openxmlformats.org/drawingml/2006/main" xmlns:r="http://schemas.openxmlformats.org/officeDocument/2006/relationships" xmlns:p="http://schemas.openxmlformats.org/presentationml/2006/main">
+  <p:cSld>
+    <p:spTree>
+      <p:nvGrpSpPr>
+        <p:cNvPr id="1" name=""/>
+        <p:cNvGrpSpPr/>
+        <p:nvPr/>
+      </p:nvGrpSpPr>
+      <p:grpSpPr>
+        <a:xfrm>
+          <a:off x="0" y="0"/>
+          <a:ext cx="0" cy="0"/>
+          <a:chOff x="0" y="0"/>
+          <a:chExt cx="0" cy="0"/>
+        </a:xfrm>
+      </p:grpSpPr>
+      <p:sp>
+        <p:nvSpPr>
+          <p:cNvPr id="2" name="Espace réservé de l'image des diapositives 1"/>
+          <p:cNvSpPr>
+            <a:spLocks noGrp="1" noRot="1" noChangeAspect="1"/>
+          </p:cNvSpPr>
+          <p:nvPr>
+            <p:ph type="sldImg"/>
+          </p:nvPr>
+        </p:nvSpPr>
+        <p:spPr/>
+      </p:sp>
+      <p:sp>
+        <p:nvSpPr>
+          <p:cNvPr id="3" name="Espace réservé des commentaires 2"/>
+          <p:cNvSpPr>
+            <a:spLocks noGrp="1"/>
+          </p:cNvSpPr>
+          <p:nvPr>
+            <p:ph type="body" idx="1"/>
+          </p:nvPr>
+        </p:nvSpPr>
+        <p:spPr/>
+        <p:txBody>
+          <a:bodyPr/>
+          <a:lstStyle/>
+          <a:p>
+            <a:r>
+              <a:rPr lang="fr-FR" dirty="0" smtClean="0"/>
+              <a:t>Intègre le concept de défense, représenté</a:t>
+            </a:r>
+            <a:r>
+              <a:rPr lang="fr-FR" baseline="0" dirty="0" smtClean="0"/>
+              <a:t> </a:t>
+            </a:r>
+            <a:r>
+              <a:rPr lang="fr-FR" baseline="0" dirty="0" err="1" smtClean="0"/>
+              <a:t>blabla</a:t>
+            </a:r>
+            <a:r>
+              <a:rPr lang="fr-FR" baseline="0" dirty="0" smtClean="0"/>
+              <a:t> carré vert </a:t>
+            </a:r>
+            <a:r>
+              <a:rPr lang="fr-FR" baseline="0" dirty="0" err="1" smtClean="0"/>
+              <a:t>blabla</a:t>
+            </a:r>
+            <a:r>
+              <a:rPr lang="fr-FR" baseline="0" dirty="0" smtClean="0"/>
+              <a:t> pointillés </a:t>
+            </a:r>
+            <a:r>
+              <a:rPr lang="fr-FR" baseline="0" dirty="0" err="1" smtClean="0"/>
+              <a:t>blabla</a:t>
+            </a:r>
+            <a:r>
+              <a:rPr lang="fr-FR" baseline="0" dirty="0" smtClean="0"/>
+              <a:t> c’est attaque et </a:t>
+            </a:r>
+            <a:r>
+              <a:rPr lang="fr-FR" baseline="0" smtClean="0"/>
+              <a:t>attaque défense c’est pas pareil.</a:t>
+            </a:r>
+            <a:endParaRPr lang="fr-FR" dirty="0"/>
+          </a:p>
+        </p:txBody>
+      </p:sp>
+      <p:sp>
+        <p:nvSpPr>
+          <p:cNvPr id="4" name="Espace réservé du numéro de diapositive 3"/>
+          <p:cNvSpPr>
+            <a:spLocks noGrp="1"/>
+          </p:cNvSpPr>
+          <p:nvPr>
+            <p:ph type="sldNum" sz="quarter" idx="10"/>
+          </p:nvPr>
+        </p:nvSpPr>
+        <p:spPr/>
+        <p:txBody>
+          <a:bodyPr/>
+          <a:lstStyle/>
+          <a:p>
+            <a:fld id="{2301B3DF-4127-41C0-BB05-FA3D19621909}" type="slidenum">
+              <a:rPr lang="fr-FR" smtClean="0"/>
+              <a:t>3</a:t>
             </a:fld>
             <a:endParaRPr lang="fr-FR"/>
           </a:p>
@@ -4804,93 +5042,19 @@
           <a:bodyPr/>
           <a:lstStyle/>
           <a:p>
-            <a:r>
-              <a:rPr lang="fr-FR" dirty="0" err="1" smtClean="0"/>
-              <a:t>Glasir</a:t>
-            </a:r>
-            <a:r>
-              <a:rPr lang="fr-FR" dirty="0" smtClean="0"/>
-              <a:t> : logiciel de sécurité</a:t>
-            </a:r>
             <a:endParaRPr lang="fr-FR" dirty="0"/>
           </a:p>
         </p:txBody>
       </p:sp>
-      <p:sp>
-        <p:nvSpPr>
-          <p:cNvPr id="3" name="Espace réservé du contenu 2"/>
-          <p:cNvSpPr>
-            <a:spLocks noGrp="1"/>
-          </p:cNvSpPr>
+      <p:pic>
+        <p:nvPicPr>
+          <p:cNvPr id="5" name="Espace réservé du contenu 4"/>
+          <p:cNvPicPr>
+            <a:picLocks noGrp="1" noChangeAspect="1"/>
+          </p:cNvPicPr>
           <p:nvPr>
             <p:ph idx="1"/>
           </p:nvPr>
-        </p:nvSpPr>
-        <p:spPr/>
-        <p:txBody>
-          <a:bodyPr/>
-          <a:lstStyle/>
-          <a:p>
-            <a:r>
-              <a:rPr lang="fr-FR" dirty="0" smtClean="0">
-                <a:sym typeface="Wingdings" panose="05000000000000000000" pitchFamily="2" charset="2"/>
-              </a:rPr>
-              <a:t>1999 : Bruce </a:t>
-            </a:r>
-            <a:r>
-              <a:rPr lang="fr-FR" dirty="0" err="1" smtClean="0">
-                <a:sym typeface="Wingdings" panose="05000000000000000000" pitchFamily="2" charset="2"/>
-              </a:rPr>
-              <a:t>Schneier</a:t>
-            </a:r>
-            <a:r>
-              <a:rPr lang="fr-FR" dirty="0" smtClean="0">
-                <a:sym typeface="Wingdings" panose="05000000000000000000" pitchFamily="2" charset="2"/>
-              </a:rPr>
-              <a:t> invente les arbres d’attaque</a:t>
-            </a:r>
-            <a:endParaRPr lang="fr-FR" dirty="0" smtClean="0">
-              <a:sym typeface="Wingdings" panose="05000000000000000000" pitchFamily="2" charset="2"/>
-            </a:endParaRPr>
-          </a:p>
-        </p:txBody>
-      </p:sp>
-      <p:sp>
-        <p:nvSpPr>
-          <p:cNvPr id="4" name="Espace réservé du texte 3"/>
-          <p:cNvSpPr>
-            <a:spLocks noGrp="1"/>
-          </p:cNvSpPr>
-          <p:nvPr>
-            <p:ph type="body" sz="quarter" idx="10"/>
-          </p:nvPr>
-        </p:nvSpPr>
-        <p:spPr/>
-        <p:txBody>
-          <a:bodyPr>
-            <a:normAutofit fontScale="92500" lnSpcReduction="20000"/>
-          </a:bodyPr>
-          <a:lstStyle/>
-          <a:p>
-            <a:r>
-              <a:rPr lang="fr-FR" dirty="0" smtClean="0"/>
-              <a:t>Arbres </a:t>
-            </a:r>
-            <a:r>
-              <a:rPr lang="fr-FR" dirty="0" smtClean="0"/>
-              <a:t>d’attaque</a:t>
-            </a:r>
-            <a:endParaRPr lang="fr-FR" dirty="0"/>
-          </a:p>
-        </p:txBody>
-      </p:sp>
-      <p:pic>
-        <p:nvPicPr>
-          <p:cNvPr id="10" name="Image 9"/>
-          <p:cNvPicPr>
-            <a:picLocks noChangeAspect="1"/>
-          </p:cNvPicPr>
-          <p:nvPr/>
         </p:nvPicPr>
         <p:blipFill>
           <a:blip r:embed="rId3">
@@ -4906,18 +5070,889 @@
         </p:blipFill>
         <p:spPr>
           <a:xfrm>
-            <a:off x="0" y="2164260"/>
-            <a:ext cx="9144000" cy="3568996"/>
-          </a:xfrm>
-          <a:prstGeom prst="rect">
-            <a:avLst/>
-          </a:prstGeom>
+            <a:off x="467544" y="1916832"/>
+            <a:ext cx="8261499" cy="3797940"/>
+          </a:xfrm>
         </p:spPr>
       </p:pic>
+      <p:sp>
+        <p:nvSpPr>
+          <p:cNvPr id="4" name="Espace réservé du texte 3"/>
+          <p:cNvSpPr>
+            <a:spLocks noGrp="1"/>
+          </p:cNvSpPr>
+          <p:nvPr>
+            <p:ph type="body" sz="quarter" idx="10"/>
+          </p:nvPr>
+        </p:nvSpPr>
+        <p:spPr/>
+        <p:txBody>
+          <a:bodyPr>
+            <a:normAutofit fontScale="92500" lnSpcReduction="20000"/>
+          </a:bodyPr>
+          <a:lstStyle/>
+          <a:p>
+            <a:r>
+              <a:rPr lang="fr-FR" dirty="0" smtClean="0"/>
+              <a:t>Arbres d’attaque</a:t>
+            </a:r>
+            <a:endParaRPr lang="fr-FR" dirty="0"/>
+          </a:p>
+        </p:txBody>
+      </p:sp>
     </p:spTree>
     <p:extLst>
       <p:ext uri="{BB962C8B-B14F-4D97-AF65-F5344CB8AC3E}">
         <p14:creationId xmlns:p14="http://schemas.microsoft.com/office/powerpoint/2010/main" val="679461077"/>
+      </p:ext>
+    </p:extLst>
+  </p:cSld>
+  <p:clrMapOvr>
+    <a:masterClrMapping/>
+  </p:clrMapOvr>
+  <p:timing>
+    <p:tnLst>
+      <p:par>
+        <p:cTn id="1" dur="indefinite" restart="never" nodeType="tmRoot"/>
+      </p:par>
+    </p:tnLst>
+  </p:timing>
+</p:sld>
+</file>
+
+<file path=ppt/slides/slide2.xml><?xml version="1.0" encoding="utf-8"?>
+<p:sld xmlns:a="http://schemas.openxmlformats.org/drawingml/2006/main" xmlns:r="http://schemas.openxmlformats.org/officeDocument/2006/relationships" xmlns:p="http://schemas.openxmlformats.org/presentationml/2006/main">
+  <p:cSld>
+    <p:spTree>
+      <p:nvGrpSpPr>
+        <p:cNvPr id="1" name=""/>
+        <p:cNvGrpSpPr/>
+        <p:nvPr/>
+      </p:nvGrpSpPr>
+      <p:grpSpPr>
+        <a:xfrm>
+          <a:off x="0" y="0"/>
+          <a:ext cx="0" cy="0"/>
+          <a:chOff x="0" y="0"/>
+          <a:chExt cx="0" cy="0"/>
+        </a:xfrm>
+      </p:grpSpPr>
+      <p:sp>
+        <p:nvSpPr>
+          <p:cNvPr id="2" name="Titre 1"/>
+          <p:cNvSpPr>
+            <a:spLocks noGrp="1"/>
+          </p:cNvSpPr>
+          <p:nvPr>
+            <p:ph type="title"/>
+          </p:nvPr>
+        </p:nvSpPr>
+        <p:spPr/>
+        <p:txBody>
+          <a:bodyPr/>
+          <a:lstStyle/>
+          <a:p>
+            <a:endParaRPr lang="fr-FR" dirty="0"/>
+          </a:p>
+        </p:txBody>
+      </p:sp>
+      <p:sp>
+        <p:nvSpPr>
+          <p:cNvPr id="3" name="Espace réservé du contenu 2"/>
+          <p:cNvSpPr>
+            <a:spLocks noGrp="1"/>
+          </p:cNvSpPr>
+          <p:nvPr>
+            <p:ph idx="1"/>
+          </p:nvPr>
+        </p:nvSpPr>
+        <p:spPr/>
+        <p:txBody>
+          <a:bodyPr/>
+          <a:lstStyle/>
+          <a:p>
+            <a:r>
+              <a:rPr lang="fr-FR" dirty="0" smtClean="0">
+                <a:sym typeface="Wingdings" panose="05000000000000000000" pitchFamily="2" charset="2"/>
+              </a:rPr>
+              <a:t>1999 : Bruce </a:t>
+            </a:r>
+            <a:r>
+              <a:rPr lang="fr-FR" dirty="0" err="1" smtClean="0">
+                <a:sym typeface="Wingdings" panose="05000000000000000000" pitchFamily="2" charset="2"/>
+              </a:rPr>
+              <a:t>Schneier</a:t>
+            </a:r>
+            <a:r>
+              <a:rPr lang="fr-FR" dirty="0" smtClean="0">
+                <a:sym typeface="Wingdings" panose="05000000000000000000" pitchFamily="2" charset="2"/>
+              </a:rPr>
+              <a:t> </a:t>
+            </a:r>
+            <a:r>
+              <a:rPr lang="fr-FR" dirty="0" smtClean="0">
+                <a:sym typeface="Wingdings" panose="05000000000000000000" pitchFamily="2" charset="2"/>
+              </a:rPr>
+              <a:t>introduit les </a:t>
+            </a:r>
+            <a:r>
+              <a:rPr lang="fr-FR" dirty="0" smtClean="0">
+                <a:sym typeface="Wingdings" panose="05000000000000000000" pitchFamily="2" charset="2"/>
+              </a:rPr>
+              <a:t>arbres d’attaque</a:t>
+            </a:r>
+          </a:p>
+        </p:txBody>
+      </p:sp>
+      <p:sp>
+        <p:nvSpPr>
+          <p:cNvPr id="4" name="Espace réservé du texte 3"/>
+          <p:cNvSpPr>
+            <a:spLocks noGrp="1"/>
+          </p:cNvSpPr>
+          <p:nvPr>
+            <p:ph type="body" sz="quarter" idx="10"/>
+          </p:nvPr>
+        </p:nvSpPr>
+        <p:spPr/>
+        <p:txBody>
+          <a:bodyPr>
+            <a:normAutofit fontScale="92500" lnSpcReduction="20000"/>
+          </a:bodyPr>
+          <a:lstStyle/>
+          <a:p>
+            <a:r>
+              <a:rPr lang="fr-FR" dirty="0" smtClean="0"/>
+              <a:t>Arbres d’attaque</a:t>
+            </a:r>
+            <a:endParaRPr lang="fr-FR" dirty="0"/>
+          </a:p>
+        </p:txBody>
+      </p:sp>
+      <p:sp>
+        <p:nvSpPr>
+          <p:cNvPr id="5" name="Ellipse 4"/>
+          <p:cNvSpPr/>
+          <p:nvPr/>
+        </p:nvSpPr>
+        <p:spPr>
+          <a:xfrm>
+            <a:off x="3203848" y="1556792"/>
+            <a:ext cx="1728192" cy="864096"/>
+          </a:xfrm>
+          <a:prstGeom prst="ellipse">
+            <a:avLst/>
+          </a:prstGeom>
+          <a:solidFill>
+            <a:schemeClr val="bg1"/>
+          </a:solidFill>
+          <a:ln>
+            <a:solidFill>
+              <a:schemeClr val="accent5"/>
+            </a:solidFill>
+          </a:ln>
+        </p:spPr>
+        <p:style>
+          <a:lnRef idx="2">
+            <a:schemeClr val="accent1">
+              <a:shade val="50000"/>
+            </a:schemeClr>
+          </a:lnRef>
+          <a:fillRef idx="1">
+            <a:schemeClr val="accent1"/>
+          </a:fillRef>
+          <a:effectRef idx="0">
+            <a:schemeClr val="accent1"/>
+          </a:effectRef>
+          <a:fontRef idx="minor">
+            <a:schemeClr val="lt1"/>
+          </a:fontRef>
+        </p:style>
+        <p:txBody>
+          <a:bodyPr rtlCol="0" anchor="ctr"/>
+          <a:lstStyle/>
+          <a:p>
+            <a:pPr algn="ctr"/>
+            <a:endParaRPr lang="fr-FR">
+              <a:solidFill>
+                <a:schemeClr val="bg1"/>
+              </a:solidFill>
+            </a:endParaRPr>
+          </a:p>
+        </p:txBody>
+      </p:sp>
+      <p:sp>
+        <p:nvSpPr>
+          <p:cNvPr id="6" name="ZoneTexte 5"/>
+          <p:cNvSpPr txBox="1"/>
+          <p:nvPr/>
+        </p:nvSpPr>
+        <p:spPr>
+          <a:xfrm>
+            <a:off x="3203848" y="1988840"/>
+            <a:ext cx="1728192" cy="369332"/>
+          </a:xfrm>
+          <a:prstGeom prst="rect">
+            <a:avLst/>
+          </a:prstGeom>
+          <a:noFill/>
+        </p:spPr>
+        <p:txBody>
+          <a:bodyPr wrap="square" rtlCol="0">
+            <a:spAutoFit/>
+          </a:bodyPr>
+          <a:lstStyle/>
+          <a:p>
+            <a:endParaRPr lang="fr-FR" dirty="0"/>
+          </a:p>
+        </p:txBody>
+      </p:sp>
+      <p:sp>
+        <p:nvSpPr>
+          <p:cNvPr id="7" name="ZoneTexte 6"/>
+          <p:cNvSpPr txBox="1"/>
+          <p:nvPr/>
+        </p:nvSpPr>
+        <p:spPr>
+          <a:xfrm>
+            <a:off x="3517393" y="1665674"/>
+            <a:ext cx="1296144" cy="646331"/>
+          </a:xfrm>
+          <a:prstGeom prst="rect">
+            <a:avLst/>
+          </a:prstGeom>
+          <a:noFill/>
+        </p:spPr>
+        <p:txBody>
+          <a:bodyPr wrap="square" rtlCol="0">
+            <a:spAutoFit/>
+          </a:bodyPr>
+          <a:lstStyle/>
+          <a:p>
+            <a:r>
+              <a:rPr lang="fr-FR" dirty="0" smtClean="0"/>
+              <a:t>Paralyser le STAR</a:t>
+            </a:r>
+            <a:endParaRPr lang="fr-FR" dirty="0"/>
+          </a:p>
+        </p:txBody>
+      </p:sp>
+      <p:sp>
+        <p:nvSpPr>
+          <p:cNvPr id="11" name="Ellipse 10"/>
+          <p:cNvSpPr/>
+          <p:nvPr/>
+        </p:nvSpPr>
+        <p:spPr>
+          <a:xfrm>
+            <a:off x="971600" y="2996952"/>
+            <a:ext cx="1728192" cy="864096"/>
+          </a:xfrm>
+          <a:prstGeom prst="ellipse">
+            <a:avLst/>
+          </a:prstGeom>
+          <a:solidFill>
+            <a:schemeClr val="bg1"/>
+          </a:solidFill>
+          <a:ln>
+            <a:solidFill>
+              <a:schemeClr val="accent5"/>
+            </a:solidFill>
+          </a:ln>
+        </p:spPr>
+        <p:style>
+          <a:lnRef idx="2">
+            <a:schemeClr val="accent1">
+              <a:shade val="50000"/>
+            </a:schemeClr>
+          </a:lnRef>
+          <a:fillRef idx="1">
+            <a:schemeClr val="accent1"/>
+          </a:fillRef>
+          <a:effectRef idx="0">
+            <a:schemeClr val="accent1"/>
+          </a:effectRef>
+          <a:fontRef idx="minor">
+            <a:schemeClr val="lt1"/>
+          </a:fontRef>
+        </p:style>
+        <p:txBody>
+          <a:bodyPr rtlCol="0" anchor="ctr"/>
+          <a:lstStyle/>
+          <a:p>
+            <a:pPr algn="ctr"/>
+            <a:endParaRPr lang="fr-FR">
+              <a:solidFill>
+                <a:schemeClr val="bg1"/>
+              </a:solidFill>
+            </a:endParaRPr>
+          </a:p>
+        </p:txBody>
+      </p:sp>
+      <p:sp>
+        <p:nvSpPr>
+          <p:cNvPr id="12" name="Ellipse 11"/>
+          <p:cNvSpPr/>
+          <p:nvPr/>
+        </p:nvSpPr>
+        <p:spPr>
+          <a:xfrm>
+            <a:off x="3203848" y="2996952"/>
+            <a:ext cx="1728192" cy="864096"/>
+          </a:xfrm>
+          <a:prstGeom prst="ellipse">
+            <a:avLst/>
+          </a:prstGeom>
+          <a:solidFill>
+            <a:schemeClr val="bg1"/>
+          </a:solidFill>
+          <a:ln>
+            <a:solidFill>
+              <a:schemeClr val="accent5"/>
+            </a:solidFill>
+          </a:ln>
+        </p:spPr>
+        <p:style>
+          <a:lnRef idx="2">
+            <a:schemeClr val="accent1">
+              <a:shade val="50000"/>
+            </a:schemeClr>
+          </a:lnRef>
+          <a:fillRef idx="1">
+            <a:schemeClr val="accent1"/>
+          </a:fillRef>
+          <a:effectRef idx="0">
+            <a:schemeClr val="accent1"/>
+          </a:effectRef>
+          <a:fontRef idx="minor">
+            <a:schemeClr val="lt1"/>
+          </a:fontRef>
+        </p:style>
+        <p:txBody>
+          <a:bodyPr rtlCol="0" anchor="ctr"/>
+          <a:lstStyle/>
+          <a:p>
+            <a:pPr algn="ctr"/>
+            <a:endParaRPr lang="fr-FR">
+              <a:solidFill>
+                <a:schemeClr val="bg1"/>
+              </a:solidFill>
+            </a:endParaRPr>
+          </a:p>
+        </p:txBody>
+      </p:sp>
+      <p:sp>
+        <p:nvSpPr>
+          <p:cNvPr id="13" name="Ellipse 12"/>
+          <p:cNvSpPr/>
+          <p:nvPr/>
+        </p:nvSpPr>
+        <p:spPr>
+          <a:xfrm>
+            <a:off x="5436096" y="2996952"/>
+            <a:ext cx="2448272" cy="864096"/>
+          </a:xfrm>
+          <a:prstGeom prst="ellipse">
+            <a:avLst/>
+          </a:prstGeom>
+          <a:solidFill>
+            <a:schemeClr val="bg1"/>
+          </a:solidFill>
+          <a:ln>
+            <a:solidFill>
+              <a:schemeClr val="accent5"/>
+            </a:solidFill>
+          </a:ln>
+        </p:spPr>
+        <p:style>
+          <a:lnRef idx="2">
+            <a:schemeClr val="accent1">
+              <a:shade val="50000"/>
+            </a:schemeClr>
+          </a:lnRef>
+          <a:fillRef idx="1">
+            <a:schemeClr val="accent1"/>
+          </a:fillRef>
+          <a:effectRef idx="0">
+            <a:schemeClr val="accent1"/>
+          </a:effectRef>
+          <a:fontRef idx="minor">
+            <a:schemeClr val="lt1"/>
+          </a:fontRef>
+        </p:style>
+        <p:txBody>
+          <a:bodyPr rtlCol="0" anchor="ctr"/>
+          <a:lstStyle/>
+          <a:p>
+            <a:pPr algn="ctr"/>
+            <a:endParaRPr lang="fr-FR">
+              <a:solidFill>
+                <a:schemeClr val="bg1"/>
+              </a:solidFill>
+            </a:endParaRPr>
+          </a:p>
+        </p:txBody>
+      </p:sp>
+      <p:sp>
+        <p:nvSpPr>
+          <p:cNvPr id="14" name="Ellipse 13"/>
+          <p:cNvSpPr/>
+          <p:nvPr/>
+        </p:nvSpPr>
+        <p:spPr>
+          <a:xfrm>
+            <a:off x="6911784" y="4603850"/>
+            <a:ext cx="1728192" cy="864096"/>
+          </a:xfrm>
+          <a:prstGeom prst="ellipse">
+            <a:avLst/>
+          </a:prstGeom>
+          <a:solidFill>
+            <a:schemeClr val="bg1"/>
+          </a:solidFill>
+          <a:ln>
+            <a:solidFill>
+              <a:schemeClr val="accent5"/>
+            </a:solidFill>
+          </a:ln>
+        </p:spPr>
+        <p:style>
+          <a:lnRef idx="2">
+            <a:schemeClr val="accent1">
+              <a:shade val="50000"/>
+            </a:schemeClr>
+          </a:lnRef>
+          <a:fillRef idx="1">
+            <a:schemeClr val="accent1"/>
+          </a:fillRef>
+          <a:effectRef idx="0">
+            <a:schemeClr val="accent1"/>
+          </a:effectRef>
+          <a:fontRef idx="minor">
+            <a:schemeClr val="lt1"/>
+          </a:fontRef>
+        </p:style>
+        <p:txBody>
+          <a:bodyPr rtlCol="0" anchor="ctr"/>
+          <a:lstStyle/>
+          <a:p>
+            <a:pPr algn="ctr"/>
+            <a:endParaRPr lang="fr-FR">
+              <a:solidFill>
+                <a:schemeClr val="bg1"/>
+              </a:solidFill>
+            </a:endParaRPr>
+          </a:p>
+        </p:txBody>
+      </p:sp>
+      <p:sp>
+        <p:nvSpPr>
+          <p:cNvPr id="15" name="Ellipse 14"/>
+          <p:cNvSpPr/>
+          <p:nvPr/>
+        </p:nvSpPr>
+        <p:spPr>
+          <a:xfrm>
+            <a:off x="4805496" y="4603850"/>
+            <a:ext cx="1728192" cy="864096"/>
+          </a:xfrm>
+          <a:prstGeom prst="ellipse">
+            <a:avLst/>
+          </a:prstGeom>
+          <a:solidFill>
+            <a:schemeClr val="bg1"/>
+          </a:solidFill>
+          <a:ln>
+            <a:solidFill>
+              <a:schemeClr val="accent5"/>
+            </a:solidFill>
+          </a:ln>
+        </p:spPr>
+        <p:style>
+          <a:lnRef idx="2">
+            <a:schemeClr val="accent1">
+              <a:shade val="50000"/>
+            </a:schemeClr>
+          </a:lnRef>
+          <a:fillRef idx="1">
+            <a:schemeClr val="accent1"/>
+          </a:fillRef>
+          <a:effectRef idx="0">
+            <a:schemeClr val="accent1"/>
+          </a:effectRef>
+          <a:fontRef idx="minor">
+            <a:schemeClr val="lt1"/>
+          </a:fontRef>
+        </p:style>
+        <p:txBody>
+          <a:bodyPr rtlCol="0" anchor="ctr"/>
+          <a:lstStyle/>
+          <a:p>
+            <a:pPr algn="ctr"/>
+            <a:endParaRPr lang="fr-FR" dirty="0">
+              <a:solidFill>
+                <a:schemeClr val="bg1"/>
+              </a:solidFill>
+            </a:endParaRPr>
+          </a:p>
+        </p:txBody>
+      </p:sp>
+      <p:sp>
+        <p:nvSpPr>
+          <p:cNvPr id="9" name="ZoneTexte 8"/>
+          <p:cNvSpPr txBox="1"/>
+          <p:nvPr/>
+        </p:nvSpPr>
+        <p:spPr>
+          <a:xfrm>
+            <a:off x="1238158" y="3105834"/>
+            <a:ext cx="1296144" cy="646331"/>
+          </a:xfrm>
+          <a:prstGeom prst="rect">
+            <a:avLst/>
+          </a:prstGeom>
+          <a:noFill/>
+        </p:spPr>
+        <p:txBody>
+          <a:bodyPr wrap="square" rtlCol="0">
+            <a:spAutoFit/>
+          </a:bodyPr>
+          <a:lstStyle/>
+          <a:p>
+            <a:r>
+              <a:rPr lang="fr-FR" dirty="0" smtClean="0"/>
+              <a:t>Couper l’</a:t>
+            </a:r>
+            <a:r>
+              <a:rPr lang="fr-FR" dirty="0"/>
+              <a:t>é</a:t>
+            </a:r>
+            <a:r>
+              <a:rPr lang="fr-FR" dirty="0" smtClean="0"/>
+              <a:t>lectricité</a:t>
+            </a:r>
+            <a:endParaRPr lang="fr-FR" dirty="0"/>
+          </a:p>
+        </p:txBody>
+      </p:sp>
+      <p:sp>
+        <p:nvSpPr>
+          <p:cNvPr id="16" name="ZoneTexte 15"/>
+          <p:cNvSpPr txBox="1"/>
+          <p:nvPr/>
+        </p:nvSpPr>
+        <p:spPr>
+          <a:xfrm>
+            <a:off x="3602157" y="3105834"/>
+            <a:ext cx="1126615" cy="646331"/>
+          </a:xfrm>
+          <a:prstGeom prst="rect">
+            <a:avLst/>
+          </a:prstGeom>
+          <a:noFill/>
+        </p:spPr>
+        <p:txBody>
+          <a:bodyPr wrap="square" rtlCol="0">
+            <a:spAutoFit/>
+          </a:bodyPr>
+          <a:lstStyle/>
+          <a:p>
+            <a:r>
+              <a:rPr lang="fr-FR" dirty="0" smtClean="0"/>
+              <a:t>Bloquer les rues</a:t>
+            </a:r>
+            <a:endParaRPr lang="fr-FR" dirty="0"/>
+          </a:p>
+        </p:txBody>
+      </p:sp>
+      <p:sp>
+        <p:nvSpPr>
+          <p:cNvPr id="17" name="ZoneTexte 16"/>
+          <p:cNvSpPr txBox="1"/>
+          <p:nvPr/>
+        </p:nvSpPr>
+        <p:spPr>
+          <a:xfrm>
+            <a:off x="5796136" y="3105834"/>
+            <a:ext cx="2088232" cy="646331"/>
+          </a:xfrm>
+          <a:prstGeom prst="rect">
+            <a:avLst/>
+          </a:prstGeom>
+          <a:noFill/>
+        </p:spPr>
+        <p:txBody>
+          <a:bodyPr wrap="square" rtlCol="0">
+            <a:spAutoFit/>
+          </a:bodyPr>
+          <a:lstStyle/>
+          <a:p>
+            <a:r>
+              <a:rPr lang="fr-FR" dirty="0" smtClean="0"/>
+              <a:t>Bloquer le réseau informatique</a:t>
+            </a:r>
+            <a:endParaRPr lang="fr-FR" dirty="0"/>
+          </a:p>
+        </p:txBody>
+      </p:sp>
+      <p:sp>
+        <p:nvSpPr>
+          <p:cNvPr id="18" name="ZoneTexte 17"/>
+          <p:cNvSpPr txBox="1"/>
+          <p:nvPr/>
+        </p:nvSpPr>
+        <p:spPr>
+          <a:xfrm>
+            <a:off x="5112060" y="4690010"/>
+            <a:ext cx="1368152" cy="646331"/>
+          </a:xfrm>
+          <a:prstGeom prst="rect">
+            <a:avLst/>
+          </a:prstGeom>
+          <a:noFill/>
+        </p:spPr>
+        <p:txBody>
+          <a:bodyPr wrap="square" rtlCol="0">
+            <a:spAutoFit/>
+          </a:bodyPr>
+          <a:lstStyle/>
+          <a:p>
+            <a:r>
+              <a:rPr lang="fr-FR" dirty="0" smtClean="0"/>
+              <a:t>Pirater le réseau</a:t>
+            </a:r>
+            <a:endParaRPr lang="fr-FR" dirty="0"/>
+          </a:p>
+        </p:txBody>
+      </p:sp>
+      <p:sp>
+        <p:nvSpPr>
+          <p:cNvPr id="19" name="ZoneTexte 18"/>
+          <p:cNvSpPr txBox="1"/>
+          <p:nvPr/>
+        </p:nvSpPr>
+        <p:spPr>
+          <a:xfrm>
+            <a:off x="7207466" y="4725144"/>
+            <a:ext cx="1296144" cy="646331"/>
+          </a:xfrm>
+          <a:prstGeom prst="rect">
+            <a:avLst/>
+          </a:prstGeom>
+          <a:noFill/>
+        </p:spPr>
+        <p:txBody>
+          <a:bodyPr wrap="square" rtlCol="0">
+            <a:spAutoFit/>
+          </a:bodyPr>
+          <a:lstStyle/>
+          <a:p>
+            <a:r>
+              <a:rPr lang="fr-FR" dirty="0" smtClean="0"/>
+              <a:t>Couper le système</a:t>
+            </a:r>
+            <a:endParaRPr lang="fr-FR" dirty="0"/>
+          </a:p>
+        </p:txBody>
+      </p:sp>
+      <p:cxnSp>
+        <p:nvCxnSpPr>
+          <p:cNvPr id="21" name="Connecteur droit 20"/>
+          <p:cNvCxnSpPr>
+            <a:endCxn id="11" idx="0"/>
+          </p:cNvCxnSpPr>
+          <p:nvPr/>
+        </p:nvCxnSpPr>
+        <p:spPr>
+          <a:xfrm flipH="1">
+            <a:off x="1835696" y="2312005"/>
+            <a:ext cx="1681697" cy="684947"/>
+          </a:xfrm>
+          <a:prstGeom prst="line">
+            <a:avLst/>
+          </a:prstGeom>
+        </p:spPr>
+        <p:style>
+          <a:lnRef idx="1">
+            <a:schemeClr val="accent1"/>
+          </a:lnRef>
+          <a:fillRef idx="0">
+            <a:schemeClr val="accent1"/>
+          </a:fillRef>
+          <a:effectRef idx="0">
+            <a:schemeClr val="accent1"/>
+          </a:effectRef>
+          <a:fontRef idx="minor">
+            <a:schemeClr val="tx1"/>
+          </a:fontRef>
+        </p:style>
+      </p:cxnSp>
+      <p:cxnSp>
+        <p:nvCxnSpPr>
+          <p:cNvPr id="24" name="Connecteur droit 23"/>
+          <p:cNvCxnSpPr>
+            <a:stCxn id="5" idx="4"/>
+            <a:endCxn id="12" idx="0"/>
+          </p:cNvCxnSpPr>
+          <p:nvPr/>
+        </p:nvCxnSpPr>
+        <p:spPr>
+          <a:xfrm>
+            <a:off x="4067944" y="2420888"/>
+            <a:ext cx="0" cy="576064"/>
+          </a:xfrm>
+          <a:prstGeom prst="line">
+            <a:avLst/>
+          </a:prstGeom>
+        </p:spPr>
+        <p:style>
+          <a:lnRef idx="1">
+            <a:schemeClr val="accent1"/>
+          </a:lnRef>
+          <a:fillRef idx="0">
+            <a:schemeClr val="accent1"/>
+          </a:fillRef>
+          <a:effectRef idx="0">
+            <a:schemeClr val="accent1"/>
+          </a:effectRef>
+          <a:fontRef idx="minor">
+            <a:schemeClr val="tx1"/>
+          </a:fontRef>
+        </p:style>
+      </p:cxnSp>
+      <p:cxnSp>
+        <p:nvCxnSpPr>
+          <p:cNvPr id="31" name="Connecteur droit 30"/>
+          <p:cNvCxnSpPr>
+            <a:stCxn id="5" idx="5"/>
+            <a:endCxn id="13" idx="0"/>
+          </p:cNvCxnSpPr>
+          <p:nvPr/>
+        </p:nvCxnSpPr>
+        <p:spPr>
+          <a:xfrm>
+            <a:off x="4678952" y="2294344"/>
+            <a:ext cx="1981280" cy="702608"/>
+          </a:xfrm>
+          <a:prstGeom prst="line">
+            <a:avLst/>
+          </a:prstGeom>
+        </p:spPr>
+        <p:style>
+          <a:lnRef idx="1">
+            <a:schemeClr val="accent1"/>
+          </a:lnRef>
+          <a:fillRef idx="0">
+            <a:schemeClr val="accent1"/>
+          </a:fillRef>
+          <a:effectRef idx="0">
+            <a:schemeClr val="accent1"/>
+          </a:effectRef>
+          <a:fontRef idx="minor">
+            <a:schemeClr val="tx1"/>
+          </a:fontRef>
+        </p:style>
+      </p:cxnSp>
+      <p:cxnSp>
+        <p:nvCxnSpPr>
+          <p:cNvPr id="34" name="Connecteur droit 33"/>
+          <p:cNvCxnSpPr>
+            <a:stCxn id="13" idx="4"/>
+            <a:endCxn id="15" idx="0"/>
+          </p:cNvCxnSpPr>
+          <p:nvPr/>
+        </p:nvCxnSpPr>
+        <p:spPr>
+          <a:xfrm flipH="1">
+            <a:off x="5669592" y="3861048"/>
+            <a:ext cx="990640" cy="742802"/>
+          </a:xfrm>
+          <a:prstGeom prst="line">
+            <a:avLst/>
+          </a:prstGeom>
+        </p:spPr>
+        <p:style>
+          <a:lnRef idx="1">
+            <a:schemeClr val="accent1"/>
+          </a:lnRef>
+          <a:fillRef idx="0">
+            <a:schemeClr val="accent1"/>
+          </a:fillRef>
+          <a:effectRef idx="0">
+            <a:schemeClr val="accent1"/>
+          </a:effectRef>
+          <a:fontRef idx="minor">
+            <a:schemeClr val="tx1"/>
+          </a:fontRef>
+        </p:style>
+      </p:cxnSp>
+      <p:cxnSp>
+        <p:nvCxnSpPr>
+          <p:cNvPr id="37" name="Connecteur droit 36"/>
+          <p:cNvCxnSpPr>
+            <a:stCxn id="13" idx="4"/>
+            <a:endCxn id="14" idx="0"/>
+          </p:cNvCxnSpPr>
+          <p:nvPr/>
+        </p:nvCxnSpPr>
+        <p:spPr>
+          <a:xfrm>
+            <a:off x="6660232" y="3861048"/>
+            <a:ext cx="1115648" cy="742802"/>
+          </a:xfrm>
+          <a:prstGeom prst="line">
+            <a:avLst/>
+          </a:prstGeom>
+        </p:spPr>
+        <p:style>
+          <a:lnRef idx="1">
+            <a:schemeClr val="accent1"/>
+          </a:lnRef>
+          <a:fillRef idx="0">
+            <a:schemeClr val="accent1"/>
+          </a:fillRef>
+          <a:effectRef idx="0">
+            <a:schemeClr val="accent1"/>
+          </a:effectRef>
+          <a:fontRef idx="minor">
+            <a:schemeClr val="tx1"/>
+          </a:fontRef>
+        </p:style>
+      </p:cxnSp>
+      <p:cxnSp>
+        <p:nvCxnSpPr>
+          <p:cNvPr id="43" name="Connecteur droit 42"/>
+          <p:cNvCxnSpPr/>
+          <p:nvPr/>
+        </p:nvCxnSpPr>
+        <p:spPr>
+          <a:xfrm>
+            <a:off x="6164912" y="4232449"/>
+            <a:ext cx="1053144" cy="0"/>
+          </a:xfrm>
+          <a:prstGeom prst="line">
+            <a:avLst/>
+          </a:prstGeom>
+        </p:spPr>
+        <p:style>
+          <a:lnRef idx="1">
+            <a:schemeClr val="accent1"/>
+          </a:lnRef>
+          <a:fillRef idx="0">
+            <a:schemeClr val="accent1"/>
+          </a:fillRef>
+          <a:effectRef idx="0">
+            <a:schemeClr val="accent1"/>
+          </a:effectRef>
+          <a:fontRef idx="minor">
+            <a:schemeClr val="tx1"/>
+          </a:fontRef>
+        </p:style>
+      </p:cxnSp>
+    </p:spTree>
+    <p:extLst>
+      <p:ext uri="{BB962C8B-B14F-4D97-AF65-F5344CB8AC3E}">
+        <p14:creationId xmlns:p14="http://schemas.microsoft.com/office/powerpoint/2010/main" val="591009025"/>
       </p:ext>
     </p:extLst>
   </p:cSld>
@@ -4994,7 +6029,7 @@
                             </p:stCondLst>
                             <p:childTnLst>
                               <p:par>
-                                <p:cTn id="9" presetID="1" presetClass="entr" presetSubtype="0" fill="hold" nodeType="clickEffect">
+                                <p:cTn id="9" presetID="1" presetClass="entr" presetSubtype="0" fill="hold" grpId="0" nodeType="clickEffect">
                                   <p:stCondLst>
                                     <p:cond delay="0"/>
                                   </p:stCondLst>
@@ -5007,7 +6042,502 @@
                                           </p:stCondLst>
                                         </p:cTn>
                                         <p:tgtEl>
-                                          <p:spTgt spid="10"/>
+                                          <p:spTgt spid="5"/>
+                                        </p:tgtEl>
+                                        <p:attrNameLst>
+                                          <p:attrName>style.visibility</p:attrName>
+                                        </p:attrNameLst>
+                                      </p:cBhvr>
+                                      <p:to>
+                                        <p:strVal val="visible"/>
+                                      </p:to>
+                                    </p:set>
+                                  </p:childTnLst>
+                                </p:cTn>
+                              </p:par>
+                              <p:par>
+                                <p:cTn id="11" presetID="1" presetClass="entr" presetSubtype="0" fill="hold" grpId="0" nodeType="withEffect">
+                                  <p:stCondLst>
+                                    <p:cond delay="0"/>
+                                  </p:stCondLst>
+                                  <p:childTnLst>
+                                    <p:set>
+                                      <p:cBhvr>
+                                        <p:cTn id="12" dur="1" fill="hold">
+                                          <p:stCondLst>
+                                            <p:cond delay="0"/>
+                                          </p:stCondLst>
+                                        </p:cTn>
+                                        <p:tgtEl>
+                                          <p:spTgt spid="7"/>
+                                        </p:tgtEl>
+                                        <p:attrNameLst>
+                                          <p:attrName>style.visibility</p:attrName>
+                                        </p:attrNameLst>
+                                      </p:cBhvr>
+                                      <p:to>
+                                        <p:strVal val="visible"/>
+                                      </p:to>
+                                    </p:set>
+                                  </p:childTnLst>
+                                </p:cTn>
+                              </p:par>
+                            </p:childTnLst>
+                          </p:cTn>
+                        </p:par>
+                      </p:childTnLst>
+                    </p:cTn>
+                  </p:par>
+                  <p:par>
+                    <p:cTn id="13" fill="hold">
+                      <p:stCondLst>
+                        <p:cond delay="indefinite"/>
+                      </p:stCondLst>
+                      <p:childTnLst>
+                        <p:par>
+                          <p:cTn id="14" fill="hold">
+                            <p:stCondLst>
+                              <p:cond delay="0"/>
+                            </p:stCondLst>
+                            <p:childTnLst>
+                              <p:par>
+                                <p:cTn id="15" presetID="1" presetClass="entr" presetSubtype="0" fill="hold" nodeType="clickEffect">
+                                  <p:stCondLst>
+                                    <p:cond delay="0"/>
+                                  </p:stCondLst>
+                                  <p:childTnLst>
+                                    <p:set>
+                                      <p:cBhvr>
+                                        <p:cTn id="16" dur="1" fill="hold">
+                                          <p:stCondLst>
+                                            <p:cond delay="0"/>
+                                          </p:stCondLst>
+                                        </p:cTn>
+                                        <p:tgtEl>
+                                          <p:spTgt spid="21"/>
+                                        </p:tgtEl>
+                                        <p:attrNameLst>
+                                          <p:attrName>style.visibility</p:attrName>
+                                        </p:attrNameLst>
+                                      </p:cBhvr>
+                                      <p:to>
+                                        <p:strVal val="visible"/>
+                                      </p:to>
+                                    </p:set>
+                                  </p:childTnLst>
+                                </p:cTn>
+                              </p:par>
+                              <p:par>
+                                <p:cTn id="17" presetID="1" presetClass="entr" presetSubtype="0" fill="hold" nodeType="withEffect">
+                                  <p:stCondLst>
+                                    <p:cond delay="0"/>
+                                  </p:stCondLst>
+                                  <p:childTnLst>
+                                    <p:set>
+                                      <p:cBhvr>
+                                        <p:cTn id="18" dur="1" fill="hold">
+                                          <p:stCondLst>
+                                            <p:cond delay="0"/>
+                                          </p:stCondLst>
+                                        </p:cTn>
+                                        <p:tgtEl>
+                                          <p:spTgt spid="24"/>
+                                        </p:tgtEl>
+                                        <p:attrNameLst>
+                                          <p:attrName>style.visibility</p:attrName>
+                                        </p:attrNameLst>
+                                      </p:cBhvr>
+                                      <p:to>
+                                        <p:strVal val="visible"/>
+                                      </p:to>
+                                    </p:set>
+                                  </p:childTnLst>
+                                </p:cTn>
+                              </p:par>
+                              <p:par>
+                                <p:cTn id="19" presetID="1" presetClass="entr" presetSubtype="0" fill="hold" nodeType="withEffect">
+                                  <p:stCondLst>
+                                    <p:cond delay="0"/>
+                                  </p:stCondLst>
+                                  <p:childTnLst>
+                                    <p:set>
+                                      <p:cBhvr>
+                                        <p:cTn id="20" dur="1" fill="hold">
+                                          <p:stCondLst>
+                                            <p:cond delay="0"/>
+                                          </p:stCondLst>
+                                        </p:cTn>
+                                        <p:tgtEl>
+                                          <p:spTgt spid="31"/>
+                                        </p:tgtEl>
+                                        <p:attrNameLst>
+                                          <p:attrName>style.visibility</p:attrName>
+                                        </p:attrNameLst>
+                                      </p:cBhvr>
+                                      <p:to>
+                                        <p:strVal val="visible"/>
+                                      </p:to>
+                                    </p:set>
+                                  </p:childTnLst>
+                                </p:cTn>
+                              </p:par>
+                              <p:par>
+                                <p:cTn id="21" presetID="1" presetClass="entr" presetSubtype="0" fill="hold" grpId="0" nodeType="withEffect">
+                                  <p:stCondLst>
+                                    <p:cond delay="0"/>
+                                  </p:stCondLst>
+                                  <p:childTnLst>
+                                    <p:set>
+                                      <p:cBhvr>
+                                        <p:cTn id="22" dur="1" fill="hold">
+                                          <p:stCondLst>
+                                            <p:cond delay="0"/>
+                                          </p:stCondLst>
+                                        </p:cTn>
+                                        <p:tgtEl>
+                                          <p:spTgt spid="11"/>
+                                        </p:tgtEl>
+                                        <p:attrNameLst>
+                                          <p:attrName>style.visibility</p:attrName>
+                                        </p:attrNameLst>
+                                      </p:cBhvr>
+                                      <p:to>
+                                        <p:strVal val="visible"/>
+                                      </p:to>
+                                    </p:set>
+                                  </p:childTnLst>
+                                </p:cTn>
+                              </p:par>
+                              <p:par>
+                                <p:cTn id="23" presetID="1" presetClass="entr" presetSubtype="0" fill="hold" grpId="0" nodeType="withEffect">
+                                  <p:stCondLst>
+                                    <p:cond delay="0"/>
+                                  </p:stCondLst>
+                                  <p:childTnLst>
+                                    <p:set>
+                                      <p:cBhvr>
+                                        <p:cTn id="24" dur="1" fill="hold">
+                                          <p:stCondLst>
+                                            <p:cond delay="0"/>
+                                          </p:stCondLst>
+                                        </p:cTn>
+                                        <p:tgtEl>
+                                          <p:spTgt spid="12"/>
+                                        </p:tgtEl>
+                                        <p:attrNameLst>
+                                          <p:attrName>style.visibility</p:attrName>
+                                        </p:attrNameLst>
+                                      </p:cBhvr>
+                                      <p:to>
+                                        <p:strVal val="visible"/>
+                                      </p:to>
+                                    </p:set>
+                                  </p:childTnLst>
+                                </p:cTn>
+                              </p:par>
+                              <p:par>
+                                <p:cTn id="25" presetID="1" presetClass="entr" presetSubtype="0" fill="hold" grpId="0" nodeType="withEffect">
+                                  <p:stCondLst>
+                                    <p:cond delay="0"/>
+                                  </p:stCondLst>
+                                  <p:childTnLst>
+                                    <p:set>
+                                      <p:cBhvr>
+                                        <p:cTn id="26" dur="1" fill="hold">
+                                          <p:stCondLst>
+                                            <p:cond delay="0"/>
+                                          </p:stCondLst>
+                                        </p:cTn>
+                                        <p:tgtEl>
+                                          <p:spTgt spid="13"/>
+                                        </p:tgtEl>
+                                        <p:attrNameLst>
+                                          <p:attrName>style.visibility</p:attrName>
+                                        </p:attrNameLst>
+                                      </p:cBhvr>
+                                      <p:to>
+                                        <p:strVal val="visible"/>
+                                      </p:to>
+                                    </p:set>
+                                  </p:childTnLst>
+                                </p:cTn>
+                              </p:par>
+                              <p:par>
+                                <p:cTn id="27" presetID="1" presetClass="entr" presetSubtype="0" fill="hold" grpId="0" nodeType="withEffect">
+                                  <p:stCondLst>
+                                    <p:cond delay="0"/>
+                                  </p:stCondLst>
+                                  <p:childTnLst>
+                                    <p:set>
+                                      <p:cBhvr>
+                                        <p:cTn id="28" dur="1" fill="hold">
+                                          <p:stCondLst>
+                                            <p:cond delay="0"/>
+                                          </p:stCondLst>
+                                        </p:cTn>
+                                        <p:tgtEl>
+                                          <p:spTgt spid="16"/>
+                                        </p:tgtEl>
+                                        <p:attrNameLst>
+                                          <p:attrName>style.visibility</p:attrName>
+                                        </p:attrNameLst>
+                                      </p:cBhvr>
+                                      <p:to>
+                                        <p:strVal val="visible"/>
+                                      </p:to>
+                                    </p:set>
+                                  </p:childTnLst>
+                                </p:cTn>
+                              </p:par>
+                              <p:par>
+                                <p:cTn id="29" presetID="1" presetClass="entr" presetSubtype="0" fill="hold" grpId="0" nodeType="withEffect">
+                                  <p:stCondLst>
+                                    <p:cond delay="0"/>
+                                  </p:stCondLst>
+                                  <p:childTnLst>
+                                    <p:set>
+                                      <p:cBhvr>
+                                        <p:cTn id="30" dur="1" fill="hold">
+                                          <p:stCondLst>
+                                            <p:cond delay="0"/>
+                                          </p:stCondLst>
+                                        </p:cTn>
+                                        <p:tgtEl>
+                                          <p:spTgt spid="9"/>
+                                        </p:tgtEl>
+                                        <p:attrNameLst>
+                                          <p:attrName>style.visibility</p:attrName>
+                                        </p:attrNameLst>
+                                      </p:cBhvr>
+                                      <p:to>
+                                        <p:strVal val="visible"/>
+                                      </p:to>
+                                    </p:set>
+                                  </p:childTnLst>
+                                </p:cTn>
+                              </p:par>
+                              <p:par>
+                                <p:cTn id="31" presetID="1" presetClass="entr" presetSubtype="0" fill="hold" grpId="0" nodeType="withEffect">
+                                  <p:stCondLst>
+                                    <p:cond delay="0"/>
+                                  </p:stCondLst>
+                                  <p:childTnLst>
+                                    <p:set>
+                                      <p:cBhvr>
+                                        <p:cTn id="32" dur="1" fill="hold">
+                                          <p:stCondLst>
+                                            <p:cond delay="0"/>
+                                          </p:stCondLst>
+                                        </p:cTn>
+                                        <p:tgtEl>
+                                          <p:spTgt spid="17"/>
+                                        </p:tgtEl>
+                                        <p:attrNameLst>
+                                          <p:attrName>style.visibility</p:attrName>
+                                        </p:attrNameLst>
+                                      </p:cBhvr>
+                                      <p:to>
+                                        <p:strVal val="visible"/>
+                                      </p:to>
+                                    </p:set>
+                                  </p:childTnLst>
+                                </p:cTn>
+                              </p:par>
+                            </p:childTnLst>
+                          </p:cTn>
+                        </p:par>
+                      </p:childTnLst>
+                    </p:cTn>
+                  </p:par>
+                  <p:par>
+                    <p:cTn id="33" fill="hold">
+                      <p:stCondLst>
+                        <p:cond delay="indefinite"/>
+                      </p:stCondLst>
+                      <p:childTnLst>
+                        <p:par>
+                          <p:cTn id="34" fill="hold">
+                            <p:stCondLst>
+                              <p:cond delay="0"/>
+                            </p:stCondLst>
+                            <p:childTnLst>
+                              <p:par>
+                                <p:cTn id="35" presetID="1" presetClass="entr" presetSubtype="0" fill="hold" grpId="0" nodeType="clickEffect">
+                                  <p:stCondLst>
+                                    <p:cond delay="0"/>
+                                  </p:stCondLst>
+                                  <p:childTnLst>
+                                    <p:set>
+                                      <p:cBhvr>
+                                        <p:cTn id="36" dur="1" fill="hold">
+                                          <p:stCondLst>
+                                            <p:cond delay="0"/>
+                                          </p:stCondLst>
+                                        </p:cTn>
+                                        <p:tgtEl>
+                                          <p:spTgt spid="15"/>
+                                        </p:tgtEl>
+                                        <p:attrNameLst>
+                                          <p:attrName>style.visibility</p:attrName>
+                                        </p:attrNameLst>
+                                      </p:cBhvr>
+                                      <p:to>
+                                        <p:strVal val="visible"/>
+                                      </p:to>
+                                    </p:set>
+                                  </p:childTnLst>
+                                </p:cTn>
+                              </p:par>
+                              <p:par>
+                                <p:cTn id="37" presetID="1" presetClass="entr" presetSubtype="0" fill="hold" grpId="0" nodeType="withEffect">
+                                  <p:stCondLst>
+                                    <p:cond delay="0"/>
+                                  </p:stCondLst>
+                                  <p:childTnLst>
+                                    <p:set>
+                                      <p:cBhvr>
+                                        <p:cTn id="38" dur="1" fill="hold">
+                                          <p:stCondLst>
+                                            <p:cond delay="0"/>
+                                          </p:stCondLst>
+                                        </p:cTn>
+                                        <p:tgtEl>
+                                          <p:spTgt spid="14"/>
+                                        </p:tgtEl>
+                                        <p:attrNameLst>
+                                          <p:attrName>style.visibility</p:attrName>
+                                        </p:attrNameLst>
+                                      </p:cBhvr>
+                                      <p:to>
+                                        <p:strVal val="visible"/>
+                                      </p:to>
+                                    </p:set>
+                                  </p:childTnLst>
+                                </p:cTn>
+                              </p:par>
+                              <p:par>
+                                <p:cTn id="39" presetID="1" presetClass="entr" presetSubtype="0" fill="hold" grpId="0" nodeType="withEffect">
+                                  <p:stCondLst>
+                                    <p:cond delay="0"/>
+                                  </p:stCondLst>
+                                  <p:childTnLst>
+                                    <p:set>
+                                      <p:cBhvr>
+                                        <p:cTn id="40" dur="1" fill="hold">
+                                          <p:stCondLst>
+                                            <p:cond delay="0"/>
+                                          </p:stCondLst>
+                                        </p:cTn>
+                                        <p:tgtEl>
+                                          <p:spTgt spid="18"/>
+                                        </p:tgtEl>
+                                        <p:attrNameLst>
+                                          <p:attrName>style.visibility</p:attrName>
+                                        </p:attrNameLst>
+                                      </p:cBhvr>
+                                      <p:to>
+                                        <p:strVal val="visible"/>
+                                      </p:to>
+                                    </p:set>
+                                  </p:childTnLst>
+                                </p:cTn>
+                              </p:par>
+                              <p:par>
+                                <p:cTn id="41" presetID="1" presetClass="entr" presetSubtype="0" fill="hold" grpId="0" nodeType="withEffect">
+                                  <p:stCondLst>
+                                    <p:cond delay="0"/>
+                                  </p:stCondLst>
+                                  <p:childTnLst>
+                                    <p:set>
+                                      <p:cBhvr>
+                                        <p:cTn id="42" dur="1" fill="hold">
+                                          <p:stCondLst>
+                                            <p:cond delay="0"/>
+                                          </p:stCondLst>
+                                        </p:cTn>
+                                        <p:tgtEl>
+                                          <p:spTgt spid="19"/>
+                                        </p:tgtEl>
+                                        <p:attrNameLst>
+                                          <p:attrName>style.visibility</p:attrName>
+                                        </p:attrNameLst>
+                                      </p:cBhvr>
+                                      <p:to>
+                                        <p:strVal val="visible"/>
+                                      </p:to>
+                                    </p:set>
+                                  </p:childTnLst>
+                                </p:cTn>
+                              </p:par>
+                              <p:par>
+                                <p:cTn id="43" presetID="1" presetClass="entr" presetSubtype="0" fill="hold" nodeType="withEffect">
+                                  <p:stCondLst>
+                                    <p:cond delay="0"/>
+                                  </p:stCondLst>
+                                  <p:childTnLst>
+                                    <p:set>
+                                      <p:cBhvr>
+                                        <p:cTn id="44" dur="1" fill="hold">
+                                          <p:stCondLst>
+                                            <p:cond delay="0"/>
+                                          </p:stCondLst>
+                                        </p:cTn>
+                                        <p:tgtEl>
+                                          <p:spTgt spid="34"/>
+                                        </p:tgtEl>
+                                        <p:attrNameLst>
+                                          <p:attrName>style.visibility</p:attrName>
+                                        </p:attrNameLst>
+                                      </p:cBhvr>
+                                      <p:to>
+                                        <p:strVal val="visible"/>
+                                      </p:to>
+                                    </p:set>
+                                  </p:childTnLst>
+                                </p:cTn>
+                              </p:par>
+                              <p:par>
+                                <p:cTn id="45" presetID="1" presetClass="entr" presetSubtype="0" fill="hold" nodeType="withEffect">
+                                  <p:stCondLst>
+                                    <p:cond delay="0"/>
+                                  </p:stCondLst>
+                                  <p:childTnLst>
+                                    <p:set>
+                                      <p:cBhvr>
+                                        <p:cTn id="46" dur="1" fill="hold">
+                                          <p:stCondLst>
+                                            <p:cond delay="0"/>
+                                          </p:stCondLst>
+                                        </p:cTn>
+                                        <p:tgtEl>
+                                          <p:spTgt spid="37"/>
+                                        </p:tgtEl>
+                                        <p:attrNameLst>
+                                          <p:attrName>style.visibility</p:attrName>
+                                        </p:attrNameLst>
+                                      </p:cBhvr>
+                                      <p:to>
+                                        <p:strVal val="visible"/>
+                                      </p:to>
+                                    </p:set>
+                                  </p:childTnLst>
+                                </p:cTn>
+                              </p:par>
+                              <p:par>
+                                <p:cTn id="47" presetID="1" presetClass="entr" presetSubtype="0" fill="hold" nodeType="withEffect">
+                                  <p:stCondLst>
+                                    <p:cond delay="0"/>
+                                  </p:stCondLst>
+                                  <p:childTnLst>
+                                    <p:set>
+                                      <p:cBhvr>
+                                        <p:cTn id="48" dur="1" fill="hold">
+                                          <p:stCondLst>
+                                            <p:cond delay="0"/>
+                                          </p:stCondLst>
+                                        </p:cTn>
+                                        <p:tgtEl>
+                                          <p:spTgt spid="43"/>
                                         </p:tgtEl>
                                         <p:attrNameLst>
                                           <p:attrName>style.visibility</p:attrName>
@@ -5049,12 +6579,24 @@
     </p:tnLst>
     <p:bldLst>
       <p:bldP spid="3" grpId="0" build="p"/>
+      <p:bldP spid="5" grpId="0" animBg="1"/>
+      <p:bldP spid="7" grpId="0"/>
+      <p:bldP spid="11" grpId="0" animBg="1"/>
+      <p:bldP spid="12" grpId="0" animBg="1"/>
+      <p:bldP spid="13" grpId="0" animBg="1"/>
+      <p:bldP spid="14" grpId="0" animBg="1"/>
+      <p:bldP spid="15" grpId="0" animBg="1"/>
+      <p:bldP spid="9" grpId="0"/>
+      <p:bldP spid="16" grpId="0"/>
+      <p:bldP spid="17" grpId="0"/>
+      <p:bldP spid="18" grpId="0"/>
+      <p:bldP spid="19" grpId="0"/>
     </p:bldLst>
   </p:timing>
 </p:sld>
 </file>
 
-<file path=ppt/slides/slide2.xml><?xml version="1.0" encoding="utf-8"?>
+<file path=ppt/slides/slide3.xml><?xml version="1.0" encoding="utf-8"?>
 <p:sld xmlns:a="http://schemas.openxmlformats.org/drawingml/2006/main" xmlns:r="http://schemas.openxmlformats.org/officeDocument/2006/relationships" xmlns:p="http://schemas.openxmlformats.org/presentationml/2006/main">
   <p:cSld>
     <p:spTree>
@@ -5086,14 +6628,6 @@
           <a:bodyPr/>
           <a:lstStyle/>
           <a:p>
-            <a:r>
-              <a:rPr lang="fr-FR" dirty="0" err="1" smtClean="0"/>
-              <a:t>Glasir</a:t>
-            </a:r>
-            <a:r>
-              <a:rPr lang="fr-FR" dirty="0" smtClean="0"/>
-              <a:t> : logiciel de sécurité</a:t>
-            </a:r>
             <a:endParaRPr lang="fr-FR" dirty="0"/>
           </a:p>
         </p:txBody>
@@ -5108,43 +6642,25 @@
             <p:ph idx="1"/>
           </p:nvPr>
         </p:nvSpPr>
-        <p:spPr/>
+        <p:spPr>
+          <a:xfrm>
+            <a:off x="564152" y="979857"/>
+            <a:ext cx="8229600" cy="5544616"/>
+          </a:xfrm>
+        </p:spPr>
         <p:txBody>
           <a:bodyPr/>
           <a:lstStyle/>
           <a:p>
             <a:r>
-              <a:rPr lang="fr-FR" dirty="0" smtClean="0"/>
-              <a:t>Le concept </a:t>
-            </a:r>
-            <a:r>
-              <a:rPr lang="fr-FR" dirty="0"/>
-              <a:t>a </a:t>
-            </a:r>
-            <a:r>
-              <a:rPr lang="fr-FR" dirty="0" smtClean="0"/>
-              <a:t>évolué</a:t>
-            </a:r>
-            <a:r>
               <a:rPr lang="fr-FR" dirty="0" smtClean="0">
                 <a:sym typeface="Wingdings" panose="05000000000000000000" pitchFamily="2" charset="2"/>
               </a:rPr>
-              <a:t> en arbres </a:t>
-            </a:r>
-            <a:r>
-              <a:rPr lang="fr-FR" dirty="0">
-                <a:sym typeface="Wingdings" panose="05000000000000000000" pitchFamily="2" charset="2"/>
-              </a:rPr>
-              <a:t>d’attaque et de défense</a:t>
-            </a:r>
-          </a:p>
-          <a:p>
-            <a:endParaRPr lang="fr-FR" dirty="0">
+              <a:t>Le concept a évolué en arbres d’attaque et de défense</a:t>
+            </a:r>
+            <a:endParaRPr lang="fr-FR" dirty="0" smtClean="0">
               <a:sym typeface="Wingdings" panose="05000000000000000000" pitchFamily="2" charset="2"/>
             </a:endParaRPr>
-          </a:p>
-          <a:p>
-            <a:endParaRPr lang="fr-FR" dirty="0"/>
           </a:p>
         </p:txBody>
       </p:sp>
@@ -5167,46 +6683,912 @@
           <a:p>
             <a:r>
               <a:rPr lang="fr-FR" dirty="0" smtClean="0"/>
-              <a:t>Arbres d’attaque et de défense</a:t>
+              <a:t>Arbres d’attaque</a:t>
             </a:r>
             <a:endParaRPr lang="fr-FR" dirty="0"/>
           </a:p>
         </p:txBody>
       </p:sp>
-      <p:pic>
-        <p:nvPicPr>
-          <p:cNvPr id="9" name="Image 8"/>
-          <p:cNvPicPr>
-            <a:picLocks noChangeAspect="1"/>
-          </p:cNvPicPr>
+      <p:sp>
+        <p:nvSpPr>
+          <p:cNvPr id="5" name="Ellipse 4"/>
+          <p:cNvSpPr/>
           <p:nvPr/>
-        </p:nvPicPr>
-        <p:blipFill>
-          <a:blip r:embed="rId2">
-            <a:extLst>
-              <a:ext uri="{28A0092B-C50C-407E-A947-70E740481C1C}">
-                <a14:useLocalDpi xmlns:a14="http://schemas.microsoft.com/office/drawing/2010/main" val="0"/>
-              </a:ext>
-            </a:extLst>
-          </a:blip>
-          <a:stretch>
-            <a:fillRect/>
-          </a:stretch>
-        </p:blipFill>
+        </p:nvSpPr>
         <p:spPr>
           <a:xfrm>
-            <a:off x="2913" y="1916832"/>
-            <a:ext cx="9144000" cy="3814509"/>
+            <a:off x="3203848" y="1556792"/>
+            <a:ext cx="1728192" cy="864096"/>
+          </a:xfrm>
+          <a:prstGeom prst="ellipse">
+            <a:avLst/>
+          </a:prstGeom>
+          <a:solidFill>
+            <a:schemeClr val="bg1"/>
+          </a:solidFill>
+          <a:ln>
+            <a:solidFill>
+              <a:schemeClr val="accent5"/>
+            </a:solidFill>
+          </a:ln>
+        </p:spPr>
+        <p:style>
+          <a:lnRef idx="2">
+            <a:schemeClr val="accent1">
+              <a:shade val="50000"/>
+            </a:schemeClr>
+          </a:lnRef>
+          <a:fillRef idx="1">
+            <a:schemeClr val="accent1"/>
+          </a:fillRef>
+          <a:effectRef idx="0">
+            <a:schemeClr val="accent1"/>
+          </a:effectRef>
+          <a:fontRef idx="minor">
+            <a:schemeClr val="lt1"/>
+          </a:fontRef>
+        </p:style>
+        <p:txBody>
+          <a:bodyPr rtlCol="0" anchor="ctr"/>
+          <a:lstStyle/>
+          <a:p>
+            <a:pPr algn="ctr"/>
+            <a:endParaRPr lang="fr-FR">
+              <a:solidFill>
+                <a:schemeClr val="bg1"/>
+              </a:solidFill>
+            </a:endParaRPr>
+          </a:p>
+        </p:txBody>
+      </p:sp>
+      <p:sp>
+        <p:nvSpPr>
+          <p:cNvPr id="6" name="ZoneTexte 5"/>
+          <p:cNvSpPr txBox="1"/>
+          <p:nvPr/>
+        </p:nvSpPr>
+        <p:spPr>
+          <a:xfrm>
+            <a:off x="3203848" y="1988840"/>
+            <a:ext cx="1728192" cy="369332"/>
           </a:xfrm>
           <a:prstGeom prst="rect">
             <a:avLst/>
           </a:prstGeom>
+          <a:noFill/>
         </p:spPr>
-      </p:pic>
+        <p:txBody>
+          <a:bodyPr wrap="square" rtlCol="0">
+            <a:spAutoFit/>
+          </a:bodyPr>
+          <a:lstStyle/>
+          <a:p>
+            <a:endParaRPr lang="fr-FR" dirty="0"/>
+          </a:p>
+        </p:txBody>
+      </p:sp>
+      <p:sp>
+        <p:nvSpPr>
+          <p:cNvPr id="7" name="ZoneTexte 6"/>
+          <p:cNvSpPr txBox="1"/>
+          <p:nvPr/>
+        </p:nvSpPr>
+        <p:spPr>
+          <a:xfrm>
+            <a:off x="3517393" y="1665674"/>
+            <a:ext cx="1296144" cy="646331"/>
+          </a:xfrm>
+          <a:prstGeom prst="rect">
+            <a:avLst/>
+          </a:prstGeom>
+          <a:noFill/>
+        </p:spPr>
+        <p:txBody>
+          <a:bodyPr wrap="square" rtlCol="0">
+            <a:spAutoFit/>
+          </a:bodyPr>
+          <a:lstStyle/>
+          <a:p>
+            <a:r>
+              <a:rPr lang="fr-FR" dirty="0" smtClean="0"/>
+              <a:t>Paralyser le STAR</a:t>
+            </a:r>
+            <a:endParaRPr lang="fr-FR" dirty="0"/>
+          </a:p>
+        </p:txBody>
+      </p:sp>
+      <p:sp>
+        <p:nvSpPr>
+          <p:cNvPr id="11" name="Ellipse 10"/>
+          <p:cNvSpPr/>
+          <p:nvPr/>
+        </p:nvSpPr>
+        <p:spPr>
+          <a:xfrm>
+            <a:off x="971600" y="2996952"/>
+            <a:ext cx="1728192" cy="864096"/>
+          </a:xfrm>
+          <a:prstGeom prst="ellipse">
+            <a:avLst/>
+          </a:prstGeom>
+          <a:solidFill>
+            <a:schemeClr val="bg1"/>
+          </a:solidFill>
+          <a:ln>
+            <a:solidFill>
+              <a:schemeClr val="accent5"/>
+            </a:solidFill>
+          </a:ln>
+        </p:spPr>
+        <p:style>
+          <a:lnRef idx="2">
+            <a:schemeClr val="accent1">
+              <a:shade val="50000"/>
+            </a:schemeClr>
+          </a:lnRef>
+          <a:fillRef idx="1">
+            <a:schemeClr val="accent1"/>
+          </a:fillRef>
+          <a:effectRef idx="0">
+            <a:schemeClr val="accent1"/>
+          </a:effectRef>
+          <a:fontRef idx="minor">
+            <a:schemeClr val="lt1"/>
+          </a:fontRef>
+        </p:style>
+        <p:txBody>
+          <a:bodyPr rtlCol="0" anchor="ctr"/>
+          <a:lstStyle/>
+          <a:p>
+            <a:pPr algn="ctr"/>
+            <a:endParaRPr lang="fr-FR">
+              <a:solidFill>
+                <a:schemeClr val="bg1"/>
+              </a:solidFill>
+            </a:endParaRPr>
+          </a:p>
+        </p:txBody>
+      </p:sp>
+      <p:sp>
+        <p:nvSpPr>
+          <p:cNvPr id="12" name="Ellipse 11"/>
+          <p:cNvSpPr/>
+          <p:nvPr/>
+        </p:nvSpPr>
+        <p:spPr>
+          <a:xfrm>
+            <a:off x="3203848" y="2996952"/>
+            <a:ext cx="1728192" cy="864096"/>
+          </a:xfrm>
+          <a:prstGeom prst="ellipse">
+            <a:avLst/>
+          </a:prstGeom>
+          <a:solidFill>
+            <a:schemeClr val="bg1"/>
+          </a:solidFill>
+          <a:ln>
+            <a:solidFill>
+              <a:schemeClr val="accent5"/>
+            </a:solidFill>
+          </a:ln>
+        </p:spPr>
+        <p:style>
+          <a:lnRef idx="2">
+            <a:schemeClr val="accent1">
+              <a:shade val="50000"/>
+            </a:schemeClr>
+          </a:lnRef>
+          <a:fillRef idx="1">
+            <a:schemeClr val="accent1"/>
+          </a:fillRef>
+          <a:effectRef idx="0">
+            <a:schemeClr val="accent1"/>
+          </a:effectRef>
+          <a:fontRef idx="minor">
+            <a:schemeClr val="lt1"/>
+          </a:fontRef>
+        </p:style>
+        <p:txBody>
+          <a:bodyPr rtlCol="0" anchor="ctr"/>
+          <a:lstStyle/>
+          <a:p>
+            <a:pPr algn="ctr"/>
+            <a:endParaRPr lang="fr-FR">
+              <a:solidFill>
+                <a:schemeClr val="bg1"/>
+              </a:solidFill>
+            </a:endParaRPr>
+          </a:p>
+        </p:txBody>
+      </p:sp>
+      <p:sp>
+        <p:nvSpPr>
+          <p:cNvPr id="13" name="Ellipse 12"/>
+          <p:cNvSpPr/>
+          <p:nvPr/>
+        </p:nvSpPr>
+        <p:spPr>
+          <a:xfrm>
+            <a:off x="5436096" y="2996952"/>
+            <a:ext cx="2448272" cy="864096"/>
+          </a:xfrm>
+          <a:prstGeom prst="ellipse">
+            <a:avLst/>
+          </a:prstGeom>
+          <a:solidFill>
+            <a:schemeClr val="bg1"/>
+          </a:solidFill>
+          <a:ln>
+            <a:solidFill>
+              <a:schemeClr val="accent5"/>
+            </a:solidFill>
+          </a:ln>
+        </p:spPr>
+        <p:style>
+          <a:lnRef idx="2">
+            <a:schemeClr val="accent1">
+              <a:shade val="50000"/>
+            </a:schemeClr>
+          </a:lnRef>
+          <a:fillRef idx="1">
+            <a:schemeClr val="accent1"/>
+          </a:fillRef>
+          <a:effectRef idx="0">
+            <a:schemeClr val="accent1"/>
+          </a:effectRef>
+          <a:fontRef idx="minor">
+            <a:schemeClr val="lt1"/>
+          </a:fontRef>
+        </p:style>
+        <p:txBody>
+          <a:bodyPr rtlCol="0" anchor="ctr"/>
+          <a:lstStyle/>
+          <a:p>
+            <a:pPr algn="ctr"/>
+            <a:endParaRPr lang="fr-FR">
+              <a:solidFill>
+                <a:schemeClr val="bg1"/>
+              </a:solidFill>
+            </a:endParaRPr>
+          </a:p>
+        </p:txBody>
+      </p:sp>
+      <p:sp>
+        <p:nvSpPr>
+          <p:cNvPr id="14" name="Ellipse 13"/>
+          <p:cNvSpPr/>
+          <p:nvPr/>
+        </p:nvSpPr>
+        <p:spPr>
+          <a:xfrm>
+            <a:off x="6911784" y="4603850"/>
+            <a:ext cx="1728192" cy="864096"/>
+          </a:xfrm>
+          <a:prstGeom prst="ellipse">
+            <a:avLst/>
+          </a:prstGeom>
+          <a:solidFill>
+            <a:schemeClr val="bg1"/>
+          </a:solidFill>
+          <a:ln>
+            <a:solidFill>
+              <a:schemeClr val="accent5"/>
+            </a:solidFill>
+          </a:ln>
+        </p:spPr>
+        <p:style>
+          <a:lnRef idx="2">
+            <a:schemeClr val="accent1">
+              <a:shade val="50000"/>
+            </a:schemeClr>
+          </a:lnRef>
+          <a:fillRef idx="1">
+            <a:schemeClr val="accent1"/>
+          </a:fillRef>
+          <a:effectRef idx="0">
+            <a:schemeClr val="accent1"/>
+          </a:effectRef>
+          <a:fontRef idx="minor">
+            <a:schemeClr val="lt1"/>
+          </a:fontRef>
+        </p:style>
+        <p:txBody>
+          <a:bodyPr rtlCol="0" anchor="ctr"/>
+          <a:lstStyle/>
+          <a:p>
+            <a:pPr algn="ctr"/>
+            <a:endParaRPr lang="fr-FR">
+              <a:solidFill>
+                <a:schemeClr val="bg1"/>
+              </a:solidFill>
+            </a:endParaRPr>
+          </a:p>
+        </p:txBody>
+      </p:sp>
+      <p:sp>
+        <p:nvSpPr>
+          <p:cNvPr id="15" name="Ellipse 14"/>
+          <p:cNvSpPr/>
+          <p:nvPr/>
+        </p:nvSpPr>
+        <p:spPr>
+          <a:xfrm>
+            <a:off x="4805496" y="4603850"/>
+            <a:ext cx="1728192" cy="864096"/>
+          </a:xfrm>
+          <a:prstGeom prst="ellipse">
+            <a:avLst/>
+          </a:prstGeom>
+          <a:solidFill>
+            <a:schemeClr val="bg1"/>
+          </a:solidFill>
+          <a:ln>
+            <a:solidFill>
+              <a:schemeClr val="accent5"/>
+            </a:solidFill>
+          </a:ln>
+        </p:spPr>
+        <p:style>
+          <a:lnRef idx="2">
+            <a:schemeClr val="accent1">
+              <a:shade val="50000"/>
+            </a:schemeClr>
+          </a:lnRef>
+          <a:fillRef idx="1">
+            <a:schemeClr val="accent1"/>
+          </a:fillRef>
+          <a:effectRef idx="0">
+            <a:schemeClr val="accent1"/>
+          </a:effectRef>
+          <a:fontRef idx="minor">
+            <a:schemeClr val="lt1"/>
+          </a:fontRef>
+        </p:style>
+        <p:txBody>
+          <a:bodyPr rtlCol="0" anchor="ctr"/>
+          <a:lstStyle/>
+          <a:p>
+            <a:pPr algn="ctr"/>
+            <a:endParaRPr lang="fr-FR" dirty="0">
+              <a:solidFill>
+                <a:schemeClr val="bg1"/>
+              </a:solidFill>
+            </a:endParaRPr>
+          </a:p>
+        </p:txBody>
+      </p:sp>
+      <p:sp>
+        <p:nvSpPr>
+          <p:cNvPr id="9" name="ZoneTexte 8"/>
+          <p:cNvSpPr txBox="1"/>
+          <p:nvPr/>
+        </p:nvSpPr>
+        <p:spPr>
+          <a:xfrm>
+            <a:off x="1238158" y="3105834"/>
+            <a:ext cx="1296144" cy="646331"/>
+          </a:xfrm>
+          <a:prstGeom prst="rect">
+            <a:avLst/>
+          </a:prstGeom>
+          <a:noFill/>
+        </p:spPr>
+        <p:txBody>
+          <a:bodyPr wrap="square" rtlCol="0">
+            <a:spAutoFit/>
+          </a:bodyPr>
+          <a:lstStyle/>
+          <a:p>
+            <a:r>
+              <a:rPr lang="fr-FR" dirty="0" smtClean="0"/>
+              <a:t>Couper l’</a:t>
+            </a:r>
+            <a:r>
+              <a:rPr lang="fr-FR" dirty="0"/>
+              <a:t>é</a:t>
+            </a:r>
+            <a:r>
+              <a:rPr lang="fr-FR" dirty="0" smtClean="0"/>
+              <a:t>lectricité</a:t>
+            </a:r>
+            <a:endParaRPr lang="fr-FR" dirty="0"/>
+          </a:p>
+        </p:txBody>
+      </p:sp>
+      <p:sp>
+        <p:nvSpPr>
+          <p:cNvPr id="16" name="ZoneTexte 15"/>
+          <p:cNvSpPr txBox="1"/>
+          <p:nvPr/>
+        </p:nvSpPr>
+        <p:spPr>
+          <a:xfrm>
+            <a:off x="3602157" y="3105834"/>
+            <a:ext cx="1126615" cy="646331"/>
+          </a:xfrm>
+          <a:prstGeom prst="rect">
+            <a:avLst/>
+          </a:prstGeom>
+          <a:noFill/>
+        </p:spPr>
+        <p:txBody>
+          <a:bodyPr wrap="square" rtlCol="0">
+            <a:spAutoFit/>
+          </a:bodyPr>
+          <a:lstStyle/>
+          <a:p>
+            <a:r>
+              <a:rPr lang="fr-FR" dirty="0" smtClean="0"/>
+              <a:t>Bloquer les rues</a:t>
+            </a:r>
+            <a:endParaRPr lang="fr-FR" dirty="0"/>
+          </a:p>
+        </p:txBody>
+      </p:sp>
+      <p:sp>
+        <p:nvSpPr>
+          <p:cNvPr id="17" name="ZoneTexte 16"/>
+          <p:cNvSpPr txBox="1"/>
+          <p:nvPr/>
+        </p:nvSpPr>
+        <p:spPr>
+          <a:xfrm>
+            <a:off x="5796136" y="3105834"/>
+            <a:ext cx="2088232" cy="646331"/>
+          </a:xfrm>
+          <a:prstGeom prst="rect">
+            <a:avLst/>
+          </a:prstGeom>
+          <a:noFill/>
+        </p:spPr>
+        <p:txBody>
+          <a:bodyPr wrap="square" rtlCol="0">
+            <a:spAutoFit/>
+          </a:bodyPr>
+          <a:lstStyle/>
+          <a:p>
+            <a:r>
+              <a:rPr lang="fr-FR" dirty="0" smtClean="0"/>
+              <a:t>Bloquer le réseau informatique</a:t>
+            </a:r>
+            <a:endParaRPr lang="fr-FR" dirty="0"/>
+          </a:p>
+        </p:txBody>
+      </p:sp>
+      <p:sp>
+        <p:nvSpPr>
+          <p:cNvPr id="18" name="ZoneTexte 17"/>
+          <p:cNvSpPr txBox="1"/>
+          <p:nvPr/>
+        </p:nvSpPr>
+        <p:spPr>
+          <a:xfrm>
+            <a:off x="5112060" y="4690010"/>
+            <a:ext cx="1368152" cy="646331"/>
+          </a:xfrm>
+          <a:prstGeom prst="rect">
+            <a:avLst/>
+          </a:prstGeom>
+          <a:noFill/>
+        </p:spPr>
+        <p:txBody>
+          <a:bodyPr wrap="square" rtlCol="0">
+            <a:spAutoFit/>
+          </a:bodyPr>
+          <a:lstStyle/>
+          <a:p>
+            <a:r>
+              <a:rPr lang="fr-FR" dirty="0" smtClean="0"/>
+              <a:t>Pirater le réseau</a:t>
+            </a:r>
+            <a:endParaRPr lang="fr-FR" dirty="0"/>
+          </a:p>
+        </p:txBody>
+      </p:sp>
+      <p:sp>
+        <p:nvSpPr>
+          <p:cNvPr id="19" name="ZoneTexte 18"/>
+          <p:cNvSpPr txBox="1"/>
+          <p:nvPr/>
+        </p:nvSpPr>
+        <p:spPr>
+          <a:xfrm>
+            <a:off x="7207466" y="4725144"/>
+            <a:ext cx="1296144" cy="646331"/>
+          </a:xfrm>
+          <a:prstGeom prst="rect">
+            <a:avLst/>
+          </a:prstGeom>
+          <a:noFill/>
+        </p:spPr>
+        <p:txBody>
+          <a:bodyPr wrap="square" rtlCol="0">
+            <a:spAutoFit/>
+          </a:bodyPr>
+          <a:lstStyle/>
+          <a:p>
+            <a:r>
+              <a:rPr lang="fr-FR" dirty="0" smtClean="0"/>
+              <a:t>Couper le système</a:t>
+            </a:r>
+            <a:endParaRPr lang="fr-FR" dirty="0"/>
+          </a:p>
+        </p:txBody>
+      </p:sp>
+      <p:cxnSp>
+        <p:nvCxnSpPr>
+          <p:cNvPr id="21" name="Connecteur droit 20"/>
+          <p:cNvCxnSpPr>
+            <a:endCxn id="11" idx="0"/>
+          </p:cNvCxnSpPr>
+          <p:nvPr/>
+        </p:nvCxnSpPr>
+        <p:spPr>
+          <a:xfrm flipH="1">
+            <a:off x="1835696" y="2312005"/>
+            <a:ext cx="1681697" cy="684947"/>
+          </a:xfrm>
+          <a:prstGeom prst="line">
+            <a:avLst/>
+          </a:prstGeom>
+        </p:spPr>
+        <p:style>
+          <a:lnRef idx="1">
+            <a:schemeClr val="accent1"/>
+          </a:lnRef>
+          <a:fillRef idx="0">
+            <a:schemeClr val="accent1"/>
+          </a:fillRef>
+          <a:effectRef idx="0">
+            <a:schemeClr val="accent1"/>
+          </a:effectRef>
+          <a:fontRef idx="minor">
+            <a:schemeClr val="tx1"/>
+          </a:fontRef>
+        </p:style>
+      </p:cxnSp>
+      <p:cxnSp>
+        <p:nvCxnSpPr>
+          <p:cNvPr id="24" name="Connecteur droit 23"/>
+          <p:cNvCxnSpPr>
+            <a:stCxn id="5" idx="4"/>
+            <a:endCxn id="12" idx="0"/>
+          </p:cNvCxnSpPr>
+          <p:nvPr/>
+        </p:nvCxnSpPr>
+        <p:spPr>
+          <a:xfrm>
+            <a:off x="4067944" y="2420888"/>
+            <a:ext cx="0" cy="576064"/>
+          </a:xfrm>
+          <a:prstGeom prst="line">
+            <a:avLst/>
+          </a:prstGeom>
+        </p:spPr>
+        <p:style>
+          <a:lnRef idx="1">
+            <a:schemeClr val="accent1"/>
+          </a:lnRef>
+          <a:fillRef idx="0">
+            <a:schemeClr val="accent1"/>
+          </a:fillRef>
+          <a:effectRef idx="0">
+            <a:schemeClr val="accent1"/>
+          </a:effectRef>
+          <a:fontRef idx="minor">
+            <a:schemeClr val="tx1"/>
+          </a:fontRef>
+        </p:style>
+      </p:cxnSp>
+      <p:cxnSp>
+        <p:nvCxnSpPr>
+          <p:cNvPr id="31" name="Connecteur droit 30"/>
+          <p:cNvCxnSpPr>
+            <a:stCxn id="5" idx="5"/>
+            <a:endCxn id="13" idx="0"/>
+          </p:cNvCxnSpPr>
+          <p:nvPr/>
+        </p:nvCxnSpPr>
+        <p:spPr>
+          <a:xfrm>
+            <a:off x="4678952" y="2294344"/>
+            <a:ext cx="1981280" cy="702608"/>
+          </a:xfrm>
+          <a:prstGeom prst="line">
+            <a:avLst/>
+          </a:prstGeom>
+        </p:spPr>
+        <p:style>
+          <a:lnRef idx="1">
+            <a:schemeClr val="accent1"/>
+          </a:lnRef>
+          <a:fillRef idx="0">
+            <a:schemeClr val="accent1"/>
+          </a:fillRef>
+          <a:effectRef idx="0">
+            <a:schemeClr val="accent1"/>
+          </a:effectRef>
+          <a:fontRef idx="minor">
+            <a:schemeClr val="tx1"/>
+          </a:fontRef>
+        </p:style>
+      </p:cxnSp>
+      <p:cxnSp>
+        <p:nvCxnSpPr>
+          <p:cNvPr id="34" name="Connecteur droit 33"/>
+          <p:cNvCxnSpPr>
+            <a:stCxn id="13" idx="4"/>
+            <a:endCxn id="15" idx="0"/>
+          </p:cNvCxnSpPr>
+          <p:nvPr/>
+        </p:nvCxnSpPr>
+        <p:spPr>
+          <a:xfrm flipH="1">
+            <a:off x="5669592" y="3861048"/>
+            <a:ext cx="990640" cy="742802"/>
+          </a:xfrm>
+          <a:prstGeom prst="line">
+            <a:avLst/>
+          </a:prstGeom>
+        </p:spPr>
+        <p:style>
+          <a:lnRef idx="1">
+            <a:schemeClr val="accent1"/>
+          </a:lnRef>
+          <a:fillRef idx="0">
+            <a:schemeClr val="accent1"/>
+          </a:fillRef>
+          <a:effectRef idx="0">
+            <a:schemeClr val="accent1"/>
+          </a:effectRef>
+          <a:fontRef idx="minor">
+            <a:schemeClr val="tx1"/>
+          </a:fontRef>
+        </p:style>
+      </p:cxnSp>
+      <p:cxnSp>
+        <p:nvCxnSpPr>
+          <p:cNvPr id="37" name="Connecteur droit 36"/>
+          <p:cNvCxnSpPr>
+            <a:stCxn id="13" idx="4"/>
+            <a:endCxn id="14" idx="0"/>
+          </p:cNvCxnSpPr>
+          <p:nvPr/>
+        </p:nvCxnSpPr>
+        <p:spPr>
+          <a:xfrm>
+            <a:off x="6660232" y="3861048"/>
+            <a:ext cx="1115648" cy="742802"/>
+          </a:xfrm>
+          <a:prstGeom prst="line">
+            <a:avLst/>
+          </a:prstGeom>
+        </p:spPr>
+        <p:style>
+          <a:lnRef idx="1">
+            <a:schemeClr val="accent1"/>
+          </a:lnRef>
+          <a:fillRef idx="0">
+            <a:schemeClr val="accent1"/>
+          </a:fillRef>
+          <a:effectRef idx="0">
+            <a:schemeClr val="accent1"/>
+          </a:effectRef>
+          <a:fontRef idx="minor">
+            <a:schemeClr val="tx1"/>
+          </a:fontRef>
+        </p:style>
+      </p:cxnSp>
+      <p:cxnSp>
+        <p:nvCxnSpPr>
+          <p:cNvPr id="43" name="Connecteur droit 42"/>
+          <p:cNvCxnSpPr/>
+          <p:nvPr/>
+        </p:nvCxnSpPr>
+        <p:spPr>
+          <a:xfrm>
+            <a:off x="6164912" y="4232449"/>
+            <a:ext cx="1053144" cy="0"/>
+          </a:xfrm>
+          <a:prstGeom prst="line">
+            <a:avLst/>
+          </a:prstGeom>
+        </p:spPr>
+        <p:style>
+          <a:lnRef idx="1">
+            <a:schemeClr val="accent1"/>
+          </a:lnRef>
+          <a:fillRef idx="0">
+            <a:schemeClr val="accent1"/>
+          </a:fillRef>
+          <a:effectRef idx="0">
+            <a:schemeClr val="accent1"/>
+          </a:effectRef>
+          <a:fontRef idx="minor">
+            <a:schemeClr val="tx1"/>
+          </a:fontRef>
+        </p:style>
+      </p:cxnSp>
+      <p:sp>
+        <p:nvSpPr>
+          <p:cNvPr id="8" name="Rectangle 7"/>
+          <p:cNvSpPr/>
+          <p:nvPr/>
+        </p:nvSpPr>
+        <p:spPr>
+          <a:xfrm>
+            <a:off x="5075526" y="6021288"/>
+            <a:ext cx="1188132" cy="576064"/>
+          </a:xfrm>
+          <a:prstGeom prst="rect">
+            <a:avLst/>
+          </a:prstGeom>
+          <a:solidFill>
+            <a:schemeClr val="bg1"/>
+          </a:solidFill>
+          <a:ln>
+            <a:solidFill>
+              <a:srgbClr val="00FA06"/>
+            </a:solidFill>
+          </a:ln>
+        </p:spPr>
+        <p:style>
+          <a:lnRef idx="2">
+            <a:schemeClr val="accent1">
+              <a:shade val="50000"/>
+            </a:schemeClr>
+          </a:lnRef>
+          <a:fillRef idx="1">
+            <a:schemeClr val="accent1"/>
+          </a:fillRef>
+          <a:effectRef idx="0">
+            <a:schemeClr val="accent1"/>
+          </a:effectRef>
+          <a:fontRef idx="minor">
+            <a:schemeClr val="lt1"/>
+          </a:fontRef>
+        </p:style>
+        <p:txBody>
+          <a:bodyPr rtlCol="0" anchor="ctr"/>
+          <a:lstStyle/>
+          <a:p>
+            <a:pPr algn="ctr"/>
+            <a:endParaRPr lang="fr-FR"/>
+          </a:p>
+        </p:txBody>
+      </p:sp>
+      <p:cxnSp>
+        <p:nvCxnSpPr>
+          <p:cNvPr id="20" name="Connecteur droit 19"/>
+          <p:cNvCxnSpPr>
+            <a:stCxn id="15" idx="4"/>
+          </p:cNvCxnSpPr>
+          <p:nvPr/>
+        </p:nvCxnSpPr>
+        <p:spPr>
+          <a:xfrm>
+            <a:off x="5669592" y="5467946"/>
+            <a:ext cx="0" cy="121294"/>
+          </a:xfrm>
+          <a:prstGeom prst="line">
+            <a:avLst/>
+          </a:prstGeom>
+        </p:spPr>
+        <p:style>
+          <a:lnRef idx="1">
+            <a:schemeClr val="accent1"/>
+          </a:lnRef>
+          <a:fillRef idx="0">
+            <a:schemeClr val="accent1"/>
+          </a:fillRef>
+          <a:effectRef idx="0">
+            <a:schemeClr val="accent1"/>
+          </a:effectRef>
+          <a:fontRef idx="minor">
+            <a:schemeClr val="tx1"/>
+          </a:fontRef>
+        </p:style>
+      </p:cxnSp>
+      <p:cxnSp>
+        <p:nvCxnSpPr>
+          <p:cNvPr id="23" name="Connecteur droit 22"/>
+          <p:cNvCxnSpPr/>
+          <p:nvPr/>
+        </p:nvCxnSpPr>
+        <p:spPr>
+          <a:xfrm>
+            <a:off x="5669592" y="5692204"/>
+            <a:ext cx="0" cy="108012"/>
+          </a:xfrm>
+          <a:prstGeom prst="line">
+            <a:avLst/>
+          </a:prstGeom>
+        </p:spPr>
+        <p:style>
+          <a:lnRef idx="1">
+            <a:schemeClr val="accent1"/>
+          </a:lnRef>
+          <a:fillRef idx="0">
+            <a:schemeClr val="accent1"/>
+          </a:fillRef>
+          <a:effectRef idx="0">
+            <a:schemeClr val="accent1"/>
+          </a:effectRef>
+          <a:fontRef idx="minor">
+            <a:schemeClr val="tx1"/>
+          </a:fontRef>
+        </p:style>
+      </p:cxnSp>
+      <p:cxnSp>
+        <p:nvCxnSpPr>
+          <p:cNvPr id="27" name="Connecteur droit 26"/>
+          <p:cNvCxnSpPr>
+            <a:endCxn id="8" idx="0"/>
+          </p:cNvCxnSpPr>
+          <p:nvPr/>
+        </p:nvCxnSpPr>
+        <p:spPr>
+          <a:xfrm>
+            <a:off x="5669592" y="5910752"/>
+            <a:ext cx="0" cy="110536"/>
+          </a:xfrm>
+          <a:prstGeom prst="line">
+            <a:avLst/>
+          </a:prstGeom>
+        </p:spPr>
+        <p:style>
+          <a:lnRef idx="1">
+            <a:schemeClr val="accent1"/>
+          </a:lnRef>
+          <a:fillRef idx="0">
+            <a:schemeClr val="accent1"/>
+          </a:fillRef>
+          <a:effectRef idx="0">
+            <a:schemeClr val="accent1"/>
+          </a:effectRef>
+          <a:fontRef idx="minor">
+            <a:schemeClr val="tx1"/>
+          </a:fontRef>
+        </p:style>
+      </p:cxnSp>
+      <p:sp>
+        <p:nvSpPr>
+          <p:cNvPr id="29" name="ZoneTexte 28"/>
+          <p:cNvSpPr txBox="1"/>
+          <p:nvPr/>
+        </p:nvSpPr>
+        <p:spPr>
+          <a:xfrm>
+            <a:off x="5075526" y="6021288"/>
+            <a:ext cx="1188132" cy="584775"/>
+          </a:xfrm>
+          <a:prstGeom prst="rect">
+            <a:avLst/>
+          </a:prstGeom>
+          <a:noFill/>
+        </p:spPr>
+        <p:txBody>
+          <a:bodyPr wrap="square" rtlCol="0">
+            <a:spAutoFit/>
+          </a:bodyPr>
+          <a:lstStyle/>
+          <a:p>
+            <a:r>
+              <a:rPr lang="fr-FR" sz="1600" dirty="0" smtClean="0"/>
+              <a:t>Installer un </a:t>
+            </a:r>
+            <a:r>
+              <a:rPr lang="fr-FR" sz="1600" dirty="0" err="1" smtClean="0"/>
+              <a:t>FireWall</a:t>
+            </a:r>
+            <a:endParaRPr lang="fr-FR" sz="1600" dirty="0"/>
+          </a:p>
+        </p:txBody>
+      </p:sp>
     </p:spTree>
     <p:extLst>
       <p:ext uri="{BB962C8B-B14F-4D97-AF65-F5344CB8AC3E}">
-        <p14:creationId xmlns:p14="http://schemas.microsoft.com/office/powerpoint/2010/main" val="3423601455"/>
+        <p14:creationId xmlns:p14="http://schemas.microsoft.com/office/powerpoint/2010/main" val="1383831093"/>
       </p:ext>
     </p:extLst>
   </p:cSld>
@@ -5252,51 +7634,6 @@
                                               <p:pRg st="0" end="0"/>
                                             </p:txEl>
                                           </p:spTgt>
-                                        </p:tgtEl>
-                                        <p:attrNameLst>
-                                          <p:attrName>style.visibility</p:attrName>
-                                        </p:attrNameLst>
-                                      </p:cBhvr>
-                                      <p:to>
-                                        <p:strVal val="visible"/>
-                                      </p:to>
-                                    </p:set>
-                                  </p:childTnLst>
-                                </p:cTn>
-                              </p:par>
-                            </p:childTnLst>
-                          </p:cTn>
-                        </p:par>
-                      </p:childTnLst>
-                    </p:cTn>
-                  </p:par>
-                  <p:par>
-                    <p:cTn id="7" fill="hold">
-                      <p:stCondLst>
-                        <p:cond delay="indefinite"/>
-                      </p:stCondLst>
-                      <p:childTnLst>
-                        <p:par>
-                          <p:cTn id="8" fill="hold">
-                            <p:stCondLst>
-                              <p:cond delay="0"/>
-                            </p:stCondLst>
-                            <p:childTnLst>
-                              <p:par>
-                                <p:cTn id="9" presetID="1" presetClass="entr" presetSubtype="0" fill="hold" nodeType="clickEffect">
-                                  <p:stCondLst>
-                                    <p:cond delay="0"/>
-                                  </p:stCondLst>
-                                  <p:childTnLst>
-                                    <p:set>
-                                      <p:cBhvr>
-                                        <p:cTn id="10" dur="1" fill="hold">
-                                          <p:stCondLst>
-                                            <p:cond delay="0"/>
-                                          </p:stCondLst>
-                                        </p:cTn>
-                                        <p:tgtEl>
-                                          <p:spTgt spid="9"/>
                                         </p:tgtEl>
                                         <p:attrNameLst>
                                           <p:attrName>style.visibility</p:attrName>

--- a/soutenances/projet_decembre/etat_art.pptx
+++ b/soutenances/projet_decembre/etat_art.pptx
@@ -5070,7 +5070,7 @@
         </p:blipFill>
         <p:spPr>
           <a:xfrm>
-            <a:off x="467544" y="1916832"/>
+            <a:off x="467544" y="1988840"/>
             <a:ext cx="8261499" cy="3797940"/>
           </a:xfrm>
         </p:spPr>
@@ -5096,6 +5096,53 @@
               <a:rPr lang="fr-FR" dirty="0" smtClean="0"/>
               <a:t>Arbres d’attaque</a:t>
             </a:r>
+            <a:endParaRPr lang="fr-FR" dirty="0"/>
+          </a:p>
+        </p:txBody>
+      </p:sp>
+      <p:sp>
+        <p:nvSpPr>
+          <p:cNvPr id="3" name="ZoneTexte 2"/>
+          <p:cNvSpPr txBox="1"/>
+          <p:nvPr/>
+        </p:nvSpPr>
+        <p:spPr>
+          <a:xfrm>
+            <a:off x="323528" y="908720"/>
+            <a:ext cx="8568952" cy="677108"/>
+          </a:xfrm>
+          <a:prstGeom prst="rect">
+            <a:avLst/>
+          </a:prstGeom>
+          <a:noFill/>
+        </p:spPr>
+        <p:txBody>
+          <a:bodyPr wrap="square" rtlCol="0">
+            <a:spAutoFit/>
+          </a:bodyPr>
+          <a:lstStyle/>
+          <a:p>
+            <a:r>
+              <a:rPr lang="fr-FR" sz="2000" b="1" dirty="0" smtClean="0">
+                <a:solidFill>
+                  <a:srgbClr val="004D6F"/>
+                </a:solidFill>
+                <a:latin typeface="Arial" pitchFamily="34" charset="0"/>
+                <a:cs typeface="Arial" pitchFamily="34" charset="0"/>
+                <a:sym typeface="Wingdings" panose="05000000000000000000" pitchFamily="2" charset="2"/>
+              </a:rPr>
+              <a:t>À l’origine : les arbres de défaillance</a:t>
+            </a:r>
+            <a:endParaRPr lang="fr-FR" sz="2000" b="1" dirty="0">
+              <a:solidFill>
+                <a:srgbClr val="004D6F"/>
+              </a:solidFill>
+              <a:latin typeface="Arial" pitchFamily="34" charset="0"/>
+              <a:cs typeface="Arial" pitchFamily="34" charset="0"/>
+              <a:sym typeface="Wingdings" panose="05000000000000000000" pitchFamily="2" charset="2"/>
+            </a:endParaRPr>
+          </a:p>
+          <a:p>
             <a:endParaRPr lang="fr-FR" dirty="0"/>
           </a:p>
         </p:txBody>
@@ -5187,19 +5234,7 @@
               <a:rPr lang="fr-FR" dirty="0" smtClean="0">
                 <a:sym typeface="Wingdings" panose="05000000000000000000" pitchFamily="2" charset="2"/>
               </a:rPr>
-              <a:t> </a:t>
-            </a:r>
-            <a:r>
-              <a:rPr lang="fr-FR" dirty="0" smtClean="0">
-                <a:sym typeface="Wingdings" panose="05000000000000000000" pitchFamily="2" charset="2"/>
-              </a:rPr>
-              <a:t>introduit les </a:t>
-            </a:r>
-            <a:r>
-              <a:rPr lang="fr-FR" dirty="0" smtClean="0">
-                <a:sym typeface="Wingdings" panose="05000000000000000000" pitchFamily="2" charset="2"/>
-              </a:rPr>
-              <a:t>arbres d’attaque</a:t>
+              <a:t> introduit les arbres d’attaque</a:t>
             </a:r>
           </a:p>
         </p:txBody>
@@ -5993,55 +6028,6 @@
                                           </p:stCondLst>
                                         </p:cTn>
                                         <p:tgtEl>
-                                          <p:spTgt spid="3">
-                                            <p:txEl>
-                                              <p:pRg st="0" end="0"/>
-                                            </p:txEl>
-                                          </p:spTgt>
-                                        </p:tgtEl>
-                                        <p:attrNameLst>
-                                          <p:attrName>style.visibility</p:attrName>
-                                        </p:attrNameLst>
-                                      </p:cBhvr>
-                                      <p:to>
-                                        <p:strVal val="visible"/>
-                                      </p:to>
-                                    </p:set>
-                                  </p:childTnLst>
-                                </p:cTn>
-                              </p:par>
-                            </p:childTnLst>
-                          </p:cTn>
-                        </p:par>
-                      </p:childTnLst>
-                    </p:cTn>
-                  </p:par>
-                  <p:par>
-                    <p:cTn id="7" fill="hold">
-                      <p:stCondLst>
-                        <p:cond delay="indefinite"/>
-                      </p:stCondLst>
-                      <p:childTnLst>
-                        <p:par>
-                          <p:cTn id="8" fill="hold">
-                            <p:stCondLst>
-                              <p:cond delay="0"/>
-                            </p:stCondLst>
-                            <p:childTnLst>
-                              <p:par>
-                                <p:cTn id="9" presetID="1" presetClass="entr" presetSubtype="0" fill="hold" grpId="0" nodeType="clickEffect">
-                                  <p:stCondLst>
-                                    <p:cond delay="0"/>
-                                  </p:stCondLst>
-                                  <p:childTnLst>
-                                    <p:set>
-                                      <p:cBhvr>
-                                        <p:cTn id="10" dur="1" fill="hold">
-                                          <p:stCondLst>
-                                            <p:cond delay="0"/>
-                                          </p:stCondLst>
-                                        </p:cTn>
-                                        <p:tgtEl>
                                           <p:spTgt spid="5"/>
                                         </p:tgtEl>
                                         <p:attrNameLst>
@@ -6056,14 +6042,14 @@
                                 </p:cTn>
                               </p:par>
                               <p:par>
-                                <p:cTn id="11" presetID="1" presetClass="entr" presetSubtype="0" fill="hold" grpId="0" nodeType="withEffect">
+                                <p:cTn id="7" presetID="1" presetClass="entr" presetSubtype="0" fill="hold" grpId="0" nodeType="withEffect">
                                   <p:stCondLst>
                                     <p:cond delay="0"/>
                                   </p:stCondLst>
                                   <p:childTnLst>
                                     <p:set>
                                       <p:cBhvr>
-                                        <p:cTn id="12" dur="1" fill="hold">
+                                        <p:cTn id="8" dur="1" fill="hold">
                                           <p:stCondLst>
                                             <p:cond delay="0"/>
                                           </p:stCondLst>
@@ -6089,26 +6075,26 @@
                     </p:cTn>
                   </p:par>
                   <p:par>
-                    <p:cTn id="13" fill="hold">
+                    <p:cTn id="9" fill="hold">
                       <p:stCondLst>
                         <p:cond delay="indefinite"/>
                       </p:stCondLst>
                       <p:childTnLst>
                         <p:par>
-                          <p:cTn id="14" fill="hold">
+                          <p:cTn id="10" fill="hold">
                             <p:stCondLst>
                               <p:cond delay="0"/>
                             </p:stCondLst>
                             <p:childTnLst>
                               <p:par>
-                                <p:cTn id="15" presetID="1" presetClass="entr" presetSubtype="0" fill="hold" nodeType="clickEffect">
+                                <p:cTn id="11" presetID="1" presetClass="entr" presetSubtype="0" fill="hold" nodeType="clickEffect">
                                   <p:stCondLst>
                                     <p:cond delay="0"/>
                                   </p:stCondLst>
                                   <p:childTnLst>
                                     <p:set>
                                       <p:cBhvr>
-                                        <p:cTn id="16" dur="1" fill="hold">
+                                        <p:cTn id="12" dur="1" fill="hold">
                                           <p:stCondLst>
                                             <p:cond delay="0"/>
                                           </p:stCondLst>
@@ -6128,14 +6114,14 @@
                                 </p:cTn>
                               </p:par>
                               <p:par>
-                                <p:cTn id="17" presetID="1" presetClass="entr" presetSubtype="0" fill="hold" nodeType="withEffect">
+                                <p:cTn id="13" presetID="1" presetClass="entr" presetSubtype="0" fill="hold" nodeType="withEffect">
                                   <p:stCondLst>
                                     <p:cond delay="0"/>
                                   </p:stCondLst>
                                   <p:childTnLst>
                                     <p:set>
                                       <p:cBhvr>
-                                        <p:cTn id="18" dur="1" fill="hold">
+                                        <p:cTn id="14" dur="1" fill="hold">
                                           <p:stCondLst>
                                             <p:cond delay="0"/>
                                           </p:stCondLst>
@@ -6155,7 +6141,61 @@
                                 </p:cTn>
                               </p:par>
                               <p:par>
-                                <p:cTn id="19" presetID="1" presetClass="entr" presetSubtype="0" fill="hold" nodeType="withEffect">
+                                <p:cTn id="15" presetID="1" presetClass="entr" presetSubtype="0" fill="hold" nodeType="withEffect">
+                                  <p:stCondLst>
+                                    <p:cond delay="0"/>
+                                  </p:stCondLst>
+                                  <p:childTnLst>
+                                    <p:set>
+                                      <p:cBhvr>
+                                        <p:cTn id="16" dur="1" fill="hold">
+                                          <p:stCondLst>
+                                            <p:cond delay="0"/>
+                                          </p:stCondLst>
+                                        </p:cTn>
+                                        <p:tgtEl>
+                                          <p:spTgt spid="31"/>
+                                        </p:tgtEl>
+                                        <p:attrNameLst>
+                                          <p:attrName>style.visibility</p:attrName>
+                                        </p:attrNameLst>
+                                      </p:cBhvr>
+                                      <p:to>
+                                        <p:strVal val="visible"/>
+                                      </p:to>
+                                    </p:set>
+                                  </p:childTnLst>
+                                </p:cTn>
+                              </p:par>
+                              <p:par>
+                                <p:cTn id="17" presetID="1" presetClass="entr" presetSubtype="0" fill="hold" grpId="0" nodeType="withEffect">
+                                  <p:stCondLst>
+                                    <p:cond delay="0"/>
+                                  </p:stCondLst>
+                                  <p:childTnLst>
+                                    <p:set>
+                                      <p:cBhvr>
+                                        <p:cTn id="18" dur="1" fill="hold">
+                                          <p:stCondLst>
+                                            <p:cond delay="0"/>
+                                          </p:stCondLst>
+                                        </p:cTn>
+                                        <p:tgtEl>
+                                          <p:spTgt spid="11"/>
+                                        </p:tgtEl>
+                                        <p:attrNameLst>
+                                          <p:attrName>style.visibility</p:attrName>
+                                        </p:attrNameLst>
+                                      </p:cBhvr>
+                                      <p:to>
+                                        <p:strVal val="visible"/>
+                                      </p:to>
+                                    </p:set>
+                                  </p:childTnLst>
+                                </p:cTn>
+                              </p:par>
+                              <p:par>
+                                <p:cTn id="19" presetID="1" presetClass="entr" presetSubtype="0" fill="hold" grpId="0" nodeType="withEffect">
                                   <p:stCondLst>
                                     <p:cond delay="0"/>
                                   </p:stCondLst>
@@ -6168,7 +6208,7 @@
                                           </p:stCondLst>
                                         </p:cTn>
                                         <p:tgtEl>
-                                          <p:spTgt spid="31"/>
+                                          <p:spTgt spid="12"/>
                                         </p:tgtEl>
                                         <p:attrNameLst>
                                           <p:attrName>style.visibility</p:attrName>
@@ -6195,7 +6235,7 @@
                                           </p:stCondLst>
                                         </p:cTn>
                                         <p:tgtEl>
-                                          <p:spTgt spid="11"/>
+                                          <p:spTgt spid="13"/>
                                         </p:tgtEl>
                                         <p:attrNameLst>
                                           <p:attrName>style.visibility</p:attrName>
@@ -6222,7 +6262,7 @@
                                           </p:stCondLst>
                                         </p:cTn>
                                         <p:tgtEl>
-                                          <p:spTgt spid="12"/>
+                                          <p:spTgt spid="16"/>
                                         </p:tgtEl>
                                         <p:attrNameLst>
                                           <p:attrName>style.visibility</p:attrName>
@@ -6249,7 +6289,7 @@
                                           </p:stCondLst>
                                         </p:cTn>
                                         <p:tgtEl>
-                                          <p:spTgt spid="13"/>
+                                          <p:spTgt spid="9"/>
                                         </p:tgtEl>
                                         <p:attrNameLst>
                                           <p:attrName>style.visibility</p:attrName>
@@ -6276,60 +6316,6 @@
                                           </p:stCondLst>
                                         </p:cTn>
                                         <p:tgtEl>
-                                          <p:spTgt spid="16"/>
-                                        </p:tgtEl>
-                                        <p:attrNameLst>
-                                          <p:attrName>style.visibility</p:attrName>
-                                        </p:attrNameLst>
-                                      </p:cBhvr>
-                                      <p:to>
-                                        <p:strVal val="visible"/>
-                                      </p:to>
-                                    </p:set>
-                                  </p:childTnLst>
-                                </p:cTn>
-                              </p:par>
-                              <p:par>
-                                <p:cTn id="29" presetID="1" presetClass="entr" presetSubtype="0" fill="hold" grpId="0" nodeType="withEffect">
-                                  <p:stCondLst>
-                                    <p:cond delay="0"/>
-                                  </p:stCondLst>
-                                  <p:childTnLst>
-                                    <p:set>
-                                      <p:cBhvr>
-                                        <p:cTn id="30" dur="1" fill="hold">
-                                          <p:stCondLst>
-                                            <p:cond delay="0"/>
-                                          </p:stCondLst>
-                                        </p:cTn>
-                                        <p:tgtEl>
-                                          <p:spTgt spid="9"/>
-                                        </p:tgtEl>
-                                        <p:attrNameLst>
-                                          <p:attrName>style.visibility</p:attrName>
-                                        </p:attrNameLst>
-                                      </p:cBhvr>
-                                      <p:to>
-                                        <p:strVal val="visible"/>
-                                      </p:to>
-                                    </p:set>
-                                  </p:childTnLst>
-                                </p:cTn>
-                              </p:par>
-                              <p:par>
-                                <p:cTn id="31" presetID="1" presetClass="entr" presetSubtype="0" fill="hold" grpId="0" nodeType="withEffect">
-                                  <p:stCondLst>
-                                    <p:cond delay="0"/>
-                                  </p:stCondLst>
-                                  <p:childTnLst>
-                                    <p:set>
-                                      <p:cBhvr>
-                                        <p:cTn id="32" dur="1" fill="hold">
-                                          <p:stCondLst>
-                                            <p:cond delay="0"/>
-                                          </p:stCondLst>
-                                        </p:cTn>
-                                        <p:tgtEl>
                                           <p:spTgt spid="17"/>
                                         </p:tgtEl>
                                         <p:attrNameLst>
@@ -6350,19 +6336,73 @@
                     </p:cTn>
                   </p:par>
                   <p:par>
-                    <p:cTn id="33" fill="hold">
+                    <p:cTn id="29" fill="hold">
                       <p:stCondLst>
                         <p:cond delay="indefinite"/>
                       </p:stCondLst>
                       <p:childTnLst>
                         <p:par>
-                          <p:cTn id="34" fill="hold">
+                          <p:cTn id="30" fill="hold">
                             <p:stCondLst>
                               <p:cond delay="0"/>
                             </p:stCondLst>
                             <p:childTnLst>
                               <p:par>
-                                <p:cTn id="35" presetID="1" presetClass="entr" presetSubtype="0" fill="hold" grpId="0" nodeType="clickEffect">
+                                <p:cTn id="31" presetID="1" presetClass="entr" presetSubtype="0" fill="hold" grpId="0" nodeType="clickEffect">
+                                  <p:stCondLst>
+                                    <p:cond delay="0"/>
+                                  </p:stCondLst>
+                                  <p:childTnLst>
+                                    <p:set>
+                                      <p:cBhvr>
+                                        <p:cTn id="32" dur="1" fill="hold">
+                                          <p:stCondLst>
+                                            <p:cond delay="0"/>
+                                          </p:stCondLst>
+                                        </p:cTn>
+                                        <p:tgtEl>
+                                          <p:spTgt spid="15"/>
+                                        </p:tgtEl>
+                                        <p:attrNameLst>
+                                          <p:attrName>style.visibility</p:attrName>
+                                        </p:attrNameLst>
+                                      </p:cBhvr>
+                                      <p:to>
+                                        <p:strVal val="visible"/>
+                                      </p:to>
+                                    </p:set>
+                                  </p:childTnLst>
+                                </p:cTn>
+                              </p:par>
+                              <p:par>
+                                <p:cTn id="33" presetID="1" presetClass="entr" presetSubtype="0" fill="hold" grpId="0" nodeType="withEffect">
+                                  <p:stCondLst>
+                                    <p:cond delay="0"/>
+                                  </p:stCondLst>
+                                  <p:childTnLst>
+                                    <p:set>
+                                      <p:cBhvr>
+                                        <p:cTn id="34" dur="1" fill="hold">
+                                          <p:stCondLst>
+                                            <p:cond delay="0"/>
+                                          </p:stCondLst>
+                                        </p:cTn>
+                                        <p:tgtEl>
+                                          <p:spTgt spid="14"/>
+                                        </p:tgtEl>
+                                        <p:attrNameLst>
+                                          <p:attrName>style.visibility</p:attrName>
+                                        </p:attrNameLst>
+                                      </p:cBhvr>
+                                      <p:to>
+                                        <p:strVal val="visible"/>
+                                      </p:to>
+                                    </p:set>
+                                  </p:childTnLst>
+                                </p:cTn>
+                              </p:par>
+                              <p:par>
+                                <p:cTn id="35" presetID="1" presetClass="entr" presetSubtype="0" fill="hold" grpId="0" nodeType="withEffect">
                                   <p:stCondLst>
                                     <p:cond delay="0"/>
                                   </p:stCondLst>
@@ -6375,7 +6415,7 @@
                                           </p:stCondLst>
                                         </p:cTn>
                                         <p:tgtEl>
-                                          <p:spTgt spid="15"/>
+                                          <p:spTgt spid="18"/>
                                         </p:tgtEl>
                                         <p:attrNameLst>
                                           <p:attrName>style.visibility</p:attrName>
@@ -6402,7 +6442,7 @@
                                           </p:stCondLst>
                                         </p:cTn>
                                         <p:tgtEl>
-                                          <p:spTgt spid="14"/>
+                                          <p:spTgt spid="19"/>
                                         </p:tgtEl>
                                         <p:attrNameLst>
                                           <p:attrName>style.visibility</p:attrName>
@@ -6416,7 +6456,7 @@
                                 </p:cTn>
                               </p:par>
                               <p:par>
-                                <p:cTn id="39" presetID="1" presetClass="entr" presetSubtype="0" fill="hold" grpId="0" nodeType="withEffect">
+                                <p:cTn id="39" presetID="1" presetClass="entr" presetSubtype="0" fill="hold" nodeType="withEffect">
                                   <p:stCondLst>
                                     <p:cond delay="0"/>
                                   </p:stCondLst>
@@ -6429,7 +6469,7 @@
                                           </p:stCondLst>
                                         </p:cTn>
                                         <p:tgtEl>
-                                          <p:spTgt spid="18"/>
+                                          <p:spTgt spid="34"/>
                                         </p:tgtEl>
                                         <p:attrNameLst>
                                           <p:attrName>style.visibility</p:attrName>
@@ -6443,7 +6483,7 @@
                                 </p:cTn>
                               </p:par>
                               <p:par>
-                                <p:cTn id="41" presetID="1" presetClass="entr" presetSubtype="0" fill="hold" grpId="0" nodeType="withEffect">
+                                <p:cTn id="41" presetID="1" presetClass="entr" presetSubtype="0" fill="hold" nodeType="withEffect">
                                   <p:stCondLst>
                                     <p:cond delay="0"/>
                                   </p:stCondLst>
@@ -6456,7 +6496,7 @@
                                           </p:stCondLst>
                                         </p:cTn>
                                         <p:tgtEl>
-                                          <p:spTgt spid="19"/>
+                                          <p:spTgt spid="37"/>
                                         </p:tgtEl>
                                         <p:attrNameLst>
                                           <p:attrName>style.visibility</p:attrName>
@@ -6478,60 +6518,6 @@
                                     <p:set>
                                       <p:cBhvr>
                                         <p:cTn id="44" dur="1" fill="hold">
-                                          <p:stCondLst>
-                                            <p:cond delay="0"/>
-                                          </p:stCondLst>
-                                        </p:cTn>
-                                        <p:tgtEl>
-                                          <p:spTgt spid="34"/>
-                                        </p:tgtEl>
-                                        <p:attrNameLst>
-                                          <p:attrName>style.visibility</p:attrName>
-                                        </p:attrNameLst>
-                                      </p:cBhvr>
-                                      <p:to>
-                                        <p:strVal val="visible"/>
-                                      </p:to>
-                                    </p:set>
-                                  </p:childTnLst>
-                                </p:cTn>
-                              </p:par>
-                              <p:par>
-                                <p:cTn id="45" presetID="1" presetClass="entr" presetSubtype="0" fill="hold" nodeType="withEffect">
-                                  <p:stCondLst>
-                                    <p:cond delay="0"/>
-                                  </p:stCondLst>
-                                  <p:childTnLst>
-                                    <p:set>
-                                      <p:cBhvr>
-                                        <p:cTn id="46" dur="1" fill="hold">
-                                          <p:stCondLst>
-                                            <p:cond delay="0"/>
-                                          </p:stCondLst>
-                                        </p:cTn>
-                                        <p:tgtEl>
-                                          <p:spTgt spid="37"/>
-                                        </p:tgtEl>
-                                        <p:attrNameLst>
-                                          <p:attrName>style.visibility</p:attrName>
-                                        </p:attrNameLst>
-                                      </p:cBhvr>
-                                      <p:to>
-                                        <p:strVal val="visible"/>
-                                      </p:to>
-                                    </p:set>
-                                  </p:childTnLst>
-                                </p:cTn>
-                              </p:par>
-                              <p:par>
-                                <p:cTn id="47" presetID="1" presetClass="entr" presetSubtype="0" fill="hold" nodeType="withEffect">
-                                  <p:stCondLst>
-                                    <p:cond delay="0"/>
-                                  </p:stCondLst>
-                                  <p:childTnLst>
-                                    <p:set>
-                                      <p:cBhvr>
-                                        <p:cTn id="48" dur="1" fill="hold">
                                           <p:stCondLst>
                                             <p:cond delay="0"/>
                                           </p:stCondLst>
@@ -6578,7 +6564,6 @@
       </p:par>
     </p:tnLst>
     <p:bldLst>
-      <p:bldP spid="3" grpId="0" build="p"/>
       <p:bldP spid="5" grpId="0" animBg="1"/>
       <p:bldP spid="7" grpId="0"/>
       <p:bldP spid="11" grpId="0" animBg="1"/>
@@ -6644,8 +6629,8 @@
         </p:nvSpPr>
         <p:spPr>
           <a:xfrm>
-            <a:off x="564152" y="979857"/>
-            <a:ext cx="8229600" cy="5544616"/>
+            <a:off x="539552" y="836712"/>
+            <a:ext cx="8254200" cy="5687761"/>
           </a:xfrm>
         </p:spPr>
         <p:txBody>
@@ -6658,9 +6643,6 @@
               </a:rPr>
               <a:t>Le concept a évolué en arbres d’attaque et de défense</a:t>
             </a:r>
-            <a:endParaRPr lang="fr-FR" dirty="0" smtClean="0">
-              <a:sym typeface="Wingdings" panose="05000000000000000000" pitchFamily="2" charset="2"/>
-            </a:endParaRPr>
           </a:p>
         </p:txBody>
       </p:sp>
@@ -6686,58 +6668,6 @@
               <a:t>Arbres d’attaque</a:t>
             </a:r>
             <a:endParaRPr lang="fr-FR" dirty="0"/>
-          </a:p>
-        </p:txBody>
-      </p:sp>
-      <p:sp>
-        <p:nvSpPr>
-          <p:cNvPr id="5" name="Ellipse 4"/>
-          <p:cNvSpPr/>
-          <p:nvPr/>
-        </p:nvSpPr>
-        <p:spPr>
-          <a:xfrm>
-            <a:off x="3203848" y="1556792"/>
-            <a:ext cx="1728192" cy="864096"/>
-          </a:xfrm>
-          <a:prstGeom prst="ellipse">
-            <a:avLst/>
-          </a:prstGeom>
-          <a:solidFill>
-            <a:schemeClr val="bg1"/>
-          </a:solidFill>
-          <a:ln>
-            <a:solidFill>
-              <a:schemeClr val="accent5"/>
-            </a:solidFill>
-          </a:ln>
-        </p:spPr>
-        <p:style>
-          <a:lnRef idx="2">
-            <a:schemeClr val="accent1">
-              <a:shade val="50000"/>
-            </a:schemeClr>
-          </a:lnRef>
-          <a:fillRef idx="1">
-            <a:schemeClr val="accent1"/>
-          </a:fillRef>
-          <a:effectRef idx="0">
-            <a:schemeClr val="accent1"/>
-          </a:effectRef>
-          <a:fontRef idx="minor">
-            <a:schemeClr val="lt1"/>
-          </a:fontRef>
-        </p:style>
-        <p:txBody>
-          <a:bodyPr rtlCol="0" anchor="ctr"/>
-          <a:lstStyle/>
-          <a:p>
-            <a:pPr algn="ctr"/>
-            <a:endParaRPr lang="fr-FR">
-              <a:solidFill>
-                <a:schemeClr val="bg1"/>
-              </a:solidFill>
-            </a:endParaRPr>
           </a:p>
         </p:txBody>
       </p:sp>
@@ -6767,648 +6697,715 @@
           </a:p>
         </p:txBody>
       </p:sp>
-      <p:sp>
-        <p:nvSpPr>
-          <p:cNvPr id="7" name="ZoneTexte 6"/>
-          <p:cNvSpPr txBox="1"/>
+      <p:grpSp>
+        <p:nvGrpSpPr>
+          <p:cNvPr id="25" name="Groupe 24"/>
+          <p:cNvGrpSpPr/>
           <p:nvPr/>
-        </p:nvSpPr>
-        <p:spPr>
+        </p:nvGrpSpPr>
+        <p:grpSpPr>
           <a:xfrm>
-            <a:off x="3517393" y="1665674"/>
-            <a:ext cx="1296144" cy="646331"/>
+            <a:off x="971600" y="1556792"/>
+            <a:ext cx="7668376" cy="3911154"/>
+            <a:chOff x="971600" y="1556792"/>
+            <a:chExt cx="7668376" cy="3911154"/>
           </a:xfrm>
-          <a:prstGeom prst="rect">
-            <a:avLst/>
-          </a:prstGeom>
-          <a:noFill/>
-        </p:spPr>
-        <p:txBody>
-          <a:bodyPr wrap="square" rtlCol="0">
-            <a:spAutoFit/>
-          </a:bodyPr>
-          <a:lstStyle/>
-          <a:p>
-            <a:r>
-              <a:rPr lang="fr-FR" dirty="0" smtClean="0"/>
-              <a:t>Paralyser le STAR</a:t>
-            </a:r>
-            <a:endParaRPr lang="fr-FR" dirty="0"/>
-          </a:p>
-        </p:txBody>
-      </p:sp>
-      <p:sp>
-        <p:nvSpPr>
-          <p:cNvPr id="11" name="Ellipse 10"/>
-          <p:cNvSpPr/>
-          <p:nvPr/>
-        </p:nvSpPr>
-        <p:spPr>
-          <a:xfrm>
-            <a:off x="971600" y="2996952"/>
-            <a:ext cx="1728192" cy="864096"/>
-          </a:xfrm>
-          <a:prstGeom prst="ellipse">
-            <a:avLst/>
-          </a:prstGeom>
-          <a:solidFill>
-            <a:schemeClr val="bg1"/>
-          </a:solidFill>
-          <a:ln>
+        </p:grpSpPr>
+        <p:sp>
+          <p:nvSpPr>
+            <p:cNvPr id="5" name="Ellipse 4"/>
+            <p:cNvSpPr/>
+            <p:nvPr/>
+          </p:nvSpPr>
+          <p:spPr>
+            <a:xfrm>
+              <a:off x="3203848" y="1556792"/>
+              <a:ext cx="1728192" cy="864096"/>
+            </a:xfrm>
+            <a:prstGeom prst="ellipse">
+              <a:avLst/>
+            </a:prstGeom>
             <a:solidFill>
-              <a:schemeClr val="accent5"/>
+              <a:schemeClr val="bg1"/>
             </a:solidFill>
-          </a:ln>
-        </p:spPr>
-        <p:style>
-          <a:lnRef idx="2">
-            <a:schemeClr val="accent1">
-              <a:shade val="50000"/>
-            </a:schemeClr>
-          </a:lnRef>
-          <a:fillRef idx="1">
-            <a:schemeClr val="accent1"/>
-          </a:fillRef>
-          <a:effectRef idx="0">
-            <a:schemeClr val="accent1"/>
-          </a:effectRef>
-          <a:fontRef idx="minor">
-            <a:schemeClr val="lt1"/>
-          </a:fontRef>
-        </p:style>
-        <p:txBody>
-          <a:bodyPr rtlCol="0" anchor="ctr"/>
-          <a:lstStyle/>
-          <a:p>
-            <a:pPr algn="ctr"/>
-            <a:endParaRPr lang="fr-FR">
+            <a:ln>
               <a:solidFill>
-                <a:schemeClr val="bg1"/>
+                <a:schemeClr val="accent5"/>
               </a:solidFill>
-            </a:endParaRPr>
-          </a:p>
-        </p:txBody>
-      </p:sp>
-      <p:sp>
-        <p:nvSpPr>
-          <p:cNvPr id="12" name="Ellipse 11"/>
-          <p:cNvSpPr/>
-          <p:nvPr/>
-        </p:nvSpPr>
-        <p:spPr>
-          <a:xfrm>
-            <a:off x="3203848" y="2996952"/>
-            <a:ext cx="1728192" cy="864096"/>
-          </a:xfrm>
-          <a:prstGeom prst="ellipse">
-            <a:avLst/>
-          </a:prstGeom>
-          <a:solidFill>
-            <a:schemeClr val="bg1"/>
-          </a:solidFill>
-          <a:ln>
+            </a:ln>
+          </p:spPr>
+          <p:style>
+            <a:lnRef idx="2">
+              <a:schemeClr val="accent1">
+                <a:shade val="50000"/>
+              </a:schemeClr>
+            </a:lnRef>
+            <a:fillRef idx="1">
+              <a:schemeClr val="accent1"/>
+            </a:fillRef>
+            <a:effectRef idx="0">
+              <a:schemeClr val="accent1"/>
+            </a:effectRef>
+            <a:fontRef idx="minor">
+              <a:schemeClr val="lt1"/>
+            </a:fontRef>
+          </p:style>
+          <p:txBody>
+            <a:bodyPr rtlCol="0" anchor="ctr"/>
+            <a:lstStyle/>
+            <a:p>
+              <a:pPr algn="ctr"/>
+              <a:endParaRPr lang="fr-FR">
+                <a:solidFill>
+                  <a:schemeClr val="bg1"/>
+                </a:solidFill>
+              </a:endParaRPr>
+            </a:p>
+          </p:txBody>
+        </p:sp>
+        <p:sp>
+          <p:nvSpPr>
+            <p:cNvPr id="7" name="ZoneTexte 6"/>
+            <p:cNvSpPr txBox="1"/>
+            <p:nvPr/>
+          </p:nvSpPr>
+          <p:spPr>
+            <a:xfrm>
+              <a:off x="3517393" y="1665674"/>
+              <a:ext cx="1296144" cy="646331"/>
+            </a:xfrm>
+            <a:prstGeom prst="rect">
+              <a:avLst/>
+            </a:prstGeom>
+            <a:noFill/>
+          </p:spPr>
+          <p:txBody>
+            <a:bodyPr wrap="square" rtlCol="0">
+              <a:spAutoFit/>
+            </a:bodyPr>
+            <a:lstStyle/>
+            <a:p>
+              <a:r>
+                <a:rPr lang="fr-FR" dirty="0" smtClean="0"/>
+                <a:t>Paralyser le STAR</a:t>
+              </a:r>
+              <a:endParaRPr lang="fr-FR" dirty="0"/>
+            </a:p>
+          </p:txBody>
+        </p:sp>
+        <p:sp>
+          <p:nvSpPr>
+            <p:cNvPr id="11" name="Ellipse 10"/>
+            <p:cNvSpPr/>
+            <p:nvPr/>
+          </p:nvSpPr>
+          <p:spPr>
+            <a:xfrm>
+              <a:off x="971600" y="2996952"/>
+              <a:ext cx="1728192" cy="864096"/>
+            </a:xfrm>
+            <a:prstGeom prst="ellipse">
+              <a:avLst/>
+            </a:prstGeom>
             <a:solidFill>
-              <a:schemeClr val="accent5"/>
+              <a:schemeClr val="bg1"/>
             </a:solidFill>
-          </a:ln>
-        </p:spPr>
-        <p:style>
-          <a:lnRef idx="2">
-            <a:schemeClr val="accent1">
-              <a:shade val="50000"/>
-            </a:schemeClr>
-          </a:lnRef>
-          <a:fillRef idx="1">
-            <a:schemeClr val="accent1"/>
-          </a:fillRef>
-          <a:effectRef idx="0">
-            <a:schemeClr val="accent1"/>
-          </a:effectRef>
-          <a:fontRef idx="minor">
-            <a:schemeClr val="lt1"/>
-          </a:fontRef>
-        </p:style>
-        <p:txBody>
-          <a:bodyPr rtlCol="0" anchor="ctr"/>
-          <a:lstStyle/>
-          <a:p>
-            <a:pPr algn="ctr"/>
-            <a:endParaRPr lang="fr-FR">
+            <a:ln>
               <a:solidFill>
-                <a:schemeClr val="bg1"/>
+                <a:schemeClr val="accent5"/>
               </a:solidFill>
-            </a:endParaRPr>
-          </a:p>
-        </p:txBody>
-      </p:sp>
-      <p:sp>
-        <p:nvSpPr>
-          <p:cNvPr id="13" name="Ellipse 12"/>
-          <p:cNvSpPr/>
-          <p:nvPr/>
-        </p:nvSpPr>
-        <p:spPr>
-          <a:xfrm>
-            <a:off x="5436096" y="2996952"/>
-            <a:ext cx="2448272" cy="864096"/>
-          </a:xfrm>
-          <a:prstGeom prst="ellipse">
-            <a:avLst/>
-          </a:prstGeom>
-          <a:solidFill>
-            <a:schemeClr val="bg1"/>
-          </a:solidFill>
-          <a:ln>
+            </a:ln>
+          </p:spPr>
+          <p:style>
+            <a:lnRef idx="2">
+              <a:schemeClr val="accent1">
+                <a:shade val="50000"/>
+              </a:schemeClr>
+            </a:lnRef>
+            <a:fillRef idx="1">
+              <a:schemeClr val="accent1"/>
+            </a:fillRef>
+            <a:effectRef idx="0">
+              <a:schemeClr val="accent1"/>
+            </a:effectRef>
+            <a:fontRef idx="minor">
+              <a:schemeClr val="lt1"/>
+            </a:fontRef>
+          </p:style>
+          <p:txBody>
+            <a:bodyPr rtlCol="0" anchor="ctr"/>
+            <a:lstStyle/>
+            <a:p>
+              <a:pPr algn="ctr"/>
+              <a:endParaRPr lang="fr-FR">
+                <a:solidFill>
+                  <a:schemeClr val="bg1"/>
+                </a:solidFill>
+              </a:endParaRPr>
+            </a:p>
+          </p:txBody>
+        </p:sp>
+        <p:sp>
+          <p:nvSpPr>
+            <p:cNvPr id="12" name="Ellipse 11"/>
+            <p:cNvSpPr/>
+            <p:nvPr/>
+          </p:nvSpPr>
+          <p:spPr>
+            <a:xfrm>
+              <a:off x="3203848" y="2996952"/>
+              <a:ext cx="1728192" cy="864096"/>
+            </a:xfrm>
+            <a:prstGeom prst="ellipse">
+              <a:avLst/>
+            </a:prstGeom>
             <a:solidFill>
-              <a:schemeClr val="accent5"/>
+              <a:schemeClr val="bg1"/>
             </a:solidFill>
-          </a:ln>
-        </p:spPr>
-        <p:style>
-          <a:lnRef idx="2">
-            <a:schemeClr val="accent1">
-              <a:shade val="50000"/>
-            </a:schemeClr>
-          </a:lnRef>
-          <a:fillRef idx="1">
-            <a:schemeClr val="accent1"/>
-          </a:fillRef>
-          <a:effectRef idx="0">
-            <a:schemeClr val="accent1"/>
-          </a:effectRef>
-          <a:fontRef idx="minor">
-            <a:schemeClr val="lt1"/>
-          </a:fontRef>
-        </p:style>
-        <p:txBody>
-          <a:bodyPr rtlCol="0" anchor="ctr"/>
-          <a:lstStyle/>
-          <a:p>
-            <a:pPr algn="ctr"/>
-            <a:endParaRPr lang="fr-FR">
+            <a:ln>
               <a:solidFill>
-                <a:schemeClr val="bg1"/>
+                <a:schemeClr val="accent5"/>
               </a:solidFill>
-            </a:endParaRPr>
-          </a:p>
-        </p:txBody>
-      </p:sp>
-      <p:sp>
-        <p:nvSpPr>
-          <p:cNvPr id="14" name="Ellipse 13"/>
-          <p:cNvSpPr/>
-          <p:nvPr/>
-        </p:nvSpPr>
-        <p:spPr>
-          <a:xfrm>
-            <a:off x="6911784" y="4603850"/>
-            <a:ext cx="1728192" cy="864096"/>
-          </a:xfrm>
-          <a:prstGeom prst="ellipse">
-            <a:avLst/>
-          </a:prstGeom>
-          <a:solidFill>
-            <a:schemeClr val="bg1"/>
-          </a:solidFill>
-          <a:ln>
+            </a:ln>
+          </p:spPr>
+          <p:style>
+            <a:lnRef idx="2">
+              <a:schemeClr val="accent1">
+                <a:shade val="50000"/>
+              </a:schemeClr>
+            </a:lnRef>
+            <a:fillRef idx="1">
+              <a:schemeClr val="accent1"/>
+            </a:fillRef>
+            <a:effectRef idx="0">
+              <a:schemeClr val="accent1"/>
+            </a:effectRef>
+            <a:fontRef idx="minor">
+              <a:schemeClr val="lt1"/>
+            </a:fontRef>
+          </p:style>
+          <p:txBody>
+            <a:bodyPr rtlCol="0" anchor="ctr"/>
+            <a:lstStyle/>
+            <a:p>
+              <a:pPr algn="ctr"/>
+              <a:endParaRPr lang="fr-FR">
+                <a:solidFill>
+                  <a:schemeClr val="bg1"/>
+                </a:solidFill>
+              </a:endParaRPr>
+            </a:p>
+          </p:txBody>
+        </p:sp>
+        <p:sp>
+          <p:nvSpPr>
+            <p:cNvPr id="13" name="Ellipse 12"/>
+            <p:cNvSpPr/>
+            <p:nvPr/>
+          </p:nvSpPr>
+          <p:spPr>
+            <a:xfrm>
+              <a:off x="5436096" y="2996952"/>
+              <a:ext cx="2448272" cy="864096"/>
+            </a:xfrm>
+            <a:prstGeom prst="ellipse">
+              <a:avLst/>
+            </a:prstGeom>
             <a:solidFill>
-              <a:schemeClr val="accent5"/>
+              <a:schemeClr val="bg1"/>
             </a:solidFill>
-          </a:ln>
-        </p:spPr>
-        <p:style>
-          <a:lnRef idx="2">
-            <a:schemeClr val="accent1">
-              <a:shade val="50000"/>
-            </a:schemeClr>
-          </a:lnRef>
-          <a:fillRef idx="1">
-            <a:schemeClr val="accent1"/>
-          </a:fillRef>
-          <a:effectRef idx="0">
-            <a:schemeClr val="accent1"/>
-          </a:effectRef>
-          <a:fontRef idx="minor">
-            <a:schemeClr val="lt1"/>
-          </a:fontRef>
-        </p:style>
-        <p:txBody>
-          <a:bodyPr rtlCol="0" anchor="ctr"/>
-          <a:lstStyle/>
-          <a:p>
-            <a:pPr algn="ctr"/>
-            <a:endParaRPr lang="fr-FR">
+            <a:ln>
               <a:solidFill>
-                <a:schemeClr val="bg1"/>
+                <a:schemeClr val="accent5"/>
               </a:solidFill>
-            </a:endParaRPr>
-          </a:p>
-        </p:txBody>
-      </p:sp>
-      <p:sp>
-        <p:nvSpPr>
-          <p:cNvPr id="15" name="Ellipse 14"/>
-          <p:cNvSpPr/>
-          <p:nvPr/>
-        </p:nvSpPr>
-        <p:spPr>
-          <a:xfrm>
-            <a:off x="4805496" y="4603850"/>
-            <a:ext cx="1728192" cy="864096"/>
-          </a:xfrm>
-          <a:prstGeom prst="ellipse">
-            <a:avLst/>
-          </a:prstGeom>
-          <a:solidFill>
-            <a:schemeClr val="bg1"/>
-          </a:solidFill>
-          <a:ln>
+            </a:ln>
+          </p:spPr>
+          <p:style>
+            <a:lnRef idx="2">
+              <a:schemeClr val="accent1">
+                <a:shade val="50000"/>
+              </a:schemeClr>
+            </a:lnRef>
+            <a:fillRef idx="1">
+              <a:schemeClr val="accent1"/>
+            </a:fillRef>
+            <a:effectRef idx="0">
+              <a:schemeClr val="accent1"/>
+            </a:effectRef>
+            <a:fontRef idx="minor">
+              <a:schemeClr val="lt1"/>
+            </a:fontRef>
+          </p:style>
+          <p:txBody>
+            <a:bodyPr rtlCol="0" anchor="ctr"/>
+            <a:lstStyle/>
+            <a:p>
+              <a:pPr algn="ctr"/>
+              <a:endParaRPr lang="fr-FR">
+                <a:solidFill>
+                  <a:schemeClr val="bg1"/>
+                </a:solidFill>
+              </a:endParaRPr>
+            </a:p>
+          </p:txBody>
+        </p:sp>
+        <p:sp>
+          <p:nvSpPr>
+            <p:cNvPr id="14" name="Ellipse 13"/>
+            <p:cNvSpPr/>
+            <p:nvPr/>
+          </p:nvSpPr>
+          <p:spPr>
+            <a:xfrm>
+              <a:off x="6911784" y="4603850"/>
+              <a:ext cx="1728192" cy="864096"/>
+            </a:xfrm>
+            <a:prstGeom prst="ellipse">
+              <a:avLst/>
+            </a:prstGeom>
             <a:solidFill>
-              <a:schemeClr val="accent5"/>
+              <a:schemeClr val="bg1"/>
             </a:solidFill>
-          </a:ln>
-        </p:spPr>
-        <p:style>
-          <a:lnRef idx="2">
-            <a:schemeClr val="accent1">
-              <a:shade val="50000"/>
-            </a:schemeClr>
-          </a:lnRef>
-          <a:fillRef idx="1">
-            <a:schemeClr val="accent1"/>
-          </a:fillRef>
-          <a:effectRef idx="0">
-            <a:schemeClr val="accent1"/>
-          </a:effectRef>
-          <a:fontRef idx="minor">
-            <a:schemeClr val="lt1"/>
-          </a:fontRef>
-        </p:style>
-        <p:txBody>
-          <a:bodyPr rtlCol="0" anchor="ctr"/>
-          <a:lstStyle/>
-          <a:p>
-            <a:pPr algn="ctr"/>
-            <a:endParaRPr lang="fr-FR" dirty="0">
+            <a:ln>
               <a:solidFill>
-                <a:schemeClr val="bg1"/>
+                <a:schemeClr val="accent5"/>
               </a:solidFill>
-            </a:endParaRPr>
-          </a:p>
-        </p:txBody>
-      </p:sp>
-      <p:sp>
-        <p:nvSpPr>
-          <p:cNvPr id="9" name="ZoneTexte 8"/>
-          <p:cNvSpPr txBox="1"/>
-          <p:nvPr/>
-        </p:nvSpPr>
-        <p:spPr>
-          <a:xfrm>
-            <a:off x="1238158" y="3105834"/>
-            <a:ext cx="1296144" cy="646331"/>
-          </a:xfrm>
-          <a:prstGeom prst="rect">
-            <a:avLst/>
-          </a:prstGeom>
-          <a:noFill/>
-        </p:spPr>
-        <p:txBody>
-          <a:bodyPr wrap="square" rtlCol="0">
-            <a:spAutoFit/>
-          </a:bodyPr>
-          <a:lstStyle/>
-          <a:p>
-            <a:r>
-              <a:rPr lang="fr-FR" dirty="0" smtClean="0"/>
-              <a:t>Couper l’</a:t>
-            </a:r>
-            <a:r>
-              <a:rPr lang="fr-FR" dirty="0"/>
-              <a:t>é</a:t>
-            </a:r>
-            <a:r>
-              <a:rPr lang="fr-FR" dirty="0" smtClean="0"/>
-              <a:t>lectricité</a:t>
-            </a:r>
-            <a:endParaRPr lang="fr-FR" dirty="0"/>
-          </a:p>
-        </p:txBody>
-      </p:sp>
-      <p:sp>
-        <p:nvSpPr>
-          <p:cNvPr id="16" name="ZoneTexte 15"/>
-          <p:cNvSpPr txBox="1"/>
-          <p:nvPr/>
-        </p:nvSpPr>
-        <p:spPr>
-          <a:xfrm>
-            <a:off x="3602157" y="3105834"/>
-            <a:ext cx="1126615" cy="646331"/>
-          </a:xfrm>
-          <a:prstGeom prst="rect">
-            <a:avLst/>
-          </a:prstGeom>
-          <a:noFill/>
-        </p:spPr>
-        <p:txBody>
-          <a:bodyPr wrap="square" rtlCol="0">
-            <a:spAutoFit/>
-          </a:bodyPr>
-          <a:lstStyle/>
-          <a:p>
-            <a:r>
-              <a:rPr lang="fr-FR" dirty="0" smtClean="0"/>
-              <a:t>Bloquer les rues</a:t>
-            </a:r>
-            <a:endParaRPr lang="fr-FR" dirty="0"/>
-          </a:p>
-        </p:txBody>
-      </p:sp>
-      <p:sp>
-        <p:nvSpPr>
-          <p:cNvPr id="17" name="ZoneTexte 16"/>
-          <p:cNvSpPr txBox="1"/>
-          <p:nvPr/>
-        </p:nvSpPr>
-        <p:spPr>
-          <a:xfrm>
-            <a:off x="5796136" y="3105834"/>
-            <a:ext cx="2088232" cy="646331"/>
-          </a:xfrm>
-          <a:prstGeom prst="rect">
-            <a:avLst/>
-          </a:prstGeom>
-          <a:noFill/>
-        </p:spPr>
-        <p:txBody>
-          <a:bodyPr wrap="square" rtlCol="0">
-            <a:spAutoFit/>
-          </a:bodyPr>
-          <a:lstStyle/>
-          <a:p>
-            <a:r>
-              <a:rPr lang="fr-FR" dirty="0" smtClean="0"/>
-              <a:t>Bloquer le réseau informatique</a:t>
-            </a:r>
-            <a:endParaRPr lang="fr-FR" dirty="0"/>
-          </a:p>
-        </p:txBody>
-      </p:sp>
-      <p:sp>
-        <p:nvSpPr>
-          <p:cNvPr id="18" name="ZoneTexte 17"/>
-          <p:cNvSpPr txBox="1"/>
-          <p:nvPr/>
-        </p:nvSpPr>
-        <p:spPr>
-          <a:xfrm>
-            <a:off x="5112060" y="4690010"/>
-            <a:ext cx="1368152" cy="646331"/>
-          </a:xfrm>
-          <a:prstGeom prst="rect">
-            <a:avLst/>
-          </a:prstGeom>
-          <a:noFill/>
-        </p:spPr>
-        <p:txBody>
-          <a:bodyPr wrap="square" rtlCol="0">
-            <a:spAutoFit/>
-          </a:bodyPr>
-          <a:lstStyle/>
-          <a:p>
-            <a:r>
-              <a:rPr lang="fr-FR" dirty="0" smtClean="0"/>
-              <a:t>Pirater le réseau</a:t>
-            </a:r>
-            <a:endParaRPr lang="fr-FR" dirty="0"/>
-          </a:p>
-        </p:txBody>
-      </p:sp>
-      <p:sp>
-        <p:nvSpPr>
-          <p:cNvPr id="19" name="ZoneTexte 18"/>
-          <p:cNvSpPr txBox="1"/>
-          <p:nvPr/>
-        </p:nvSpPr>
-        <p:spPr>
-          <a:xfrm>
-            <a:off x="7207466" y="4725144"/>
-            <a:ext cx="1296144" cy="646331"/>
-          </a:xfrm>
-          <a:prstGeom prst="rect">
-            <a:avLst/>
-          </a:prstGeom>
-          <a:noFill/>
-        </p:spPr>
-        <p:txBody>
-          <a:bodyPr wrap="square" rtlCol="0">
-            <a:spAutoFit/>
-          </a:bodyPr>
-          <a:lstStyle/>
-          <a:p>
-            <a:r>
-              <a:rPr lang="fr-FR" dirty="0" smtClean="0"/>
-              <a:t>Couper le système</a:t>
-            </a:r>
-            <a:endParaRPr lang="fr-FR" dirty="0"/>
-          </a:p>
-        </p:txBody>
-      </p:sp>
-      <p:cxnSp>
-        <p:nvCxnSpPr>
-          <p:cNvPr id="21" name="Connecteur droit 20"/>
-          <p:cNvCxnSpPr>
-            <a:endCxn id="11" idx="0"/>
-          </p:cNvCxnSpPr>
-          <p:nvPr/>
-        </p:nvCxnSpPr>
-        <p:spPr>
-          <a:xfrm flipH="1">
-            <a:off x="1835696" y="2312005"/>
-            <a:ext cx="1681697" cy="684947"/>
-          </a:xfrm>
-          <a:prstGeom prst="line">
-            <a:avLst/>
-          </a:prstGeom>
-        </p:spPr>
-        <p:style>
-          <a:lnRef idx="1">
-            <a:schemeClr val="accent1"/>
-          </a:lnRef>
-          <a:fillRef idx="0">
-            <a:schemeClr val="accent1"/>
-          </a:fillRef>
-          <a:effectRef idx="0">
-            <a:schemeClr val="accent1"/>
-          </a:effectRef>
-          <a:fontRef idx="minor">
-            <a:schemeClr val="tx1"/>
-          </a:fontRef>
-        </p:style>
-      </p:cxnSp>
-      <p:cxnSp>
-        <p:nvCxnSpPr>
-          <p:cNvPr id="24" name="Connecteur droit 23"/>
-          <p:cNvCxnSpPr>
-            <a:stCxn id="5" idx="4"/>
-            <a:endCxn id="12" idx="0"/>
-          </p:cNvCxnSpPr>
-          <p:nvPr/>
-        </p:nvCxnSpPr>
-        <p:spPr>
-          <a:xfrm>
-            <a:off x="4067944" y="2420888"/>
-            <a:ext cx="0" cy="576064"/>
-          </a:xfrm>
-          <a:prstGeom prst="line">
-            <a:avLst/>
-          </a:prstGeom>
-        </p:spPr>
-        <p:style>
-          <a:lnRef idx="1">
-            <a:schemeClr val="accent1"/>
-          </a:lnRef>
-          <a:fillRef idx="0">
-            <a:schemeClr val="accent1"/>
-          </a:fillRef>
-          <a:effectRef idx="0">
-            <a:schemeClr val="accent1"/>
-          </a:effectRef>
-          <a:fontRef idx="minor">
-            <a:schemeClr val="tx1"/>
-          </a:fontRef>
-        </p:style>
-      </p:cxnSp>
-      <p:cxnSp>
-        <p:nvCxnSpPr>
-          <p:cNvPr id="31" name="Connecteur droit 30"/>
-          <p:cNvCxnSpPr>
-            <a:stCxn id="5" idx="5"/>
-            <a:endCxn id="13" idx="0"/>
-          </p:cNvCxnSpPr>
-          <p:nvPr/>
-        </p:nvCxnSpPr>
-        <p:spPr>
-          <a:xfrm>
-            <a:off x="4678952" y="2294344"/>
-            <a:ext cx="1981280" cy="702608"/>
-          </a:xfrm>
-          <a:prstGeom prst="line">
-            <a:avLst/>
-          </a:prstGeom>
-        </p:spPr>
-        <p:style>
-          <a:lnRef idx="1">
-            <a:schemeClr val="accent1"/>
-          </a:lnRef>
-          <a:fillRef idx="0">
-            <a:schemeClr val="accent1"/>
-          </a:fillRef>
-          <a:effectRef idx="0">
-            <a:schemeClr val="accent1"/>
-          </a:effectRef>
-          <a:fontRef idx="minor">
-            <a:schemeClr val="tx1"/>
-          </a:fontRef>
-        </p:style>
-      </p:cxnSp>
-      <p:cxnSp>
-        <p:nvCxnSpPr>
-          <p:cNvPr id="34" name="Connecteur droit 33"/>
-          <p:cNvCxnSpPr>
-            <a:stCxn id="13" idx="4"/>
-            <a:endCxn id="15" idx="0"/>
-          </p:cNvCxnSpPr>
-          <p:nvPr/>
-        </p:nvCxnSpPr>
-        <p:spPr>
-          <a:xfrm flipH="1">
-            <a:off x="5669592" y="3861048"/>
-            <a:ext cx="990640" cy="742802"/>
-          </a:xfrm>
-          <a:prstGeom prst="line">
-            <a:avLst/>
-          </a:prstGeom>
-        </p:spPr>
-        <p:style>
-          <a:lnRef idx="1">
-            <a:schemeClr val="accent1"/>
-          </a:lnRef>
-          <a:fillRef idx="0">
-            <a:schemeClr val="accent1"/>
-          </a:fillRef>
-          <a:effectRef idx="0">
-            <a:schemeClr val="accent1"/>
-          </a:effectRef>
-          <a:fontRef idx="minor">
-            <a:schemeClr val="tx1"/>
-          </a:fontRef>
-        </p:style>
-      </p:cxnSp>
-      <p:cxnSp>
-        <p:nvCxnSpPr>
-          <p:cNvPr id="37" name="Connecteur droit 36"/>
-          <p:cNvCxnSpPr>
-            <a:stCxn id="13" idx="4"/>
-            <a:endCxn id="14" idx="0"/>
-          </p:cNvCxnSpPr>
-          <p:nvPr/>
-        </p:nvCxnSpPr>
-        <p:spPr>
-          <a:xfrm>
-            <a:off x="6660232" y="3861048"/>
-            <a:ext cx="1115648" cy="742802"/>
-          </a:xfrm>
-          <a:prstGeom prst="line">
-            <a:avLst/>
-          </a:prstGeom>
-        </p:spPr>
-        <p:style>
-          <a:lnRef idx="1">
-            <a:schemeClr val="accent1"/>
-          </a:lnRef>
-          <a:fillRef idx="0">
-            <a:schemeClr val="accent1"/>
-          </a:fillRef>
-          <a:effectRef idx="0">
-            <a:schemeClr val="accent1"/>
-          </a:effectRef>
-          <a:fontRef idx="minor">
-            <a:schemeClr val="tx1"/>
-          </a:fontRef>
-        </p:style>
-      </p:cxnSp>
-      <p:cxnSp>
-        <p:nvCxnSpPr>
-          <p:cNvPr id="43" name="Connecteur droit 42"/>
-          <p:cNvCxnSpPr/>
-          <p:nvPr/>
-        </p:nvCxnSpPr>
-        <p:spPr>
-          <a:xfrm>
-            <a:off x="6164912" y="4232449"/>
-            <a:ext cx="1053144" cy="0"/>
-          </a:xfrm>
-          <a:prstGeom prst="line">
-            <a:avLst/>
-          </a:prstGeom>
-        </p:spPr>
-        <p:style>
-          <a:lnRef idx="1">
-            <a:schemeClr val="accent1"/>
-          </a:lnRef>
-          <a:fillRef idx="0">
-            <a:schemeClr val="accent1"/>
-          </a:fillRef>
-          <a:effectRef idx="0">
-            <a:schemeClr val="accent1"/>
-          </a:effectRef>
-          <a:fontRef idx="minor">
-            <a:schemeClr val="tx1"/>
-          </a:fontRef>
-        </p:style>
-      </p:cxnSp>
+            </a:ln>
+          </p:spPr>
+          <p:style>
+            <a:lnRef idx="2">
+              <a:schemeClr val="accent1">
+                <a:shade val="50000"/>
+              </a:schemeClr>
+            </a:lnRef>
+            <a:fillRef idx="1">
+              <a:schemeClr val="accent1"/>
+            </a:fillRef>
+            <a:effectRef idx="0">
+              <a:schemeClr val="accent1"/>
+            </a:effectRef>
+            <a:fontRef idx="minor">
+              <a:schemeClr val="lt1"/>
+            </a:fontRef>
+          </p:style>
+          <p:txBody>
+            <a:bodyPr rtlCol="0" anchor="ctr"/>
+            <a:lstStyle/>
+            <a:p>
+              <a:pPr algn="ctr"/>
+              <a:endParaRPr lang="fr-FR">
+                <a:solidFill>
+                  <a:schemeClr val="bg1"/>
+                </a:solidFill>
+              </a:endParaRPr>
+            </a:p>
+          </p:txBody>
+        </p:sp>
+        <p:sp>
+          <p:nvSpPr>
+            <p:cNvPr id="15" name="Ellipse 14"/>
+            <p:cNvSpPr/>
+            <p:nvPr/>
+          </p:nvSpPr>
+          <p:spPr>
+            <a:xfrm>
+              <a:off x="4805496" y="4603850"/>
+              <a:ext cx="1728192" cy="864096"/>
+            </a:xfrm>
+            <a:prstGeom prst="ellipse">
+              <a:avLst/>
+            </a:prstGeom>
+            <a:solidFill>
+              <a:schemeClr val="bg1"/>
+            </a:solidFill>
+            <a:ln>
+              <a:solidFill>
+                <a:schemeClr val="accent5"/>
+              </a:solidFill>
+            </a:ln>
+          </p:spPr>
+          <p:style>
+            <a:lnRef idx="2">
+              <a:schemeClr val="accent1">
+                <a:shade val="50000"/>
+              </a:schemeClr>
+            </a:lnRef>
+            <a:fillRef idx="1">
+              <a:schemeClr val="accent1"/>
+            </a:fillRef>
+            <a:effectRef idx="0">
+              <a:schemeClr val="accent1"/>
+            </a:effectRef>
+            <a:fontRef idx="minor">
+              <a:schemeClr val="lt1"/>
+            </a:fontRef>
+          </p:style>
+          <p:txBody>
+            <a:bodyPr rtlCol="0" anchor="ctr"/>
+            <a:lstStyle/>
+            <a:p>
+              <a:pPr algn="ctr"/>
+              <a:endParaRPr lang="fr-FR" dirty="0">
+                <a:solidFill>
+                  <a:schemeClr val="bg1"/>
+                </a:solidFill>
+              </a:endParaRPr>
+            </a:p>
+          </p:txBody>
+        </p:sp>
+        <p:sp>
+          <p:nvSpPr>
+            <p:cNvPr id="9" name="ZoneTexte 8"/>
+            <p:cNvSpPr txBox="1"/>
+            <p:nvPr/>
+          </p:nvSpPr>
+          <p:spPr>
+            <a:xfrm>
+              <a:off x="1238158" y="3105834"/>
+              <a:ext cx="1296144" cy="646331"/>
+            </a:xfrm>
+            <a:prstGeom prst="rect">
+              <a:avLst/>
+            </a:prstGeom>
+            <a:noFill/>
+          </p:spPr>
+          <p:txBody>
+            <a:bodyPr wrap="square" rtlCol="0">
+              <a:spAutoFit/>
+            </a:bodyPr>
+            <a:lstStyle/>
+            <a:p>
+              <a:r>
+                <a:rPr lang="fr-FR" dirty="0" smtClean="0"/>
+                <a:t>Couper l’</a:t>
+              </a:r>
+              <a:r>
+                <a:rPr lang="fr-FR" dirty="0"/>
+                <a:t>é</a:t>
+              </a:r>
+              <a:r>
+                <a:rPr lang="fr-FR" dirty="0" smtClean="0"/>
+                <a:t>lectricité</a:t>
+              </a:r>
+              <a:endParaRPr lang="fr-FR" dirty="0"/>
+            </a:p>
+          </p:txBody>
+        </p:sp>
+        <p:sp>
+          <p:nvSpPr>
+            <p:cNvPr id="16" name="ZoneTexte 15"/>
+            <p:cNvSpPr txBox="1"/>
+            <p:nvPr/>
+          </p:nvSpPr>
+          <p:spPr>
+            <a:xfrm>
+              <a:off x="3602157" y="3105834"/>
+              <a:ext cx="1126615" cy="646331"/>
+            </a:xfrm>
+            <a:prstGeom prst="rect">
+              <a:avLst/>
+            </a:prstGeom>
+            <a:noFill/>
+          </p:spPr>
+          <p:txBody>
+            <a:bodyPr wrap="square" rtlCol="0">
+              <a:spAutoFit/>
+            </a:bodyPr>
+            <a:lstStyle/>
+            <a:p>
+              <a:r>
+                <a:rPr lang="fr-FR" dirty="0" smtClean="0"/>
+                <a:t>Bloquer les rues</a:t>
+              </a:r>
+              <a:endParaRPr lang="fr-FR" dirty="0"/>
+            </a:p>
+          </p:txBody>
+        </p:sp>
+        <p:sp>
+          <p:nvSpPr>
+            <p:cNvPr id="17" name="ZoneTexte 16"/>
+            <p:cNvSpPr txBox="1"/>
+            <p:nvPr/>
+          </p:nvSpPr>
+          <p:spPr>
+            <a:xfrm>
+              <a:off x="5796136" y="3105834"/>
+              <a:ext cx="2088232" cy="646331"/>
+            </a:xfrm>
+            <a:prstGeom prst="rect">
+              <a:avLst/>
+            </a:prstGeom>
+            <a:noFill/>
+          </p:spPr>
+          <p:txBody>
+            <a:bodyPr wrap="square" rtlCol="0">
+              <a:spAutoFit/>
+            </a:bodyPr>
+            <a:lstStyle/>
+            <a:p>
+              <a:r>
+                <a:rPr lang="fr-FR" dirty="0" smtClean="0"/>
+                <a:t>Bloquer le réseau informatique</a:t>
+              </a:r>
+              <a:endParaRPr lang="fr-FR" dirty="0"/>
+            </a:p>
+          </p:txBody>
+        </p:sp>
+        <p:sp>
+          <p:nvSpPr>
+            <p:cNvPr id="18" name="ZoneTexte 17"/>
+            <p:cNvSpPr txBox="1"/>
+            <p:nvPr/>
+          </p:nvSpPr>
+          <p:spPr>
+            <a:xfrm>
+              <a:off x="5112060" y="4690010"/>
+              <a:ext cx="1368152" cy="646331"/>
+            </a:xfrm>
+            <a:prstGeom prst="rect">
+              <a:avLst/>
+            </a:prstGeom>
+            <a:noFill/>
+          </p:spPr>
+          <p:txBody>
+            <a:bodyPr wrap="square" rtlCol="0">
+              <a:spAutoFit/>
+            </a:bodyPr>
+            <a:lstStyle/>
+            <a:p>
+              <a:r>
+                <a:rPr lang="fr-FR" dirty="0" smtClean="0"/>
+                <a:t>Pirater le réseau</a:t>
+              </a:r>
+              <a:endParaRPr lang="fr-FR" dirty="0"/>
+            </a:p>
+          </p:txBody>
+        </p:sp>
+        <p:sp>
+          <p:nvSpPr>
+            <p:cNvPr id="19" name="ZoneTexte 18"/>
+            <p:cNvSpPr txBox="1"/>
+            <p:nvPr/>
+          </p:nvSpPr>
+          <p:spPr>
+            <a:xfrm>
+              <a:off x="7207466" y="4725144"/>
+              <a:ext cx="1296144" cy="646331"/>
+            </a:xfrm>
+            <a:prstGeom prst="rect">
+              <a:avLst/>
+            </a:prstGeom>
+            <a:noFill/>
+          </p:spPr>
+          <p:txBody>
+            <a:bodyPr wrap="square" rtlCol="0">
+              <a:spAutoFit/>
+            </a:bodyPr>
+            <a:lstStyle/>
+            <a:p>
+              <a:r>
+                <a:rPr lang="fr-FR" dirty="0" smtClean="0"/>
+                <a:t>Couper le système</a:t>
+              </a:r>
+              <a:endParaRPr lang="fr-FR" dirty="0"/>
+            </a:p>
+          </p:txBody>
+        </p:sp>
+        <p:cxnSp>
+          <p:nvCxnSpPr>
+            <p:cNvPr id="21" name="Connecteur droit 20"/>
+            <p:cNvCxnSpPr>
+              <a:endCxn id="11" idx="0"/>
+            </p:cNvCxnSpPr>
+            <p:nvPr/>
+          </p:nvCxnSpPr>
+          <p:spPr>
+            <a:xfrm flipH="1">
+              <a:off x="1835696" y="2312005"/>
+              <a:ext cx="1681697" cy="684947"/>
+            </a:xfrm>
+            <a:prstGeom prst="line">
+              <a:avLst/>
+            </a:prstGeom>
+          </p:spPr>
+          <p:style>
+            <a:lnRef idx="1">
+              <a:schemeClr val="accent1"/>
+            </a:lnRef>
+            <a:fillRef idx="0">
+              <a:schemeClr val="accent1"/>
+            </a:fillRef>
+            <a:effectRef idx="0">
+              <a:schemeClr val="accent1"/>
+            </a:effectRef>
+            <a:fontRef idx="minor">
+              <a:schemeClr val="tx1"/>
+            </a:fontRef>
+          </p:style>
+        </p:cxnSp>
+        <p:cxnSp>
+          <p:nvCxnSpPr>
+            <p:cNvPr id="24" name="Connecteur droit 23"/>
+            <p:cNvCxnSpPr>
+              <a:stCxn id="5" idx="4"/>
+              <a:endCxn id="12" idx="0"/>
+            </p:cNvCxnSpPr>
+            <p:nvPr/>
+          </p:nvCxnSpPr>
+          <p:spPr>
+            <a:xfrm>
+              <a:off x="4067944" y="2420888"/>
+              <a:ext cx="0" cy="576064"/>
+            </a:xfrm>
+            <a:prstGeom prst="line">
+              <a:avLst/>
+            </a:prstGeom>
+          </p:spPr>
+          <p:style>
+            <a:lnRef idx="1">
+              <a:schemeClr val="accent1"/>
+            </a:lnRef>
+            <a:fillRef idx="0">
+              <a:schemeClr val="accent1"/>
+            </a:fillRef>
+            <a:effectRef idx="0">
+              <a:schemeClr val="accent1"/>
+            </a:effectRef>
+            <a:fontRef idx="minor">
+              <a:schemeClr val="tx1"/>
+            </a:fontRef>
+          </p:style>
+        </p:cxnSp>
+        <p:cxnSp>
+          <p:nvCxnSpPr>
+            <p:cNvPr id="31" name="Connecteur droit 30"/>
+            <p:cNvCxnSpPr>
+              <a:stCxn id="5" idx="5"/>
+              <a:endCxn id="13" idx="0"/>
+            </p:cNvCxnSpPr>
+            <p:nvPr/>
+          </p:nvCxnSpPr>
+          <p:spPr>
+            <a:xfrm>
+              <a:off x="4678952" y="2294344"/>
+              <a:ext cx="1981280" cy="702608"/>
+            </a:xfrm>
+            <a:prstGeom prst="line">
+              <a:avLst/>
+            </a:prstGeom>
+          </p:spPr>
+          <p:style>
+            <a:lnRef idx="1">
+              <a:schemeClr val="accent1"/>
+            </a:lnRef>
+            <a:fillRef idx="0">
+              <a:schemeClr val="accent1"/>
+            </a:fillRef>
+            <a:effectRef idx="0">
+              <a:schemeClr val="accent1"/>
+            </a:effectRef>
+            <a:fontRef idx="minor">
+              <a:schemeClr val="tx1"/>
+            </a:fontRef>
+          </p:style>
+        </p:cxnSp>
+        <p:cxnSp>
+          <p:nvCxnSpPr>
+            <p:cNvPr id="34" name="Connecteur droit 33"/>
+            <p:cNvCxnSpPr>
+              <a:stCxn id="13" idx="4"/>
+              <a:endCxn id="15" idx="0"/>
+            </p:cNvCxnSpPr>
+            <p:nvPr/>
+          </p:nvCxnSpPr>
+          <p:spPr>
+            <a:xfrm flipH="1">
+              <a:off x="5669592" y="3861048"/>
+              <a:ext cx="990640" cy="742802"/>
+            </a:xfrm>
+            <a:prstGeom prst="line">
+              <a:avLst/>
+            </a:prstGeom>
+          </p:spPr>
+          <p:style>
+            <a:lnRef idx="1">
+              <a:schemeClr val="accent1"/>
+            </a:lnRef>
+            <a:fillRef idx="0">
+              <a:schemeClr val="accent1"/>
+            </a:fillRef>
+            <a:effectRef idx="0">
+              <a:schemeClr val="accent1"/>
+            </a:effectRef>
+            <a:fontRef idx="minor">
+              <a:schemeClr val="tx1"/>
+            </a:fontRef>
+          </p:style>
+        </p:cxnSp>
+        <p:cxnSp>
+          <p:nvCxnSpPr>
+            <p:cNvPr id="37" name="Connecteur droit 36"/>
+            <p:cNvCxnSpPr>
+              <a:stCxn id="13" idx="4"/>
+              <a:endCxn id="14" idx="0"/>
+            </p:cNvCxnSpPr>
+            <p:nvPr/>
+          </p:nvCxnSpPr>
+          <p:spPr>
+            <a:xfrm>
+              <a:off x="6660232" y="3861048"/>
+              <a:ext cx="1115648" cy="742802"/>
+            </a:xfrm>
+            <a:prstGeom prst="line">
+              <a:avLst/>
+            </a:prstGeom>
+          </p:spPr>
+          <p:style>
+            <a:lnRef idx="1">
+              <a:schemeClr val="accent1"/>
+            </a:lnRef>
+            <a:fillRef idx="0">
+              <a:schemeClr val="accent1"/>
+            </a:fillRef>
+            <a:effectRef idx="0">
+              <a:schemeClr val="accent1"/>
+            </a:effectRef>
+            <a:fontRef idx="minor">
+              <a:schemeClr val="tx1"/>
+            </a:fontRef>
+          </p:style>
+        </p:cxnSp>
+        <p:cxnSp>
+          <p:nvCxnSpPr>
+            <p:cNvPr id="43" name="Connecteur droit 42"/>
+            <p:cNvCxnSpPr/>
+            <p:nvPr/>
+          </p:nvCxnSpPr>
+          <p:spPr>
+            <a:xfrm>
+              <a:off x="6164912" y="4232449"/>
+              <a:ext cx="1053144" cy="0"/>
+            </a:xfrm>
+            <a:prstGeom prst="line">
+              <a:avLst/>
+            </a:prstGeom>
+          </p:spPr>
+          <p:style>
+            <a:lnRef idx="1">
+              <a:schemeClr val="accent1"/>
+            </a:lnRef>
+            <a:fillRef idx="0">
+              <a:schemeClr val="accent1"/>
+            </a:fillRef>
+            <a:effectRef idx="0">
+              <a:schemeClr val="accent1"/>
+            </a:effectRef>
+            <a:fontRef idx="minor">
+              <a:schemeClr val="tx1"/>
+            </a:fontRef>
+          </p:style>
+        </p:cxnSp>
+      </p:grpSp>
       <p:sp>
         <p:nvSpPr>
           <p:cNvPr id="8" name="Rectangle 7"/>
@@ -7457,134 +7454,149 @@
           </a:p>
         </p:txBody>
       </p:sp>
-      <p:cxnSp>
-        <p:nvCxnSpPr>
-          <p:cNvPr id="20" name="Connecteur droit 19"/>
-          <p:cNvCxnSpPr>
-            <a:stCxn id="15" idx="4"/>
-          </p:cNvCxnSpPr>
+      <p:grpSp>
+        <p:nvGrpSpPr>
+          <p:cNvPr id="26" name="Groupe 25"/>
+          <p:cNvGrpSpPr/>
           <p:nvPr/>
-        </p:nvCxnSpPr>
-        <p:spPr>
+        </p:nvGrpSpPr>
+        <p:grpSpPr>
           <a:xfrm>
-            <a:off x="5669592" y="5467946"/>
-            <a:ext cx="0" cy="121294"/>
+            <a:off x="5075526" y="5467946"/>
+            <a:ext cx="1188132" cy="1138117"/>
+            <a:chOff x="5075526" y="5467946"/>
+            <a:chExt cx="1188132" cy="1138117"/>
           </a:xfrm>
-          <a:prstGeom prst="line">
-            <a:avLst/>
-          </a:prstGeom>
-        </p:spPr>
-        <p:style>
-          <a:lnRef idx="1">
-            <a:schemeClr val="accent1"/>
-          </a:lnRef>
-          <a:fillRef idx="0">
-            <a:schemeClr val="accent1"/>
-          </a:fillRef>
-          <a:effectRef idx="0">
-            <a:schemeClr val="accent1"/>
-          </a:effectRef>
-          <a:fontRef idx="minor">
-            <a:schemeClr val="tx1"/>
-          </a:fontRef>
-        </p:style>
-      </p:cxnSp>
-      <p:cxnSp>
-        <p:nvCxnSpPr>
-          <p:cNvPr id="23" name="Connecteur droit 22"/>
-          <p:cNvCxnSpPr/>
-          <p:nvPr/>
-        </p:nvCxnSpPr>
-        <p:spPr>
-          <a:xfrm>
-            <a:off x="5669592" y="5692204"/>
-            <a:ext cx="0" cy="108012"/>
-          </a:xfrm>
-          <a:prstGeom prst="line">
-            <a:avLst/>
-          </a:prstGeom>
-        </p:spPr>
-        <p:style>
-          <a:lnRef idx="1">
-            <a:schemeClr val="accent1"/>
-          </a:lnRef>
-          <a:fillRef idx="0">
-            <a:schemeClr val="accent1"/>
-          </a:fillRef>
-          <a:effectRef idx="0">
-            <a:schemeClr val="accent1"/>
-          </a:effectRef>
-          <a:fontRef idx="minor">
-            <a:schemeClr val="tx1"/>
-          </a:fontRef>
-        </p:style>
-      </p:cxnSp>
-      <p:cxnSp>
-        <p:nvCxnSpPr>
-          <p:cNvPr id="27" name="Connecteur droit 26"/>
-          <p:cNvCxnSpPr>
-            <a:endCxn id="8" idx="0"/>
-          </p:cNvCxnSpPr>
-          <p:nvPr/>
-        </p:nvCxnSpPr>
-        <p:spPr>
-          <a:xfrm>
-            <a:off x="5669592" y="5910752"/>
-            <a:ext cx="0" cy="110536"/>
-          </a:xfrm>
-          <a:prstGeom prst="line">
-            <a:avLst/>
-          </a:prstGeom>
-        </p:spPr>
-        <p:style>
-          <a:lnRef idx="1">
-            <a:schemeClr val="accent1"/>
-          </a:lnRef>
-          <a:fillRef idx="0">
-            <a:schemeClr val="accent1"/>
-          </a:fillRef>
-          <a:effectRef idx="0">
-            <a:schemeClr val="accent1"/>
-          </a:effectRef>
-          <a:fontRef idx="minor">
-            <a:schemeClr val="tx1"/>
-          </a:fontRef>
-        </p:style>
-      </p:cxnSp>
-      <p:sp>
-        <p:nvSpPr>
-          <p:cNvPr id="29" name="ZoneTexte 28"/>
-          <p:cNvSpPr txBox="1"/>
-          <p:nvPr/>
-        </p:nvSpPr>
-        <p:spPr>
-          <a:xfrm>
-            <a:off x="5075526" y="6021288"/>
-            <a:ext cx="1188132" cy="584775"/>
-          </a:xfrm>
-          <a:prstGeom prst="rect">
-            <a:avLst/>
-          </a:prstGeom>
-          <a:noFill/>
-        </p:spPr>
-        <p:txBody>
-          <a:bodyPr wrap="square" rtlCol="0">
-            <a:spAutoFit/>
-          </a:bodyPr>
-          <a:lstStyle/>
-          <a:p>
-            <a:r>
-              <a:rPr lang="fr-FR" sz="1600" dirty="0" smtClean="0"/>
-              <a:t>Installer un </a:t>
-            </a:r>
-            <a:r>
-              <a:rPr lang="fr-FR" sz="1600" dirty="0" err="1" smtClean="0"/>
-              <a:t>FireWall</a:t>
-            </a:r>
-            <a:endParaRPr lang="fr-FR" sz="1600" dirty="0"/>
-          </a:p>
-        </p:txBody>
-      </p:sp>
+        </p:grpSpPr>
+        <p:cxnSp>
+          <p:nvCxnSpPr>
+            <p:cNvPr id="20" name="Connecteur droit 19"/>
+            <p:cNvCxnSpPr>
+              <a:stCxn id="15" idx="4"/>
+            </p:cNvCxnSpPr>
+            <p:nvPr/>
+          </p:nvCxnSpPr>
+          <p:spPr>
+            <a:xfrm>
+              <a:off x="5669592" y="5467946"/>
+              <a:ext cx="0" cy="121294"/>
+            </a:xfrm>
+            <a:prstGeom prst="line">
+              <a:avLst/>
+            </a:prstGeom>
+          </p:spPr>
+          <p:style>
+            <a:lnRef idx="1">
+              <a:schemeClr val="accent1"/>
+            </a:lnRef>
+            <a:fillRef idx="0">
+              <a:schemeClr val="accent1"/>
+            </a:fillRef>
+            <a:effectRef idx="0">
+              <a:schemeClr val="accent1"/>
+            </a:effectRef>
+            <a:fontRef idx="minor">
+              <a:schemeClr val="tx1"/>
+            </a:fontRef>
+          </p:style>
+        </p:cxnSp>
+        <p:cxnSp>
+          <p:nvCxnSpPr>
+            <p:cNvPr id="23" name="Connecteur droit 22"/>
+            <p:cNvCxnSpPr/>
+            <p:nvPr/>
+          </p:nvCxnSpPr>
+          <p:spPr>
+            <a:xfrm>
+              <a:off x="5669592" y="5692204"/>
+              <a:ext cx="0" cy="108012"/>
+            </a:xfrm>
+            <a:prstGeom prst="line">
+              <a:avLst/>
+            </a:prstGeom>
+          </p:spPr>
+          <p:style>
+            <a:lnRef idx="1">
+              <a:schemeClr val="accent1"/>
+            </a:lnRef>
+            <a:fillRef idx="0">
+              <a:schemeClr val="accent1"/>
+            </a:fillRef>
+            <a:effectRef idx="0">
+              <a:schemeClr val="accent1"/>
+            </a:effectRef>
+            <a:fontRef idx="minor">
+              <a:schemeClr val="tx1"/>
+            </a:fontRef>
+          </p:style>
+        </p:cxnSp>
+        <p:cxnSp>
+          <p:nvCxnSpPr>
+            <p:cNvPr id="27" name="Connecteur droit 26"/>
+            <p:cNvCxnSpPr>
+              <a:endCxn id="8" idx="0"/>
+            </p:cNvCxnSpPr>
+            <p:nvPr/>
+          </p:nvCxnSpPr>
+          <p:spPr>
+            <a:xfrm>
+              <a:off x="5669592" y="5910752"/>
+              <a:ext cx="0" cy="110536"/>
+            </a:xfrm>
+            <a:prstGeom prst="line">
+              <a:avLst/>
+            </a:prstGeom>
+          </p:spPr>
+          <p:style>
+            <a:lnRef idx="1">
+              <a:schemeClr val="accent1"/>
+            </a:lnRef>
+            <a:fillRef idx="0">
+              <a:schemeClr val="accent1"/>
+            </a:fillRef>
+            <a:effectRef idx="0">
+              <a:schemeClr val="accent1"/>
+            </a:effectRef>
+            <a:fontRef idx="minor">
+              <a:schemeClr val="tx1"/>
+            </a:fontRef>
+          </p:style>
+        </p:cxnSp>
+        <p:sp>
+          <p:nvSpPr>
+            <p:cNvPr id="29" name="ZoneTexte 28"/>
+            <p:cNvSpPr txBox="1"/>
+            <p:nvPr/>
+          </p:nvSpPr>
+          <p:spPr>
+            <a:xfrm>
+              <a:off x="5075526" y="6021288"/>
+              <a:ext cx="1188132" cy="584775"/>
+            </a:xfrm>
+            <a:prstGeom prst="rect">
+              <a:avLst/>
+            </a:prstGeom>
+            <a:noFill/>
+          </p:spPr>
+          <p:txBody>
+            <a:bodyPr wrap="square" rtlCol="0">
+              <a:spAutoFit/>
+            </a:bodyPr>
+            <a:lstStyle/>
+            <a:p>
+              <a:r>
+                <a:rPr lang="fr-FR" sz="1600" dirty="0" smtClean="0"/>
+                <a:t>Installer un </a:t>
+              </a:r>
+              <a:r>
+                <a:rPr lang="fr-FR" sz="1600" dirty="0" err="1" smtClean="0"/>
+                <a:t>FireWall</a:t>
+              </a:r>
+              <a:endParaRPr lang="fr-FR" sz="1600" dirty="0"/>
+            </a:p>
+          </p:txBody>
+        </p:sp>
+      </p:grpSp>
     </p:spTree>
     <p:extLst>
       <p:ext uri="{BB962C8B-B14F-4D97-AF65-F5344CB8AC3E}">
@@ -7595,6 +7607,18 @@
   <p:clrMapOvr>
     <a:masterClrMapping/>
   </p:clrMapOvr>
+  <mc:AlternateContent xmlns:mc="http://schemas.openxmlformats.org/markup-compatibility/2006">
+    <mc:Choice xmlns:p14="http://schemas.microsoft.com/office/powerpoint/2010/main" Requires="p14">
+      <p:transition spd="med" p14:dur="700">
+        <p:fade/>
+      </p:transition>
+    </mc:Choice>
+    <mc:Fallback>
+      <p:transition spd="med">
+        <p:fade/>
+      </p:transition>
+    </mc:Fallback>
+  </mc:AlternateContent>
   <p:timing>
     <p:tnLst>
       <p:par>
@@ -7616,10 +7640,15 @@
                             </p:stCondLst>
                             <p:childTnLst>
                               <p:par>
-                                <p:cTn id="5" presetID="1" presetClass="entr" presetSubtype="0" fill="hold" grpId="0" nodeType="clickEffect">
+                                <p:cTn id="5" presetID="1" presetClass="entr" presetSubtype="0" fill="hold" grpId="0" nodeType="clickEffect" nodePh="1">
                                   <p:stCondLst>
                                     <p:cond delay="0"/>
                                   </p:stCondLst>
+                                  <p:endCondLst>
+                                    <p:cond evt="begin" delay="0">
+                                      <p:tn val="5"/>
+                                    </p:cond>
+                                  </p:endCondLst>
                                   <p:childTnLst>
                                     <p:set>
                                       <p:cBhvr>
@@ -7629,11 +7658,7 @@
                                           </p:stCondLst>
                                         </p:cTn>
                                         <p:tgtEl>
-                                          <p:spTgt spid="3">
-                                            <p:txEl>
-                                              <p:pRg st="0" end="0"/>
-                                            </p:txEl>
-                                          </p:spTgt>
+                                          <p:spTgt spid="6"/>
                                         </p:tgtEl>
                                         <p:attrNameLst>
                                           <p:attrName>style.visibility</p:attrName>
@@ -7674,7 +7699,7 @@
       </p:par>
     </p:tnLst>
     <p:bldLst>
-      <p:bldP spid="3" grpId="0" build="p"/>
+      <p:bldP spid="6" grpId="0"/>
     </p:bldLst>
   </p:timing>
 </p:sld>
